--- a/Class 4 - Application Services.pptx
+++ b/Class 4 - Application Services.pptx
@@ -5,28 +5,31 @@
     <p:sldMasterId id="2147483648" r:id="rId1"/>
   </p:sldMasterIdLst>
   <p:notesMasterIdLst>
-    <p:notesMasterId r:id="rId21"/>
+    <p:notesMasterId r:id="rId24"/>
   </p:notesMasterIdLst>
   <p:sldIdLst>
     <p:sldId id="257" r:id="rId2"/>
     <p:sldId id="258" r:id="rId3"/>
-    <p:sldId id="259" r:id="rId4"/>
-    <p:sldId id="260" r:id="rId5"/>
-    <p:sldId id="261" r:id="rId6"/>
-    <p:sldId id="262" r:id="rId7"/>
-    <p:sldId id="263" r:id="rId8"/>
-    <p:sldId id="264" r:id="rId9"/>
-    <p:sldId id="265" r:id="rId10"/>
-    <p:sldId id="266" r:id="rId11"/>
-    <p:sldId id="267" r:id="rId12"/>
-    <p:sldId id="268" r:id="rId13"/>
-    <p:sldId id="269" r:id="rId14"/>
-    <p:sldId id="270" r:id="rId15"/>
-    <p:sldId id="271" r:id="rId16"/>
-    <p:sldId id="272" r:id="rId17"/>
-    <p:sldId id="273" r:id="rId18"/>
-    <p:sldId id="274" r:id="rId19"/>
-    <p:sldId id="275" r:id="rId20"/>
+    <p:sldId id="277" r:id="rId4"/>
+    <p:sldId id="278" r:id="rId5"/>
+    <p:sldId id="276" r:id="rId6"/>
+    <p:sldId id="259" r:id="rId7"/>
+    <p:sldId id="260" r:id="rId8"/>
+    <p:sldId id="261" r:id="rId9"/>
+    <p:sldId id="262" r:id="rId10"/>
+    <p:sldId id="263" r:id="rId11"/>
+    <p:sldId id="264" r:id="rId12"/>
+    <p:sldId id="265" r:id="rId13"/>
+    <p:sldId id="266" r:id="rId14"/>
+    <p:sldId id="267" r:id="rId15"/>
+    <p:sldId id="268" r:id="rId16"/>
+    <p:sldId id="269" r:id="rId17"/>
+    <p:sldId id="270" r:id="rId18"/>
+    <p:sldId id="271" r:id="rId19"/>
+    <p:sldId id="272" r:id="rId20"/>
+    <p:sldId id="273" r:id="rId21"/>
+    <p:sldId id="274" r:id="rId22"/>
+    <p:sldId id="275" r:id="rId23"/>
   </p:sldIdLst>
   <p:sldSz cx="9144000" cy="6858000" type="screen4x3"/>
   <p:notesSz cx="6858000" cy="9144000"/>
@@ -1318,6 +1321,90 @@
 </p:notes>
 </file>
 
+<file path=ppt/notesSlides/notesSlide19.xml><?xml version="1.0" encoding="utf-8"?>
+<p:notes xmlns:a="http://schemas.openxmlformats.org/drawingml/2006/main" xmlns:r="http://schemas.openxmlformats.org/officeDocument/2006/relationships" xmlns:p="http://schemas.openxmlformats.org/presentationml/2006/main">
+  <p:cSld>
+    <p:spTree>
+      <p:nvGrpSpPr>
+        <p:cNvPr id="1" name=""/>
+        <p:cNvGrpSpPr/>
+        <p:nvPr/>
+      </p:nvGrpSpPr>
+      <p:grpSpPr>
+        <a:xfrm>
+          <a:off x="0" y="0"/>
+          <a:ext cx="0" cy="0"/>
+          <a:chOff x="0" y="0"/>
+          <a:chExt cx="0" cy="0"/>
+        </a:xfrm>
+      </p:grpSpPr>
+      <p:sp>
+        <p:nvSpPr>
+          <p:cNvPr id="2" name="Slide Image Placeholder 1"/>
+          <p:cNvSpPr>
+            <a:spLocks noGrp="1" noRot="1" noChangeAspect="1"/>
+          </p:cNvSpPr>
+          <p:nvPr>
+            <p:ph type="sldImg"/>
+          </p:nvPr>
+        </p:nvSpPr>
+        <p:spPr/>
+      </p:sp>
+      <p:sp>
+        <p:nvSpPr>
+          <p:cNvPr id="3" name="Notes Placeholder 2"/>
+          <p:cNvSpPr>
+            <a:spLocks noGrp="1"/>
+          </p:cNvSpPr>
+          <p:nvPr>
+            <p:ph type="body" idx="1"/>
+          </p:nvPr>
+        </p:nvSpPr>
+        <p:spPr/>
+        <p:txBody>
+          <a:bodyPr/>
+          <a:lstStyle/>
+          <a:p>
+            <a:endParaRPr lang="en-US" dirty="0"/>
+          </a:p>
+        </p:txBody>
+      </p:sp>
+      <p:sp>
+        <p:nvSpPr>
+          <p:cNvPr id="4" name="Slide Number Placeholder 3"/>
+          <p:cNvSpPr>
+            <a:spLocks noGrp="1"/>
+          </p:cNvSpPr>
+          <p:nvPr>
+            <p:ph type="sldNum" sz="quarter" idx="10"/>
+          </p:nvPr>
+        </p:nvSpPr>
+        <p:spPr/>
+        <p:txBody>
+          <a:bodyPr/>
+          <a:lstStyle/>
+          <a:p>
+            <a:fld id="{C91649B5-1C6E-4B49-B92F-FFA47CDA0DE4}" type="slidenum">
+              <a:rPr lang="en-US" smtClean="0"/>
+              <a:t>20</a:t>
+            </a:fld>
+            <a:endParaRPr lang="en-US"/>
+          </a:p>
+        </p:txBody>
+      </p:sp>
+    </p:spTree>
+    <p:extLst>
+      <p:ext uri="{BB962C8B-B14F-4D97-AF65-F5344CB8AC3E}">
+        <p14:creationId xmlns:p14="http://schemas.microsoft.com/office/powerpoint/2010/main" val="1626571154"/>
+      </p:ext>
+    </p:extLst>
+  </p:cSld>
+  <p:clrMapOvr>
+    <a:masterClrMapping/>
+  </p:clrMapOvr>
+</p:notes>
+</file>
+
 <file path=ppt/notesSlides/notesSlide2.xml><?xml version="1.0" encoding="utf-8"?>
 <p:notes xmlns:a="http://schemas.openxmlformats.org/drawingml/2006/main" xmlns:r="http://schemas.openxmlformats.org/officeDocument/2006/relationships" xmlns:p="http://schemas.openxmlformats.org/presentationml/2006/main">
   <p:cSld>
@@ -1384,6 +1471,174 @@
             <a:fld id="{C91649B5-1C6E-4B49-B92F-FFA47CDA0DE4}" type="slidenum">
               <a:rPr lang="en-US" smtClean="0"/>
               <a:t>3</a:t>
+            </a:fld>
+            <a:endParaRPr lang="en-US"/>
+          </a:p>
+        </p:txBody>
+      </p:sp>
+    </p:spTree>
+    <p:extLst>
+      <p:ext uri="{BB962C8B-B14F-4D97-AF65-F5344CB8AC3E}">
+        <p14:creationId xmlns:p14="http://schemas.microsoft.com/office/powerpoint/2010/main" val="1626571154"/>
+      </p:ext>
+    </p:extLst>
+  </p:cSld>
+  <p:clrMapOvr>
+    <a:masterClrMapping/>
+  </p:clrMapOvr>
+</p:notes>
+</file>
+
+<file path=ppt/notesSlides/notesSlide20.xml><?xml version="1.0" encoding="utf-8"?>
+<p:notes xmlns:a="http://schemas.openxmlformats.org/drawingml/2006/main" xmlns:r="http://schemas.openxmlformats.org/officeDocument/2006/relationships" xmlns:p="http://schemas.openxmlformats.org/presentationml/2006/main">
+  <p:cSld>
+    <p:spTree>
+      <p:nvGrpSpPr>
+        <p:cNvPr id="1" name=""/>
+        <p:cNvGrpSpPr/>
+        <p:nvPr/>
+      </p:nvGrpSpPr>
+      <p:grpSpPr>
+        <a:xfrm>
+          <a:off x="0" y="0"/>
+          <a:ext cx="0" cy="0"/>
+          <a:chOff x="0" y="0"/>
+          <a:chExt cx="0" cy="0"/>
+        </a:xfrm>
+      </p:grpSpPr>
+      <p:sp>
+        <p:nvSpPr>
+          <p:cNvPr id="2" name="Slide Image Placeholder 1"/>
+          <p:cNvSpPr>
+            <a:spLocks noGrp="1" noRot="1" noChangeAspect="1"/>
+          </p:cNvSpPr>
+          <p:nvPr>
+            <p:ph type="sldImg"/>
+          </p:nvPr>
+        </p:nvSpPr>
+        <p:spPr/>
+      </p:sp>
+      <p:sp>
+        <p:nvSpPr>
+          <p:cNvPr id="3" name="Notes Placeholder 2"/>
+          <p:cNvSpPr>
+            <a:spLocks noGrp="1"/>
+          </p:cNvSpPr>
+          <p:nvPr>
+            <p:ph type="body" idx="1"/>
+          </p:nvPr>
+        </p:nvSpPr>
+        <p:spPr/>
+        <p:txBody>
+          <a:bodyPr/>
+          <a:lstStyle/>
+          <a:p>
+            <a:endParaRPr lang="en-US" dirty="0"/>
+          </a:p>
+        </p:txBody>
+      </p:sp>
+      <p:sp>
+        <p:nvSpPr>
+          <p:cNvPr id="4" name="Slide Number Placeholder 3"/>
+          <p:cNvSpPr>
+            <a:spLocks noGrp="1"/>
+          </p:cNvSpPr>
+          <p:nvPr>
+            <p:ph type="sldNum" sz="quarter" idx="10"/>
+          </p:nvPr>
+        </p:nvSpPr>
+        <p:spPr/>
+        <p:txBody>
+          <a:bodyPr/>
+          <a:lstStyle/>
+          <a:p>
+            <a:fld id="{C91649B5-1C6E-4B49-B92F-FFA47CDA0DE4}" type="slidenum">
+              <a:rPr lang="en-US" smtClean="0"/>
+              <a:t>21</a:t>
+            </a:fld>
+            <a:endParaRPr lang="en-US"/>
+          </a:p>
+        </p:txBody>
+      </p:sp>
+    </p:spTree>
+    <p:extLst>
+      <p:ext uri="{BB962C8B-B14F-4D97-AF65-F5344CB8AC3E}">
+        <p14:creationId xmlns:p14="http://schemas.microsoft.com/office/powerpoint/2010/main" val="1626571154"/>
+      </p:ext>
+    </p:extLst>
+  </p:cSld>
+  <p:clrMapOvr>
+    <a:masterClrMapping/>
+  </p:clrMapOvr>
+</p:notes>
+</file>
+
+<file path=ppt/notesSlides/notesSlide21.xml><?xml version="1.0" encoding="utf-8"?>
+<p:notes xmlns:a="http://schemas.openxmlformats.org/drawingml/2006/main" xmlns:r="http://schemas.openxmlformats.org/officeDocument/2006/relationships" xmlns:p="http://schemas.openxmlformats.org/presentationml/2006/main">
+  <p:cSld>
+    <p:spTree>
+      <p:nvGrpSpPr>
+        <p:cNvPr id="1" name=""/>
+        <p:cNvGrpSpPr/>
+        <p:nvPr/>
+      </p:nvGrpSpPr>
+      <p:grpSpPr>
+        <a:xfrm>
+          <a:off x="0" y="0"/>
+          <a:ext cx="0" cy="0"/>
+          <a:chOff x="0" y="0"/>
+          <a:chExt cx="0" cy="0"/>
+        </a:xfrm>
+      </p:grpSpPr>
+      <p:sp>
+        <p:nvSpPr>
+          <p:cNvPr id="2" name="Slide Image Placeholder 1"/>
+          <p:cNvSpPr>
+            <a:spLocks noGrp="1" noRot="1" noChangeAspect="1"/>
+          </p:cNvSpPr>
+          <p:nvPr>
+            <p:ph type="sldImg"/>
+          </p:nvPr>
+        </p:nvSpPr>
+        <p:spPr/>
+      </p:sp>
+      <p:sp>
+        <p:nvSpPr>
+          <p:cNvPr id="3" name="Notes Placeholder 2"/>
+          <p:cNvSpPr>
+            <a:spLocks noGrp="1"/>
+          </p:cNvSpPr>
+          <p:nvPr>
+            <p:ph type="body" idx="1"/>
+          </p:nvPr>
+        </p:nvSpPr>
+        <p:spPr/>
+        <p:txBody>
+          <a:bodyPr/>
+          <a:lstStyle/>
+          <a:p>
+            <a:endParaRPr lang="en-US" dirty="0"/>
+          </a:p>
+        </p:txBody>
+      </p:sp>
+      <p:sp>
+        <p:nvSpPr>
+          <p:cNvPr id="4" name="Slide Number Placeholder 3"/>
+          <p:cNvSpPr>
+            <a:spLocks noGrp="1"/>
+          </p:cNvSpPr>
+          <p:nvPr>
+            <p:ph type="sldNum" sz="quarter" idx="10"/>
+          </p:nvPr>
+        </p:nvSpPr>
+        <p:spPr/>
+        <p:txBody>
+          <a:bodyPr/>
+          <a:lstStyle/>
+          <a:p>
+            <a:fld id="{C91649B5-1C6E-4B49-B92F-FFA47CDA0DE4}" type="slidenum">
+              <a:rPr lang="en-US" smtClean="0"/>
+              <a:t>22</a:t>
             </a:fld>
             <a:endParaRPr lang="en-US"/>
           </a:p>
@@ -5604,17 +5859,7 @@
                   <a:latin typeface="Helvetica Neue"/>
                   <a:cs typeface="Helvetica Neue"/>
                 </a:rPr>
-                <a:t>February </a:t>
-              </a:r>
-              <a:r>
-                <a:rPr lang="en-US" sz="800" dirty="0" smtClean="0">
-                  <a:solidFill>
-                    <a:schemeClr val="bg1"/>
-                  </a:solidFill>
-                  <a:latin typeface="Helvetica Neue"/>
-                  <a:cs typeface="Helvetica Neue"/>
-                </a:rPr>
-                <a:t>22</a:t>
+                <a:t>February 22</a:t>
               </a:r>
               <a:endParaRPr lang="en-US" sz="800" dirty="0">
                 <a:solidFill>
@@ -5648,6 +5893,1565 @@
 </file>
 
 <file path=ppt/slides/slide10.xml><?xml version="1.0" encoding="utf-8"?>
+<p:sld xmlns:a="http://schemas.openxmlformats.org/drawingml/2006/main" xmlns:r="http://schemas.openxmlformats.org/officeDocument/2006/relationships" xmlns:p="http://schemas.openxmlformats.org/presentationml/2006/main">
+  <p:cSld>
+    <p:bg>
+      <p:bgPr>
+        <a:blipFill rotWithShape="1">
+          <a:blip r:embed="rId3"/>
+          <a:stretch>
+            <a:fillRect/>
+          </a:stretch>
+        </a:blipFill>
+        <a:effectLst/>
+      </p:bgPr>
+    </p:bg>
+    <p:spTree>
+      <p:nvGrpSpPr>
+        <p:cNvPr id="1" name=""/>
+        <p:cNvGrpSpPr/>
+        <p:nvPr/>
+      </p:nvGrpSpPr>
+      <p:grpSpPr>
+        <a:xfrm>
+          <a:off x="0" y="0"/>
+          <a:ext cx="0" cy="0"/>
+          <a:chOff x="0" y="0"/>
+          <a:chExt cx="0" cy="0"/>
+        </a:xfrm>
+      </p:grpSpPr>
+      <p:grpSp>
+        <p:nvGrpSpPr>
+          <p:cNvPr id="11" name="Group 10"/>
+          <p:cNvGrpSpPr/>
+          <p:nvPr/>
+        </p:nvGrpSpPr>
+        <p:grpSpPr>
+          <a:xfrm>
+            <a:off x="0" y="0"/>
+            <a:ext cx="9144000" cy="699840"/>
+            <a:chOff x="-12700" y="1041400"/>
+            <a:chExt cx="9144000" cy="699840"/>
+          </a:xfrm>
+        </p:grpSpPr>
+        <p:sp>
+          <p:nvSpPr>
+            <p:cNvPr id="5" name="Rectangle 4"/>
+            <p:cNvSpPr/>
+            <p:nvPr/>
+          </p:nvSpPr>
+          <p:spPr>
+            <a:xfrm>
+              <a:off x="-12700" y="1041400"/>
+              <a:ext cx="9144000" cy="699840"/>
+            </a:xfrm>
+            <a:prstGeom prst="rect">
+              <a:avLst/>
+            </a:prstGeom>
+            <a:solidFill>
+              <a:srgbClr val="57068C"/>
+            </a:solidFill>
+            <a:ln>
+              <a:noFill/>
+            </a:ln>
+          </p:spPr>
+          <p:style>
+            <a:lnRef idx="1">
+              <a:schemeClr val="accent1"/>
+            </a:lnRef>
+            <a:fillRef idx="3">
+              <a:schemeClr val="accent1"/>
+            </a:fillRef>
+            <a:effectRef idx="2">
+              <a:schemeClr val="accent1"/>
+            </a:effectRef>
+            <a:fontRef idx="minor">
+              <a:schemeClr val="lt1"/>
+            </a:fontRef>
+          </p:style>
+          <p:txBody>
+            <a:bodyPr anchor="ctr"/>
+            <a:lstStyle/>
+            <a:p>
+              <a:pPr>
+                <a:spcBef>
+                  <a:spcPct val="0"/>
+                </a:spcBef>
+              </a:pPr>
+              <a:endParaRPr lang="en-US" sz="1000" dirty="0">
+                <a:latin typeface="Helvetica Neue"/>
+                <a:cs typeface="Helvetica Neue"/>
+              </a:endParaRPr>
+            </a:p>
+          </p:txBody>
+        </p:sp>
+        <p:sp>
+          <p:nvSpPr>
+            <p:cNvPr id="6" name="Text Placeholder 2"/>
+            <p:cNvSpPr txBox="1">
+              <a:spLocks/>
+            </p:cNvSpPr>
+            <p:nvPr/>
+          </p:nvSpPr>
+          <p:spPr bwMode="auto">
+            <a:xfrm>
+              <a:off x="6829910" y="1284442"/>
+              <a:ext cx="2094097" cy="228599"/>
+            </a:xfrm>
+            <a:prstGeom prst="rect">
+              <a:avLst/>
+            </a:prstGeom>
+            <a:noFill/>
+            <a:extLst>
+              <a:ext uri="{909E8E84-426E-40dd-AFC4-6F175D3DCCD1}">
+                <a14:hiddenFill xmlns:a14="http://schemas.microsoft.com/office/drawing/2010/main">
+                  <a:solidFill>
+                    <a:srgbClr val="FFFFFF"/>
+                  </a:solidFill>
+                </a14:hiddenFill>
+              </a:ext>
+              <a:ext uri="{91240B29-F687-4f45-9708-019B960494DF}">
+                <a14:hiddenLine xmlns:a14="http://schemas.microsoft.com/office/drawing/2010/main" w="9525">
+                  <a:solidFill>
+                    <a:srgbClr val="000000"/>
+                  </a:solidFill>
+                  <a:miter lim="800000"/>
+                  <a:headEnd/>
+                  <a:tailEnd/>
+                </a14:hiddenLine>
+              </a:ext>
+            </a:extLst>
+          </p:spPr>
+          <p:txBody>
+            <a:bodyPr vert="horz" wrap="square" lIns="91440" tIns="45720" rIns="91440" bIns="45720" numCol="1" rtlCol="0" anchor="ctr" compatLnSpc="1">
+              <a:prstTxWarp prst="textNoShape">
+                <a:avLst/>
+              </a:prstTxWarp>
+            </a:bodyPr>
+            <a:lstStyle>
+              <a:defPPr>
+                <a:defRPr lang="en-US"/>
+              </a:defPPr>
+              <a:lvl1pPr marL="0" algn="ctr" defTabSz="914400" rtl="0" eaLnBrk="1" latinLnBrk="0" hangingPunct="1">
+                <a:defRPr sz="1200" kern="1200">
+                  <a:solidFill>
+                    <a:schemeClr val="tx1">
+                      <a:tint val="75000"/>
+                    </a:schemeClr>
+                  </a:solidFill>
+                  <a:latin typeface="+mn-lt"/>
+                  <a:ea typeface="+mn-ea"/>
+                  <a:cs typeface="+mn-cs"/>
+                </a:defRPr>
+              </a:lvl1pPr>
+              <a:lvl2pPr marL="457200" algn="l" defTabSz="914400" rtl="0" eaLnBrk="1" latinLnBrk="0" hangingPunct="1">
+                <a:defRPr sz="1800" kern="1200">
+                  <a:solidFill>
+                    <a:schemeClr val="tx1"/>
+                  </a:solidFill>
+                  <a:latin typeface="+mn-lt"/>
+                  <a:ea typeface="+mn-ea"/>
+                  <a:cs typeface="+mn-cs"/>
+                </a:defRPr>
+              </a:lvl2pPr>
+              <a:lvl3pPr marL="914400" algn="l" defTabSz="914400" rtl="0" eaLnBrk="1" latinLnBrk="0" hangingPunct="1">
+                <a:defRPr sz="1800" kern="1200">
+                  <a:solidFill>
+                    <a:schemeClr val="tx1"/>
+                  </a:solidFill>
+                  <a:latin typeface="+mn-lt"/>
+                  <a:ea typeface="+mn-ea"/>
+                  <a:cs typeface="+mn-cs"/>
+                </a:defRPr>
+              </a:lvl3pPr>
+              <a:lvl4pPr marL="1371600" algn="l" defTabSz="914400" rtl="0" eaLnBrk="1" latinLnBrk="0" hangingPunct="1">
+                <a:defRPr sz="1800" kern="1200">
+                  <a:solidFill>
+                    <a:schemeClr val="tx1"/>
+                  </a:solidFill>
+                  <a:latin typeface="+mn-lt"/>
+                  <a:ea typeface="+mn-ea"/>
+                  <a:cs typeface="+mn-cs"/>
+                </a:defRPr>
+              </a:lvl4pPr>
+              <a:lvl5pPr marL="1828800" algn="l" defTabSz="914400" rtl="0" eaLnBrk="1" latinLnBrk="0" hangingPunct="1">
+                <a:defRPr sz="1800" kern="1200">
+                  <a:solidFill>
+                    <a:schemeClr val="tx1"/>
+                  </a:solidFill>
+                  <a:latin typeface="+mn-lt"/>
+                  <a:ea typeface="+mn-ea"/>
+                  <a:cs typeface="+mn-cs"/>
+                </a:defRPr>
+              </a:lvl5pPr>
+              <a:lvl6pPr marL="2286000" algn="l" defTabSz="914400" rtl="0" eaLnBrk="1" latinLnBrk="0" hangingPunct="1">
+                <a:defRPr sz="1800" kern="1200">
+                  <a:solidFill>
+                    <a:schemeClr val="tx1"/>
+                  </a:solidFill>
+                  <a:latin typeface="+mn-lt"/>
+                  <a:ea typeface="+mn-ea"/>
+                  <a:cs typeface="+mn-cs"/>
+                </a:defRPr>
+              </a:lvl6pPr>
+              <a:lvl7pPr marL="2743200" algn="l" defTabSz="914400" rtl="0" eaLnBrk="1" latinLnBrk="0" hangingPunct="1">
+                <a:defRPr sz="1800" kern="1200">
+                  <a:solidFill>
+                    <a:schemeClr val="tx1"/>
+                  </a:solidFill>
+                  <a:latin typeface="+mn-lt"/>
+                  <a:ea typeface="+mn-ea"/>
+                  <a:cs typeface="+mn-cs"/>
+                </a:defRPr>
+              </a:lvl7pPr>
+              <a:lvl8pPr marL="3200400" algn="l" defTabSz="914400" rtl="0" eaLnBrk="1" latinLnBrk="0" hangingPunct="1">
+                <a:defRPr sz="1800" kern="1200">
+                  <a:solidFill>
+                    <a:schemeClr val="tx1"/>
+                  </a:solidFill>
+                  <a:latin typeface="+mn-lt"/>
+                  <a:ea typeface="+mn-ea"/>
+                  <a:cs typeface="+mn-cs"/>
+                </a:defRPr>
+              </a:lvl8pPr>
+              <a:lvl9pPr marL="3657600" algn="l" defTabSz="914400" rtl="0" eaLnBrk="1" latinLnBrk="0" hangingPunct="1">
+                <a:defRPr sz="1800" kern="1200">
+                  <a:solidFill>
+                    <a:schemeClr val="tx1"/>
+                  </a:solidFill>
+                  <a:latin typeface="+mn-lt"/>
+                  <a:ea typeface="+mn-ea"/>
+                  <a:cs typeface="+mn-cs"/>
+                </a:defRPr>
+              </a:lvl9pPr>
+            </a:lstStyle>
+            <a:p>
+              <a:pPr algn="r">
+                <a:spcBef>
+                  <a:spcPct val="0"/>
+                </a:spcBef>
+              </a:pPr>
+              <a:r>
+                <a:rPr lang="en-US" sz="1000" b="1" dirty="0" smtClean="0">
+                  <a:solidFill>
+                    <a:srgbClr val="FFFFFF"/>
+                  </a:solidFill>
+                  <a:latin typeface="Helvetica Neue"/>
+                  <a:cs typeface="Helvetica Neue"/>
+                </a:rPr>
+                <a:t>Development </a:t>
+              </a:r>
+              <a:r>
+                <a:rPr lang="en-US" sz="1000" b="1" dirty="0">
+                  <a:solidFill>
+                    <a:srgbClr val="FFFFFF"/>
+                  </a:solidFill>
+                  <a:latin typeface="Helvetica Neue"/>
+                  <a:cs typeface="Helvetica Neue"/>
+                </a:rPr>
+                <a:t>Environment </a:t>
+              </a:r>
+              <a:r>
+                <a:rPr lang="en-US" sz="1000" b="1" dirty="0" smtClean="0">
+                  <a:solidFill>
+                    <a:srgbClr val="FFFFFF"/>
+                  </a:solidFill>
+                  <a:latin typeface="Helvetica Neue"/>
+                  <a:cs typeface="Helvetica Neue"/>
+                </a:rPr>
+                <a:t>&amp;</a:t>
+              </a:r>
+            </a:p>
+            <a:p>
+              <a:pPr algn="r">
+                <a:spcBef>
+                  <a:spcPct val="0"/>
+                </a:spcBef>
+              </a:pPr>
+              <a:r>
+                <a:rPr lang="en-US" sz="1000" b="1" dirty="0" smtClean="0">
+                  <a:solidFill>
+                    <a:srgbClr val="FFFFFF"/>
+                  </a:solidFill>
+                  <a:latin typeface="Helvetica Neue"/>
+                  <a:cs typeface="Helvetica Neue"/>
+                </a:rPr>
+                <a:t>Version </a:t>
+              </a:r>
+              <a:r>
+                <a:rPr lang="en-US" sz="1000" b="1" dirty="0">
+                  <a:solidFill>
+                    <a:srgbClr val="FFFFFF"/>
+                  </a:solidFill>
+                  <a:latin typeface="Helvetica Neue"/>
+                  <a:cs typeface="Helvetica Neue"/>
+                </a:rPr>
+                <a:t>Control</a:t>
+              </a:r>
+            </a:p>
+          </p:txBody>
+        </p:sp>
+        <p:pic>
+          <p:nvPicPr>
+            <p:cNvPr id="8" name="Picture 6"/>
+            <p:cNvPicPr>
+              <a:picLocks noChangeAspect="1"/>
+            </p:cNvPicPr>
+            <p:nvPr/>
+          </p:nvPicPr>
+          <p:blipFill>
+            <a:blip r:embed="rId4">
+              <a:extLst>
+                <a:ext uri="{28A0092B-C50C-407E-A947-70E740481C1C}">
+                  <a14:useLocalDpi xmlns:a14="http://schemas.microsoft.com/office/drawing/2010/main" val="0"/>
+                </a:ext>
+              </a:extLst>
+            </a:blip>
+            <a:srcRect/>
+            <a:stretch>
+              <a:fillRect/>
+            </a:stretch>
+          </p:blipFill>
+          <p:spPr bwMode="auto">
+            <a:xfrm>
+              <a:off x="257175" y="1284442"/>
+              <a:ext cx="1465263" cy="228600"/>
+            </a:xfrm>
+            <a:prstGeom prst="rect">
+              <a:avLst/>
+            </a:prstGeom>
+            <a:noFill/>
+            <a:ln>
+              <a:noFill/>
+            </a:ln>
+            <a:extLst>
+              <a:ext uri="{909E8E84-426E-40dd-AFC4-6F175D3DCCD1}">
+                <a14:hiddenFill xmlns:a14="http://schemas.microsoft.com/office/drawing/2010/main">
+                  <a:solidFill>
+                    <a:srgbClr val="FFFFFF"/>
+                  </a:solidFill>
+                </a14:hiddenFill>
+              </a:ext>
+              <a:ext uri="{91240B29-F687-4f45-9708-019B960494DF}">
+                <a14:hiddenLine xmlns:a14="http://schemas.microsoft.com/office/drawing/2010/main" w="9525">
+                  <a:solidFill>
+                    <a:srgbClr val="000000"/>
+                  </a:solidFill>
+                  <a:miter lim="800000"/>
+                  <a:headEnd/>
+                  <a:tailEnd/>
+                </a14:hiddenLine>
+              </a:ext>
+            </a:extLst>
+          </p:spPr>
+        </p:pic>
+      </p:grpSp>
+      <p:sp>
+        <p:nvSpPr>
+          <p:cNvPr id="2" name="Rectangle 1"/>
+          <p:cNvSpPr/>
+          <p:nvPr/>
+        </p:nvSpPr>
+        <p:spPr>
+          <a:xfrm>
+            <a:off x="269876" y="1343534"/>
+            <a:ext cx="8666831" cy="923330"/>
+          </a:xfrm>
+          <a:prstGeom prst="rect">
+            <a:avLst/>
+          </a:prstGeom>
+        </p:spPr>
+        <p:txBody>
+          <a:bodyPr wrap="square">
+            <a:spAutoFit/>
+          </a:bodyPr>
+          <a:lstStyle/>
+          <a:p>
+            <a:pPr algn="ctr"/>
+            <a:r>
+              <a:rPr lang="en-US" sz="5400" b="1" dirty="0" smtClean="0">
+                <a:solidFill>
+                  <a:schemeClr val="bg1">
+                    <a:lumMod val="85000"/>
+                    <a:lumOff val="15000"/>
+                  </a:schemeClr>
+                </a:solidFill>
+              </a:rPr>
+              <a:t>Authorization</a:t>
+            </a:r>
+            <a:endParaRPr lang="en-US" sz="5400" b="1" dirty="0">
+              <a:solidFill>
+                <a:schemeClr val="bg1">
+                  <a:lumMod val="85000"/>
+                  <a:lumOff val="15000"/>
+                </a:schemeClr>
+              </a:solidFill>
+              <a:latin typeface="Helvetica Neue"/>
+              <a:cs typeface="Helvetica Neue"/>
+            </a:endParaRPr>
+          </a:p>
+        </p:txBody>
+      </p:sp>
+      <p:grpSp>
+        <p:nvGrpSpPr>
+          <p:cNvPr id="7" name="Group 6"/>
+          <p:cNvGrpSpPr/>
+          <p:nvPr/>
+        </p:nvGrpSpPr>
+        <p:grpSpPr>
+          <a:xfrm>
+            <a:off x="626374" y="2407478"/>
+            <a:ext cx="7905289" cy="4103661"/>
+            <a:chOff x="2889965" y="1624563"/>
+            <a:chExt cx="7905289" cy="4103661"/>
+          </a:xfrm>
+        </p:grpSpPr>
+        <p:sp>
+          <p:nvSpPr>
+            <p:cNvPr id="4" name="Rectangle 3"/>
+            <p:cNvSpPr/>
+            <p:nvPr/>
+          </p:nvSpPr>
+          <p:spPr>
+            <a:xfrm>
+              <a:off x="2889965" y="1624563"/>
+              <a:ext cx="7905289" cy="4103661"/>
+            </a:xfrm>
+            <a:prstGeom prst="rect">
+              <a:avLst/>
+            </a:prstGeom>
+          </p:spPr>
+          <p:style>
+            <a:lnRef idx="2">
+              <a:schemeClr val="dk1"/>
+            </a:lnRef>
+            <a:fillRef idx="1">
+              <a:schemeClr val="lt1"/>
+            </a:fillRef>
+            <a:effectRef idx="0">
+              <a:schemeClr val="dk1"/>
+            </a:effectRef>
+            <a:fontRef idx="minor">
+              <a:schemeClr val="dk1"/>
+            </a:fontRef>
+          </p:style>
+          <p:txBody>
+            <a:bodyPr rtlCol="0" anchor="ctr"/>
+            <a:lstStyle/>
+            <a:p>
+              <a:pPr algn="ctr"/>
+              <a:endParaRPr lang="en-US">
+                <a:solidFill>
+                  <a:schemeClr val="tx1"/>
+                </a:solidFill>
+              </a:endParaRPr>
+            </a:p>
+          </p:txBody>
+        </p:sp>
+        <p:sp>
+          <p:nvSpPr>
+            <p:cNvPr id="3" name="Rectangle 2"/>
+            <p:cNvSpPr/>
+            <p:nvPr/>
+          </p:nvSpPr>
+          <p:spPr>
+            <a:xfrm>
+              <a:off x="3395124" y="2004310"/>
+              <a:ext cx="6894972" cy="3046988"/>
+            </a:xfrm>
+            <a:prstGeom prst="rect">
+              <a:avLst/>
+            </a:prstGeom>
+          </p:spPr>
+          <p:txBody>
+            <a:bodyPr wrap="square">
+              <a:spAutoFit/>
+            </a:bodyPr>
+            <a:lstStyle/>
+            <a:p>
+              <a:r>
+                <a:rPr lang="en-US" sz="2400" dirty="0" smtClean="0">
+                  <a:solidFill>
+                    <a:srgbClr val="000000"/>
+                  </a:solidFill>
+                  <a:latin typeface="Helvetica Neue"/>
+                  <a:cs typeface="Helvetica Neue"/>
+                </a:rPr>
+                <a:t>Authorization is a process used by web application to determine whether user has permission to access specific content or perform certain actions. Authorization may or may not require authentication. For example, guest users do not need to authenticate, but your application will have set authorization policies for guest users.</a:t>
+              </a:r>
+              <a:endParaRPr lang="en-US" sz="2400" dirty="0">
+                <a:solidFill>
+                  <a:srgbClr val="000000"/>
+                </a:solidFill>
+                <a:latin typeface="Helvetica Neue"/>
+                <a:cs typeface="Helvetica Neue"/>
+              </a:endParaRPr>
+            </a:p>
+          </p:txBody>
+        </p:sp>
+      </p:grpSp>
+    </p:spTree>
+    <p:extLst>
+      <p:ext uri="{BB962C8B-B14F-4D97-AF65-F5344CB8AC3E}">
+        <p14:creationId xmlns:p14="http://schemas.microsoft.com/office/powerpoint/2010/main" val="215120505"/>
+      </p:ext>
+    </p:extLst>
+  </p:cSld>
+  <p:clrMapOvr>
+    <a:masterClrMapping/>
+  </p:clrMapOvr>
+  <p:timing>
+    <p:tnLst>
+      <p:par>
+        <p:cTn xmlns:p14="http://schemas.microsoft.com/office/powerpoint/2010/main" id="1" dur="indefinite" restart="never" nodeType="tmRoot"/>
+      </p:par>
+    </p:tnLst>
+  </p:timing>
+</p:sld>
+</file>
+
+<file path=ppt/slides/slide11.xml><?xml version="1.0" encoding="utf-8"?>
+<p:sld xmlns:a="http://schemas.openxmlformats.org/drawingml/2006/main" xmlns:r="http://schemas.openxmlformats.org/officeDocument/2006/relationships" xmlns:p="http://schemas.openxmlformats.org/presentationml/2006/main">
+  <p:cSld>
+    <p:bg>
+      <p:bgPr>
+        <a:blipFill rotWithShape="1">
+          <a:blip r:embed="rId3"/>
+          <a:stretch>
+            <a:fillRect/>
+          </a:stretch>
+        </a:blipFill>
+        <a:effectLst/>
+      </p:bgPr>
+    </p:bg>
+    <p:spTree>
+      <p:nvGrpSpPr>
+        <p:cNvPr id="1" name=""/>
+        <p:cNvGrpSpPr/>
+        <p:nvPr/>
+      </p:nvGrpSpPr>
+      <p:grpSpPr>
+        <a:xfrm>
+          <a:off x="0" y="0"/>
+          <a:ext cx="0" cy="0"/>
+          <a:chOff x="0" y="0"/>
+          <a:chExt cx="0" cy="0"/>
+        </a:xfrm>
+      </p:grpSpPr>
+      <p:grpSp>
+        <p:nvGrpSpPr>
+          <p:cNvPr id="11" name="Group 10"/>
+          <p:cNvGrpSpPr/>
+          <p:nvPr/>
+        </p:nvGrpSpPr>
+        <p:grpSpPr>
+          <a:xfrm>
+            <a:off x="0" y="0"/>
+            <a:ext cx="9144000" cy="699840"/>
+            <a:chOff x="-12700" y="1041400"/>
+            <a:chExt cx="9144000" cy="699840"/>
+          </a:xfrm>
+        </p:grpSpPr>
+        <p:sp>
+          <p:nvSpPr>
+            <p:cNvPr id="5" name="Rectangle 4"/>
+            <p:cNvSpPr/>
+            <p:nvPr/>
+          </p:nvSpPr>
+          <p:spPr>
+            <a:xfrm>
+              <a:off x="-12700" y="1041400"/>
+              <a:ext cx="9144000" cy="699840"/>
+            </a:xfrm>
+            <a:prstGeom prst="rect">
+              <a:avLst/>
+            </a:prstGeom>
+            <a:solidFill>
+              <a:srgbClr val="57068C"/>
+            </a:solidFill>
+            <a:ln>
+              <a:noFill/>
+            </a:ln>
+          </p:spPr>
+          <p:style>
+            <a:lnRef idx="1">
+              <a:schemeClr val="accent1"/>
+            </a:lnRef>
+            <a:fillRef idx="3">
+              <a:schemeClr val="accent1"/>
+            </a:fillRef>
+            <a:effectRef idx="2">
+              <a:schemeClr val="accent1"/>
+            </a:effectRef>
+            <a:fontRef idx="minor">
+              <a:schemeClr val="lt1"/>
+            </a:fontRef>
+          </p:style>
+          <p:txBody>
+            <a:bodyPr anchor="ctr"/>
+            <a:lstStyle/>
+            <a:p>
+              <a:pPr>
+                <a:spcBef>
+                  <a:spcPct val="0"/>
+                </a:spcBef>
+              </a:pPr>
+              <a:endParaRPr lang="en-US" sz="1000" dirty="0">
+                <a:latin typeface="Helvetica Neue"/>
+                <a:cs typeface="Helvetica Neue"/>
+              </a:endParaRPr>
+            </a:p>
+          </p:txBody>
+        </p:sp>
+        <p:sp>
+          <p:nvSpPr>
+            <p:cNvPr id="6" name="Text Placeholder 2"/>
+            <p:cNvSpPr txBox="1">
+              <a:spLocks/>
+            </p:cNvSpPr>
+            <p:nvPr/>
+          </p:nvSpPr>
+          <p:spPr bwMode="auto">
+            <a:xfrm>
+              <a:off x="6829910" y="1284442"/>
+              <a:ext cx="2094097" cy="228599"/>
+            </a:xfrm>
+            <a:prstGeom prst="rect">
+              <a:avLst/>
+            </a:prstGeom>
+            <a:noFill/>
+            <a:extLst>
+              <a:ext uri="{909E8E84-426E-40dd-AFC4-6F175D3DCCD1}">
+                <a14:hiddenFill xmlns:a14="http://schemas.microsoft.com/office/drawing/2010/main">
+                  <a:solidFill>
+                    <a:srgbClr val="FFFFFF"/>
+                  </a:solidFill>
+                </a14:hiddenFill>
+              </a:ext>
+              <a:ext uri="{91240B29-F687-4f45-9708-019B960494DF}">
+                <a14:hiddenLine xmlns:a14="http://schemas.microsoft.com/office/drawing/2010/main" w="9525">
+                  <a:solidFill>
+                    <a:srgbClr val="000000"/>
+                  </a:solidFill>
+                  <a:miter lim="800000"/>
+                  <a:headEnd/>
+                  <a:tailEnd/>
+                </a14:hiddenLine>
+              </a:ext>
+            </a:extLst>
+          </p:spPr>
+          <p:txBody>
+            <a:bodyPr vert="horz" wrap="square" lIns="91440" tIns="45720" rIns="91440" bIns="45720" numCol="1" rtlCol="0" anchor="ctr" compatLnSpc="1">
+              <a:prstTxWarp prst="textNoShape">
+                <a:avLst/>
+              </a:prstTxWarp>
+            </a:bodyPr>
+            <a:lstStyle>
+              <a:defPPr>
+                <a:defRPr lang="en-US"/>
+              </a:defPPr>
+              <a:lvl1pPr marL="0" algn="ctr" defTabSz="914400" rtl="0" eaLnBrk="1" latinLnBrk="0" hangingPunct="1">
+                <a:defRPr sz="1200" kern="1200">
+                  <a:solidFill>
+                    <a:schemeClr val="tx1">
+                      <a:tint val="75000"/>
+                    </a:schemeClr>
+                  </a:solidFill>
+                  <a:latin typeface="+mn-lt"/>
+                  <a:ea typeface="+mn-ea"/>
+                  <a:cs typeface="+mn-cs"/>
+                </a:defRPr>
+              </a:lvl1pPr>
+              <a:lvl2pPr marL="457200" algn="l" defTabSz="914400" rtl="0" eaLnBrk="1" latinLnBrk="0" hangingPunct="1">
+                <a:defRPr sz="1800" kern="1200">
+                  <a:solidFill>
+                    <a:schemeClr val="tx1"/>
+                  </a:solidFill>
+                  <a:latin typeface="+mn-lt"/>
+                  <a:ea typeface="+mn-ea"/>
+                  <a:cs typeface="+mn-cs"/>
+                </a:defRPr>
+              </a:lvl2pPr>
+              <a:lvl3pPr marL="914400" algn="l" defTabSz="914400" rtl="0" eaLnBrk="1" latinLnBrk="0" hangingPunct="1">
+                <a:defRPr sz="1800" kern="1200">
+                  <a:solidFill>
+                    <a:schemeClr val="tx1"/>
+                  </a:solidFill>
+                  <a:latin typeface="+mn-lt"/>
+                  <a:ea typeface="+mn-ea"/>
+                  <a:cs typeface="+mn-cs"/>
+                </a:defRPr>
+              </a:lvl3pPr>
+              <a:lvl4pPr marL="1371600" algn="l" defTabSz="914400" rtl="0" eaLnBrk="1" latinLnBrk="0" hangingPunct="1">
+                <a:defRPr sz="1800" kern="1200">
+                  <a:solidFill>
+                    <a:schemeClr val="tx1"/>
+                  </a:solidFill>
+                  <a:latin typeface="+mn-lt"/>
+                  <a:ea typeface="+mn-ea"/>
+                  <a:cs typeface="+mn-cs"/>
+                </a:defRPr>
+              </a:lvl4pPr>
+              <a:lvl5pPr marL="1828800" algn="l" defTabSz="914400" rtl="0" eaLnBrk="1" latinLnBrk="0" hangingPunct="1">
+                <a:defRPr sz="1800" kern="1200">
+                  <a:solidFill>
+                    <a:schemeClr val="tx1"/>
+                  </a:solidFill>
+                  <a:latin typeface="+mn-lt"/>
+                  <a:ea typeface="+mn-ea"/>
+                  <a:cs typeface="+mn-cs"/>
+                </a:defRPr>
+              </a:lvl5pPr>
+              <a:lvl6pPr marL="2286000" algn="l" defTabSz="914400" rtl="0" eaLnBrk="1" latinLnBrk="0" hangingPunct="1">
+                <a:defRPr sz="1800" kern="1200">
+                  <a:solidFill>
+                    <a:schemeClr val="tx1"/>
+                  </a:solidFill>
+                  <a:latin typeface="+mn-lt"/>
+                  <a:ea typeface="+mn-ea"/>
+                  <a:cs typeface="+mn-cs"/>
+                </a:defRPr>
+              </a:lvl6pPr>
+              <a:lvl7pPr marL="2743200" algn="l" defTabSz="914400" rtl="0" eaLnBrk="1" latinLnBrk="0" hangingPunct="1">
+                <a:defRPr sz="1800" kern="1200">
+                  <a:solidFill>
+                    <a:schemeClr val="tx1"/>
+                  </a:solidFill>
+                  <a:latin typeface="+mn-lt"/>
+                  <a:ea typeface="+mn-ea"/>
+                  <a:cs typeface="+mn-cs"/>
+                </a:defRPr>
+              </a:lvl7pPr>
+              <a:lvl8pPr marL="3200400" algn="l" defTabSz="914400" rtl="0" eaLnBrk="1" latinLnBrk="0" hangingPunct="1">
+                <a:defRPr sz="1800" kern="1200">
+                  <a:solidFill>
+                    <a:schemeClr val="tx1"/>
+                  </a:solidFill>
+                  <a:latin typeface="+mn-lt"/>
+                  <a:ea typeface="+mn-ea"/>
+                  <a:cs typeface="+mn-cs"/>
+                </a:defRPr>
+              </a:lvl8pPr>
+              <a:lvl9pPr marL="3657600" algn="l" defTabSz="914400" rtl="0" eaLnBrk="1" latinLnBrk="0" hangingPunct="1">
+                <a:defRPr sz="1800" kern="1200">
+                  <a:solidFill>
+                    <a:schemeClr val="tx1"/>
+                  </a:solidFill>
+                  <a:latin typeface="+mn-lt"/>
+                  <a:ea typeface="+mn-ea"/>
+                  <a:cs typeface="+mn-cs"/>
+                </a:defRPr>
+              </a:lvl9pPr>
+            </a:lstStyle>
+            <a:p>
+              <a:pPr algn="r">
+                <a:spcBef>
+                  <a:spcPct val="0"/>
+                </a:spcBef>
+              </a:pPr>
+              <a:r>
+                <a:rPr lang="en-US" sz="1000" b="1" dirty="0" smtClean="0">
+                  <a:solidFill>
+                    <a:srgbClr val="FFFFFF"/>
+                  </a:solidFill>
+                  <a:latin typeface="Helvetica Neue"/>
+                  <a:cs typeface="Helvetica Neue"/>
+                </a:rPr>
+                <a:t>Development </a:t>
+              </a:r>
+              <a:r>
+                <a:rPr lang="en-US" sz="1000" b="1" dirty="0">
+                  <a:solidFill>
+                    <a:srgbClr val="FFFFFF"/>
+                  </a:solidFill>
+                  <a:latin typeface="Helvetica Neue"/>
+                  <a:cs typeface="Helvetica Neue"/>
+                </a:rPr>
+                <a:t>Environment </a:t>
+              </a:r>
+              <a:r>
+                <a:rPr lang="en-US" sz="1000" b="1" dirty="0" smtClean="0">
+                  <a:solidFill>
+                    <a:srgbClr val="FFFFFF"/>
+                  </a:solidFill>
+                  <a:latin typeface="Helvetica Neue"/>
+                  <a:cs typeface="Helvetica Neue"/>
+                </a:rPr>
+                <a:t>&amp;</a:t>
+              </a:r>
+            </a:p>
+            <a:p>
+              <a:pPr algn="r">
+                <a:spcBef>
+                  <a:spcPct val="0"/>
+                </a:spcBef>
+              </a:pPr>
+              <a:r>
+                <a:rPr lang="en-US" sz="1000" b="1" dirty="0" smtClean="0">
+                  <a:solidFill>
+                    <a:srgbClr val="FFFFFF"/>
+                  </a:solidFill>
+                  <a:latin typeface="Helvetica Neue"/>
+                  <a:cs typeface="Helvetica Neue"/>
+                </a:rPr>
+                <a:t>Version </a:t>
+              </a:r>
+              <a:r>
+                <a:rPr lang="en-US" sz="1000" b="1" dirty="0">
+                  <a:solidFill>
+                    <a:srgbClr val="FFFFFF"/>
+                  </a:solidFill>
+                  <a:latin typeface="Helvetica Neue"/>
+                  <a:cs typeface="Helvetica Neue"/>
+                </a:rPr>
+                <a:t>Control</a:t>
+              </a:r>
+            </a:p>
+          </p:txBody>
+        </p:sp>
+        <p:pic>
+          <p:nvPicPr>
+            <p:cNvPr id="8" name="Picture 6"/>
+            <p:cNvPicPr>
+              <a:picLocks noChangeAspect="1"/>
+            </p:cNvPicPr>
+            <p:nvPr/>
+          </p:nvPicPr>
+          <p:blipFill>
+            <a:blip r:embed="rId4">
+              <a:extLst>
+                <a:ext uri="{28A0092B-C50C-407E-A947-70E740481C1C}">
+                  <a14:useLocalDpi xmlns:a14="http://schemas.microsoft.com/office/drawing/2010/main" val="0"/>
+                </a:ext>
+              </a:extLst>
+            </a:blip>
+            <a:srcRect/>
+            <a:stretch>
+              <a:fillRect/>
+            </a:stretch>
+          </p:blipFill>
+          <p:spPr bwMode="auto">
+            <a:xfrm>
+              <a:off x="257175" y="1284442"/>
+              <a:ext cx="1465263" cy="228600"/>
+            </a:xfrm>
+            <a:prstGeom prst="rect">
+              <a:avLst/>
+            </a:prstGeom>
+            <a:noFill/>
+            <a:ln>
+              <a:noFill/>
+            </a:ln>
+            <a:extLst>
+              <a:ext uri="{909E8E84-426E-40dd-AFC4-6F175D3DCCD1}">
+                <a14:hiddenFill xmlns:a14="http://schemas.microsoft.com/office/drawing/2010/main">
+                  <a:solidFill>
+                    <a:srgbClr val="FFFFFF"/>
+                  </a:solidFill>
+                </a14:hiddenFill>
+              </a:ext>
+              <a:ext uri="{91240B29-F687-4f45-9708-019B960494DF}">
+                <a14:hiddenLine xmlns:a14="http://schemas.microsoft.com/office/drawing/2010/main" w="9525">
+                  <a:solidFill>
+                    <a:srgbClr val="000000"/>
+                  </a:solidFill>
+                  <a:miter lim="800000"/>
+                  <a:headEnd/>
+                  <a:tailEnd/>
+                </a14:hiddenLine>
+              </a:ext>
+            </a:extLst>
+          </p:spPr>
+        </p:pic>
+      </p:grpSp>
+      <p:sp>
+        <p:nvSpPr>
+          <p:cNvPr id="2" name="Rectangle 1"/>
+          <p:cNvSpPr/>
+          <p:nvPr/>
+        </p:nvSpPr>
+        <p:spPr>
+          <a:xfrm>
+            <a:off x="269876" y="1343534"/>
+            <a:ext cx="8666831" cy="923330"/>
+          </a:xfrm>
+          <a:prstGeom prst="rect">
+            <a:avLst/>
+          </a:prstGeom>
+        </p:spPr>
+        <p:txBody>
+          <a:bodyPr wrap="square">
+            <a:spAutoFit/>
+          </a:bodyPr>
+          <a:lstStyle/>
+          <a:p>
+            <a:pPr algn="ctr"/>
+            <a:r>
+              <a:rPr lang="en-US" sz="5400" b="1" dirty="0" smtClean="0">
+                <a:solidFill>
+                  <a:schemeClr val="bg1">
+                    <a:lumMod val="85000"/>
+                    <a:lumOff val="15000"/>
+                  </a:schemeClr>
+                </a:solidFill>
+              </a:rPr>
+              <a:t>Authorization:</a:t>
+            </a:r>
+            <a:endParaRPr lang="en-US" sz="5400" b="1" dirty="0">
+              <a:solidFill>
+                <a:schemeClr val="bg1">
+                  <a:lumMod val="85000"/>
+                  <a:lumOff val="15000"/>
+                </a:schemeClr>
+              </a:solidFill>
+              <a:latin typeface="Helvetica Neue"/>
+              <a:cs typeface="Helvetica Neue"/>
+            </a:endParaRPr>
+          </a:p>
+        </p:txBody>
+      </p:sp>
+      <p:grpSp>
+        <p:nvGrpSpPr>
+          <p:cNvPr id="7" name="Group 6"/>
+          <p:cNvGrpSpPr/>
+          <p:nvPr/>
+        </p:nvGrpSpPr>
+        <p:grpSpPr>
+          <a:xfrm>
+            <a:off x="626374" y="2407478"/>
+            <a:ext cx="7905289" cy="4103661"/>
+            <a:chOff x="2889965" y="1624563"/>
+            <a:chExt cx="7905289" cy="4103661"/>
+          </a:xfrm>
+        </p:grpSpPr>
+        <p:sp>
+          <p:nvSpPr>
+            <p:cNvPr id="4" name="Rectangle 3"/>
+            <p:cNvSpPr/>
+            <p:nvPr/>
+          </p:nvSpPr>
+          <p:spPr>
+            <a:xfrm>
+              <a:off x="2889965" y="1624563"/>
+              <a:ext cx="7905289" cy="4103661"/>
+            </a:xfrm>
+            <a:prstGeom prst="rect">
+              <a:avLst/>
+            </a:prstGeom>
+          </p:spPr>
+          <p:style>
+            <a:lnRef idx="2">
+              <a:schemeClr val="dk1"/>
+            </a:lnRef>
+            <a:fillRef idx="1">
+              <a:schemeClr val="lt1"/>
+            </a:fillRef>
+            <a:effectRef idx="0">
+              <a:schemeClr val="dk1"/>
+            </a:effectRef>
+            <a:fontRef idx="minor">
+              <a:schemeClr val="dk1"/>
+            </a:fontRef>
+          </p:style>
+          <p:txBody>
+            <a:bodyPr rtlCol="0" anchor="ctr"/>
+            <a:lstStyle/>
+            <a:p>
+              <a:pPr algn="ctr"/>
+              <a:endParaRPr lang="en-US">
+                <a:solidFill>
+                  <a:schemeClr val="tx1"/>
+                </a:solidFill>
+              </a:endParaRPr>
+            </a:p>
+          </p:txBody>
+        </p:sp>
+        <p:sp>
+          <p:nvSpPr>
+            <p:cNvPr id="3" name="Rectangle 2"/>
+            <p:cNvSpPr/>
+            <p:nvPr/>
+          </p:nvSpPr>
+          <p:spPr>
+            <a:xfrm>
+              <a:off x="3395124" y="2004310"/>
+              <a:ext cx="6894972" cy="954107"/>
+            </a:xfrm>
+            <a:prstGeom prst="rect">
+              <a:avLst/>
+            </a:prstGeom>
+          </p:spPr>
+          <p:txBody>
+            <a:bodyPr wrap="square">
+              <a:spAutoFit/>
+            </a:bodyPr>
+            <a:lstStyle/>
+            <a:p>
+              <a:r>
+                <a:rPr lang="en-US" sz="2800" dirty="0" smtClean="0">
+                  <a:solidFill>
+                    <a:srgbClr val="000000"/>
+                  </a:solidFill>
+                  <a:latin typeface="Helvetica Neue"/>
+                  <a:cs typeface="Helvetica Neue"/>
+                </a:rPr>
+                <a:t>1.	Defining policies</a:t>
+              </a:r>
+            </a:p>
+            <a:p>
+              <a:r>
+                <a:rPr lang="en-US" sz="2800" dirty="0" smtClean="0">
+                  <a:solidFill>
+                    <a:srgbClr val="000000"/>
+                  </a:solidFill>
+                  <a:latin typeface="Helvetica Neue"/>
+                  <a:cs typeface="Helvetica Neue"/>
+                </a:rPr>
+                <a:t>2.	Checking authorization</a:t>
+              </a:r>
+            </a:p>
+          </p:txBody>
+        </p:sp>
+      </p:grpSp>
+    </p:spTree>
+    <p:extLst>
+      <p:ext uri="{BB962C8B-B14F-4D97-AF65-F5344CB8AC3E}">
+        <p14:creationId xmlns:p14="http://schemas.microsoft.com/office/powerpoint/2010/main" val="2726640869"/>
+      </p:ext>
+    </p:extLst>
+  </p:cSld>
+  <p:clrMapOvr>
+    <a:masterClrMapping/>
+  </p:clrMapOvr>
+  <p:timing>
+    <p:tnLst>
+      <p:par>
+        <p:cTn xmlns:p14="http://schemas.microsoft.com/office/powerpoint/2010/main" id="1" dur="indefinite" restart="never" nodeType="tmRoot"/>
+      </p:par>
+    </p:tnLst>
+  </p:timing>
+</p:sld>
+</file>
+
+<file path=ppt/slides/slide12.xml><?xml version="1.0" encoding="utf-8"?>
+<p:sld xmlns:a="http://schemas.openxmlformats.org/drawingml/2006/main" xmlns:r="http://schemas.openxmlformats.org/officeDocument/2006/relationships" xmlns:p="http://schemas.openxmlformats.org/presentationml/2006/main">
+  <p:cSld>
+    <p:bg>
+      <p:bgPr>
+        <a:blipFill rotWithShape="1">
+          <a:blip r:embed="rId3"/>
+          <a:stretch>
+            <a:fillRect/>
+          </a:stretch>
+        </a:blipFill>
+        <a:effectLst/>
+      </p:bgPr>
+    </p:bg>
+    <p:spTree>
+      <p:nvGrpSpPr>
+        <p:cNvPr id="1" name=""/>
+        <p:cNvGrpSpPr/>
+        <p:nvPr/>
+      </p:nvGrpSpPr>
+      <p:grpSpPr>
+        <a:xfrm>
+          <a:off x="0" y="0"/>
+          <a:ext cx="0" cy="0"/>
+          <a:chOff x="0" y="0"/>
+          <a:chExt cx="0" cy="0"/>
+        </a:xfrm>
+      </p:grpSpPr>
+      <p:grpSp>
+        <p:nvGrpSpPr>
+          <p:cNvPr id="11" name="Group 10"/>
+          <p:cNvGrpSpPr/>
+          <p:nvPr/>
+        </p:nvGrpSpPr>
+        <p:grpSpPr>
+          <a:xfrm>
+            <a:off x="0" y="0"/>
+            <a:ext cx="9144000" cy="699840"/>
+            <a:chOff x="-12700" y="1041400"/>
+            <a:chExt cx="9144000" cy="699840"/>
+          </a:xfrm>
+        </p:grpSpPr>
+        <p:sp>
+          <p:nvSpPr>
+            <p:cNvPr id="5" name="Rectangle 4"/>
+            <p:cNvSpPr/>
+            <p:nvPr/>
+          </p:nvSpPr>
+          <p:spPr>
+            <a:xfrm>
+              <a:off x="-12700" y="1041400"/>
+              <a:ext cx="9144000" cy="699840"/>
+            </a:xfrm>
+            <a:prstGeom prst="rect">
+              <a:avLst/>
+            </a:prstGeom>
+            <a:solidFill>
+              <a:srgbClr val="57068C"/>
+            </a:solidFill>
+            <a:ln>
+              <a:noFill/>
+            </a:ln>
+          </p:spPr>
+          <p:style>
+            <a:lnRef idx="1">
+              <a:schemeClr val="accent1"/>
+            </a:lnRef>
+            <a:fillRef idx="3">
+              <a:schemeClr val="accent1"/>
+            </a:fillRef>
+            <a:effectRef idx="2">
+              <a:schemeClr val="accent1"/>
+            </a:effectRef>
+            <a:fontRef idx="minor">
+              <a:schemeClr val="lt1"/>
+            </a:fontRef>
+          </p:style>
+          <p:txBody>
+            <a:bodyPr anchor="ctr"/>
+            <a:lstStyle/>
+            <a:p>
+              <a:pPr>
+                <a:spcBef>
+                  <a:spcPct val="0"/>
+                </a:spcBef>
+              </a:pPr>
+              <a:endParaRPr lang="en-US" sz="1000" dirty="0">
+                <a:latin typeface="Helvetica Neue"/>
+                <a:cs typeface="Helvetica Neue"/>
+              </a:endParaRPr>
+            </a:p>
+          </p:txBody>
+        </p:sp>
+        <p:sp>
+          <p:nvSpPr>
+            <p:cNvPr id="6" name="Text Placeholder 2"/>
+            <p:cNvSpPr txBox="1">
+              <a:spLocks/>
+            </p:cNvSpPr>
+            <p:nvPr/>
+          </p:nvSpPr>
+          <p:spPr bwMode="auto">
+            <a:xfrm>
+              <a:off x="6829910" y="1284442"/>
+              <a:ext cx="2094097" cy="228599"/>
+            </a:xfrm>
+            <a:prstGeom prst="rect">
+              <a:avLst/>
+            </a:prstGeom>
+            <a:noFill/>
+            <a:extLst>
+              <a:ext uri="{909E8E84-426E-40dd-AFC4-6F175D3DCCD1}">
+                <a14:hiddenFill xmlns:a14="http://schemas.microsoft.com/office/drawing/2010/main">
+                  <a:solidFill>
+                    <a:srgbClr val="FFFFFF"/>
+                  </a:solidFill>
+                </a14:hiddenFill>
+              </a:ext>
+              <a:ext uri="{91240B29-F687-4f45-9708-019B960494DF}">
+                <a14:hiddenLine xmlns:a14="http://schemas.microsoft.com/office/drawing/2010/main" w="9525">
+                  <a:solidFill>
+                    <a:srgbClr val="000000"/>
+                  </a:solidFill>
+                  <a:miter lim="800000"/>
+                  <a:headEnd/>
+                  <a:tailEnd/>
+                </a14:hiddenLine>
+              </a:ext>
+            </a:extLst>
+          </p:spPr>
+          <p:txBody>
+            <a:bodyPr vert="horz" wrap="square" lIns="91440" tIns="45720" rIns="91440" bIns="45720" numCol="1" rtlCol="0" anchor="ctr" compatLnSpc="1">
+              <a:prstTxWarp prst="textNoShape">
+                <a:avLst/>
+              </a:prstTxWarp>
+            </a:bodyPr>
+            <a:lstStyle>
+              <a:defPPr>
+                <a:defRPr lang="en-US"/>
+              </a:defPPr>
+              <a:lvl1pPr marL="0" algn="ctr" defTabSz="914400" rtl="0" eaLnBrk="1" latinLnBrk="0" hangingPunct="1">
+                <a:defRPr sz="1200" kern="1200">
+                  <a:solidFill>
+                    <a:schemeClr val="tx1">
+                      <a:tint val="75000"/>
+                    </a:schemeClr>
+                  </a:solidFill>
+                  <a:latin typeface="+mn-lt"/>
+                  <a:ea typeface="+mn-ea"/>
+                  <a:cs typeface="+mn-cs"/>
+                </a:defRPr>
+              </a:lvl1pPr>
+              <a:lvl2pPr marL="457200" algn="l" defTabSz="914400" rtl="0" eaLnBrk="1" latinLnBrk="0" hangingPunct="1">
+                <a:defRPr sz="1800" kern="1200">
+                  <a:solidFill>
+                    <a:schemeClr val="tx1"/>
+                  </a:solidFill>
+                  <a:latin typeface="+mn-lt"/>
+                  <a:ea typeface="+mn-ea"/>
+                  <a:cs typeface="+mn-cs"/>
+                </a:defRPr>
+              </a:lvl2pPr>
+              <a:lvl3pPr marL="914400" algn="l" defTabSz="914400" rtl="0" eaLnBrk="1" latinLnBrk="0" hangingPunct="1">
+                <a:defRPr sz="1800" kern="1200">
+                  <a:solidFill>
+                    <a:schemeClr val="tx1"/>
+                  </a:solidFill>
+                  <a:latin typeface="+mn-lt"/>
+                  <a:ea typeface="+mn-ea"/>
+                  <a:cs typeface="+mn-cs"/>
+                </a:defRPr>
+              </a:lvl3pPr>
+              <a:lvl4pPr marL="1371600" algn="l" defTabSz="914400" rtl="0" eaLnBrk="1" latinLnBrk="0" hangingPunct="1">
+                <a:defRPr sz="1800" kern="1200">
+                  <a:solidFill>
+                    <a:schemeClr val="tx1"/>
+                  </a:solidFill>
+                  <a:latin typeface="+mn-lt"/>
+                  <a:ea typeface="+mn-ea"/>
+                  <a:cs typeface="+mn-cs"/>
+                </a:defRPr>
+              </a:lvl4pPr>
+              <a:lvl5pPr marL="1828800" algn="l" defTabSz="914400" rtl="0" eaLnBrk="1" latinLnBrk="0" hangingPunct="1">
+                <a:defRPr sz="1800" kern="1200">
+                  <a:solidFill>
+                    <a:schemeClr val="tx1"/>
+                  </a:solidFill>
+                  <a:latin typeface="+mn-lt"/>
+                  <a:ea typeface="+mn-ea"/>
+                  <a:cs typeface="+mn-cs"/>
+                </a:defRPr>
+              </a:lvl5pPr>
+              <a:lvl6pPr marL="2286000" algn="l" defTabSz="914400" rtl="0" eaLnBrk="1" latinLnBrk="0" hangingPunct="1">
+                <a:defRPr sz="1800" kern="1200">
+                  <a:solidFill>
+                    <a:schemeClr val="tx1"/>
+                  </a:solidFill>
+                  <a:latin typeface="+mn-lt"/>
+                  <a:ea typeface="+mn-ea"/>
+                  <a:cs typeface="+mn-cs"/>
+                </a:defRPr>
+              </a:lvl6pPr>
+              <a:lvl7pPr marL="2743200" algn="l" defTabSz="914400" rtl="0" eaLnBrk="1" latinLnBrk="0" hangingPunct="1">
+                <a:defRPr sz="1800" kern="1200">
+                  <a:solidFill>
+                    <a:schemeClr val="tx1"/>
+                  </a:solidFill>
+                  <a:latin typeface="+mn-lt"/>
+                  <a:ea typeface="+mn-ea"/>
+                  <a:cs typeface="+mn-cs"/>
+                </a:defRPr>
+              </a:lvl7pPr>
+              <a:lvl8pPr marL="3200400" algn="l" defTabSz="914400" rtl="0" eaLnBrk="1" latinLnBrk="0" hangingPunct="1">
+                <a:defRPr sz="1800" kern="1200">
+                  <a:solidFill>
+                    <a:schemeClr val="tx1"/>
+                  </a:solidFill>
+                  <a:latin typeface="+mn-lt"/>
+                  <a:ea typeface="+mn-ea"/>
+                  <a:cs typeface="+mn-cs"/>
+                </a:defRPr>
+              </a:lvl8pPr>
+              <a:lvl9pPr marL="3657600" algn="l" defTabSz="914400" rtl="0" eaLnBrk="1" latinLnBrk="0" hangingPunct="1">
+                <a:defRPr sz="1800" kern="1200">
+                  <a:solidFill>
+                    <a:schemeClr val="tx1"/>
+                  </a:solidFill>
+                  <a:latin typeface="+mn-lt"/>
+                  <a:ea typeface="+mn-ea"/>
+                  <a:cs typeface="+mn-cs"/>
+                </a:defRPr>
+              </a:lvl9pPr>
+            </a:lstStyle>
+            <a:p>
+              <a:pPr algn="r">
+                <a:spcBef>
+                  <a:spcPct val="0"/>
+                </a:spcBef>
+              </a:pPr>
+              <a:r>
+                <a:rPr lang="en-US" sz="1000" b="1" dirty="0" smtClean="0">
+                  <a:solidFill>
+                    <a:srgbClr val="FFFFFF"/>
+                  </a:solidFill>
+                  <a:latin typeface="Helvetica Neue"/>
+                  <a:cs typeface="Helvetica Neue"/>
+                </a:rPr>
+                <a:t>Development </a:t>
+              </a:r>
+              <a:r>
+                <a:rPr lang="en-US" sz="1000" b="1" dirty="0">
+                  <a:solidFill>
+                    <a:srgbClr val="FFFFFF"/>
+                  </a:solidFill>
+                  <a:latin typeface="Helvetica Neue"/>
+                  <a:cs typeface="Helvetica Neue"/>
+                </a:rPr>
+                <a:t>Environment </a:t>
+              </a:r>
+              <a:r>
+                <a:rPr lang="en-US" sz="1000" b="1" dirty="0" smtClean="0">
+                  <a:solidFill>
+                    <a:srgbClr val="FFFFFF"/>
+                  </a:solidFill>
+                  <a:latin typeface="Helvetica Neue"/>
+                  <a:cs typeface="Helvetica Neue"/>
+                </a:rPr>
+                <a:t>&amp;</a:t>
+              </a:r>
+            </a:p>
+            <a:p>
+              <a:pPr algn="r">
+                <a:spcBef>
+                  <a:spcPct val="0"/>
+                </a:spcBef>
+              </a:pPr>
+              <a:r>
+                <a:rPr lang="en-US" sz="1000" b="1" dirty="0" smtClean="0">
+                  <a:solidFill>
+                    <a:srgbClr val="FFFFFF"/>
+                  </a:solidFill>
+                  <a:latin typeface="Helvetica Neue"/>
+                  <a:cs typeface="Helvetica Neue"/>
+                </a:rPr>
+                <a:t>Version </a:t>
+              </a:r>
+              <a:r>
+                <a:rPr lang="en-US" sz="1000" b="1" dirty="0">
+                  <a:solidFill>
+                    <a:srgbClr val="FFFFFF"/>
+                  </a:solidFill>
+                  <a:latin typeface="Helvetica Neue"/>
+                  <a:cs typeface="Helvetica Neue"/>
+                </a:rPr>
+                <a:t>Control</a:t>
+              </a:r>
+            </a:p>
+          </p:txBody>
+        </p:sp>
+        <p:pic>
+          <p:nvPicPr>
+            <p:cNvPr id="8" name="Picture 6"/>
+            <p:cNvPicPr>
+              <a:picLocks noChangeAspect="1"/>
+            </p:cNvPicPr>
+            <p:nvPr/>
+          </p:nvPicPr>
+          <p:blipFill>
+            <a:blip r:embed="rId4">
+              <a:extLst>
+                <a:ext uri="{28A0092B-C50C-407E-A947-70E740481C1C}">
+                  <a14:useLocalDpi xmlns:a14="http://schemas.microsoft.com/office/drawing/2010/main" val="0"/>
+                </a:ext>
+              </a:extLst>
+            </a:blip>
+            <a:srcRect/>
+            <a:stretch>
+              <a:fillRect/>
+            </a:stretch>
+          </p:blipFill>
+          <p:spPr bwMode="auto">
+            <a:xfrm>
+              <a:off x="257175" y="1284442"/>
+              <a:ext cx="1465263" cy="228600"/>
+            </a:xfrm>
+            <a:prstGeom prst="rect">
+              <a:avLst/>
+            </a:prstGeom>
+            <a:noFill/>
+            <a:ln>
+              <a:noFill/>
+            </a:ln>
+            <a:extLst>
+              <a:ext uri="{909E8E84-426E-40dd-AFC4-6F175D3DCCD1}">
+                <a14:hiddenFill xmlns:a14="http://schemas.microsoft.com/office/drawing/2010/main">
+                  <a:solidFill>
+                    <a:srgbClr val="FFFFFF"/>
+                  </a:solidFill>
+                </a14:hiddenFill>
+              </a:ext>
+              <a:ext uri="{91240B29-F687-4f45-9708-019B960494DF}">
+                <a14:hiddenLine xmlns:a14="http://schemas.microsoft.com/office/drawing/2010/main" w="9525">
+                  <a:solidFill>
+                    <a:srgbClr val="000000"/>
+                  </a:solidFill>
+                  <a:miter lim="800000"/>
+                  <a:headEnd/>
+                  <a:tailEnd/>
+                </a14:hiddenLine>
+              </a:ext>
+            </a:extLst>
+          </p:spPr>
+        </p:pic>
+      </p:grpSp>
+      <p:sp>
+        <p:nvSpPr>
+          <p:cNvPr id="2" name="Rectangle 1"/>
+          <p:cNvSpPr/>
+          <p:nvPr/>
+        </p:nvSpPr>
+        <p:spPr>
+          <a:xfrm>
+            <a:off x="269876" y="1343534"/>
+            <a:ext cx="8666831" cy="923330"/>
+          </a:xfrm>
+          <a:prstGeom prst="rect">
+            <a:avLst/>
+          </a:prstGeom>
+        </p:spPr>
+        <p:txBody>
+          <a:bodyPr wrap="square">
+            <a:spAutoFit/>
+          </a:bodyPr>
+          <a:lstStyle/>
+          <a:p>
+            <a:pPr algn="ctr"/>
+            <a:r>
+              <a:rPr lang="en-US" sz="5400" b="1" dirty="0" smtClean="0">
+                <a:solidFill>
+                  <a:schemeClr val="bg1">
+                    <a:lumMod val="85000"/>
+                    <a:lumOff val="15000"/>
+                  </a:schemeClr>
+                </a:solidFill>
+              </a:rPr>
+              <a:t>Encryption</a:t>
+            </a:r>
+            <a:endParaRPr lang="en-US" sz="5400" b="1" dirty="0">
+              <a:solidFill>
+                <a:schemeClr val="bg1">
+                  <a:lumMod val="85000"/>
+                  <a:lumOff val="15000"/>
+                </a:schemeClr>
+              </a:solidFill>
+              <a:latin typeface="Helvetica Neue"/>
+              <a:cs typeface="Helvetica Neue"/>
+            </a:endParaRPr>
+          </a:p>
+        </p:txBody>
+      </p:sp>
+      <p:grpSp>
+        <p:nvGrpSpPr>
+          <p:cNvPr id="7" name="Group 6"/>
+          <p:cNvGrpSpPr/>
+          <p:nvPr/>
+        </p:nvGrpSpPr>
+        <p:grpSpPr>
+          <a:xfrm>
+            <a:off x="626374" y="2407478"/>
+            <a:ext cx="7905289" cy="4103661"/>
+            <a:chOff x="2889965" y="1624563"/>
+            <a:chExt cx="7905289" cy="4103661"/>
+          </a:xfrm>
+        </p:grpSpPr>
+        <p:sp>
+          <p:nvSpPr>
+            <p:cNvPr id="4" name="Rectangle 3"/>
+            <p:cNvSpPr/>
+            <p:nvPr/>
+          </p:nvSpPr>
+          <p:spPr>
+            <a:xfrm>
+              <a:off x="2889965" y="1624563"/>
+              <a:ext cx="7905289" cy="4103661"/>
+            </a:xfrm>
+            <a:prstGeom prst="rect">
+              <a:avLst/>
+            </a:prstGeom>
+          </p:spPr>
+          <p:style>
+            <a:lnRef idx="2">
+              <a:schemeClr val="dk1"/>
+            </a:lnRef>
+            <a:fillRef idx="1">
+              <a:schemeClr val="lt1"/>
+            </a:fillRef>
+            <a:effectRef idx="0">
+              <a:schemeClr val="dk1"/>
+            </a:effectRef>
+            <a:fontRef idx="minor">
+              <a:schemeClr val="dk1"/>
+            </a:fontRef>
+          </p:style>
+          <p:txBody>
+            <a:bodyPr rtlCol="0" anchor="ctr"/>
+            <a:lstStyle/>
+            <a:p>
+              <a:pPr algn="ctr"/>
+              <a:endParaRPr lang="en-US">
+                <a:solidFill>
+                  <a:schemeClr val="tx1"/>
+                </a:solidFill>
+              </a:endParaRPr>
+            </a:p>
+          </p:txBody>
+        </p:sp>
+        <p:sp>
+          <p:nvSpPr>
+            <p:cNvPr id="3" name="Rectangle 2"/>
+            <p:cNvSpPr/>
+            <p:nvPr/>
+          </p:nvSpPr>
+          <p:spPr>
+            <a:xfrm>
+              <a:off x="3395124" y="2004310"/>
+              <a:ext cx="6894972" cy="1569660"/>
+            </a:xfrm>
+            <a:prstGeom prst="rect">
+              <a:avLst/>
+            </a:prstGeom>
+          </p:spPr>
+          <p:txBody>
+            <a:bodyPr wrap="square">
+              <a:spAutoFit/>
+            </a:bodyPr>
+            <a:lstStyle/>
+            <a:p>
+              <a:r>
+                <a:rPr lang="en-US" sz="2400" dirty="0" smtClean="0">
+                  <a:solidFill>
+                    <a:srgbClr val="000000"/>
+                  </a:solidFill>
+                  <a:latin typeface="Helvetica Neue"/>
+                  <a:cs typeface="Helvetica Neue"/>
+                </a:rPr>
+                <a:t>Encryption is a process that transforms data so that it will be unreadable to others while encrypted. Encryption is used to prevent unauthorized access to accounts or data. </a:t>
+              </a:r>
+              <a:endParaRPr lang="en-US" sz="2400" dirty="0">
+                <a:solidFill>
+                  <a:srgbClr val="000000"/>
+                </a:solidFill>
+                <a:latin typeface="Helvetica Neue"/>
+                <a:cs typeface="Helvetica Neue"/>
+              </a:endParaRPr>
+            </a:p>
+          </p:txBody>
+        </p:sp>
+      </p:grpSp>
+    </p:spTree>
+    <p:extLst>
+      <p:ext uri="{BB962C8B-B14F-4D97-AF65-F5344CB8AC3E}">
+        <p14:creationId xmlns:p14="http://schemas.microsoft.com/office/powerpoint/2010/main" val="2551188722"/>
+      </p:ext>
+    </p:extLst>
+  </p:cSld>
+  <p:clrMapOvr>
+    <a:masterClrMapping/>
+  </p:clrMapOvr>
+  <p:timing>
+    <p:tnLst>
+      <p:par>
+        <p:cTn xmlns:p14="http://schemas.microsoft.com/office/powerpoint/2010/main" id="1" dur="indefinite" restart="never" nodeType="tmRoot"/>
+      </p:par>
+    </p:tnLst>
+  </p:timing>
+</p:sld>
+</file>
+
+<file path=ppt/slides/slide13.xml><?xml version="1.0" encoding="utf-8"?>
 <p:sld xmlns:a="http://schemas.openxmlformats.org/drawingml/2006/main" xmlns:r="http://schemas.openxmlformats.org/officeDocument/2006/relationships" xmlns:p="http://schemas.openxmlformats.org/presentationml/2006/main">
   <p:cSld>
     <p:bg>
@@ -6206,7 +8010,7 @@
 </p:sld>
 </file>
 
-<file path=ppt/slides/slide11.xml><?xml version="1.0" encoding="utf-8"?>
+<file path=ppt/slides/slide14.xml><?xml version="1.0" encoding="utf-8"?>
 <p:sld xmlns:a="http://schemas.openxmlformats.org/drawingml/2006/main" xmlns:r="http://schemas.openxmlformats.org/officeDocument/2006/relationships" xmlns:p="http://schemas.openxmlformats.org/presentationml/2006/main">
   <p:cSld>
     <p:bg>
@@ -6724,7 +8528,7 @@
 </p:sld>
 </file>
 
-<file path=ppt/slides/slide12.xml><?xml version="1.0" encoding="utf-8"?>
+<file path=ppt/slides/slide15.xml><?xml version="1.0" encoding="utf-8"?>
 <p:sld xmlns:a="http://schemas.openxmlformats.org/drawingml/2006/main" xmlns:r="http://schemas.openxmlformats.org/officeDocument/2006/relationships" xmlns:p="http://schemas.openxmlformats.org/presentationml/2006/main">
   <p:cSld>
     <p:bg>
@@ -7242,7 +9046,7 @@
 </p:sld>
 </file>
 
-<file path=ppt/slides/slide13.xml><?xml version="1.0" encoding="utf-8"?>
+<file path=ppt/slides/slide16.xml><?xml version="1.0" encoding="utf-8"?>
 <p:sld xmlns:a="http://schemas.openxmlformats.org/drawingml/2006/main" xmlns:r="http://schemas.openxmlformats.org/officeDocument/2006/relationships" xmlns:p="http://schemas.openxmlformats.org/presentationml/2006/main">
   <p:cSld>
     <p:bg>
@@ -7765,7 +9569,7 @@
 </p:sld>
 </file>
 
-<file path=ppt/slides/slide14.xml><?xml version="1.0" encoding="utf-8"?>
+<file path=ppt/slides/slide17.xml><?xml version="1.0" encoding="utf-8"?>
 <p:sld xmlns:a="http://schemas.openxmlformats.org/drawingml/2006/main" xmlns:r="http://schemas.openxmlformats.org/officeDocument/2006/relationships" xmlns:p="http://schemas.openxmlformats.org/presentationml/2006/main">
   <p:cSld>
     <p:bg>
@@ -8288,7 +10092,7 @@
 </p:sld>
 </file>
 
-<file path=ppt/slides/slide15.xml><?xml version="1.0" encoding="utf-8"?>
+<file path=ppt/slides/slide18.xml><?xml version="1.0" encoding="utf-8"?>
 <p:sld xmlns:a="http://schemas.openxmlformats.org/drawingml/2006/main" xmlns:r="http://schemas.openxmlformats.org/officeDocument/2006/relationships" xmlns:p="http://schemas.openxmlformats.org/presentationml/2006/main">
   <p:cSld>
     <p:bg>
@@ -8840,13 +10644,6 @@
                 </a:rPr>
                 <a:t>Database query results</a:t>
               </a:r>
-              <a:endParaRPr lang="en-US" sz="2800" dirty="0" smtClean="0">
-                <a:solidFill>
-                  <a:srgbClr val="000000"/>
-                </a:solidFill>
-                <a:latin typeface="Helvetica Neue"/>
-                <a:cs typeface="Helvetica Neue"/>
-              </a:endParaRPr>
             </a:p>
           </p:txBody>
         </p:sp>
@@ -8871,7 +10668,7 @@
 </p:sld>
 </file>
 
-<file path=ppt/slides/slide16.xml><?xml version="1.0" encoding="utf-8"?>
+<file path=ppt/slides/slide19.xml><?xml version="1.0" encoding="utf-8"?>
 <p:sld xmlns:a="http://schemas.openxmlformats.org/drawingml/2006/main" xmlns:r="http://schemas.openxmlformats.org/officeDocument/2006/relationships" xmlns:p="http://schemas.openxmlformats.org/presentationml/2006/main">
   <p:cSld>
     <p:bg>
@@ -9417,13 +11214,6 @@
                 </a:rPr>
                 <a:t>Which one do I choose?</a:t>
               </a:r>
-              <a:endParaRPr lang="en-US" sz="2800" b="1" dirty="0" smtClean="0">
-                <a:solidFill>
-                  <a:srgbClr val="000000"/>
-                </a:solidFill>
-                <a:latin typeface="Helvetica Neue"/>
-                <a:cs typeface="Helvetica Neue"/>
-              </a:endParaRPr>
             </a:p>
           </p:txBody>
         </p:sp>
@@ -9448,7 +11238,902 @@
 </p:sld>
 </file>
 
-<file path=ppt/slides/slide17.xml><?xml version="1.0" encoding="utf-8"?>
+<file path=ppt/slides/slide2.xml><?xml version="1.0" encoding="utf-8"?>
+<p:sld xmlns:a="http://schemas.openxmlformats.org/drawingml/2006/main" xmlns:r="http://schemas.openxmlformats.org/officeDocument/2006/relationships" xmlns:p="http://schemas.openxmlformats.org/presentationml/2006/main">
+  <p:cSld>
+    <p:bg>
+      <p:bgPr>
+        <a:blipFill rotWithShape="1">
+          <a:blip r:embed="rId3"/>
+          <a:stretch>
+            <a:fillRect/>
+          </a:stretch>
+        </a:blipFill>
+        <a:effectLst/>
+      </p:bgPr>
+    </p:bg>
+    <p:spTree>
+      <p:nvGrpSpPr>
+        <p:cNvPr id="1" name=""/>
+        <p:cNvGrpSpPr/>
+        <p:nvPr/>
+      </p:nvGrpSpPr>
+      <p:grpSpPr>
+        <a:xfrm>
+          <a:off x="0" y="0"/>
+          <a:ext cx="0" cy="0"/>
+          <a:chOff x="0" y="0"/>
+          <a:chExt cx="0" cy="0"/>
+        </a:xfrm>
+      </p:grpSpPr>
+      <p:grpSp>
+        <p:nvGrpSpPr>
+          <p:cNvPr id="11" name="Group 10"/>
+          <p:cNvGrpSpPr/>
+          <p:nvPr/>
+        </p:nvGrpSpPr>
+        <p:grpSpPr>
+          <a:xfrm>
+            <a:off x="0" y="0"/>
+            <a:ext cx="9144000" cy="699840"/>
+            <a:chOff x="-12700" y="1041400"/>
+            <a:chExt cx="9144000" cy="699840"/>
+          </a:xfrm>
+        </p:grpSpPr>
+        <p:sp>
+          <p:nvSpPr>
+            <p:cNvPr id="5" name="Rectangle 4"/>
+            <p:cNvSpPr/>
+            <p:nvPr/>
+          </p:nvSpPr>
+          <p:spPr>
+            <a:xfrm>
+              <a:off x="-12700" y="1041400"/>
+              <a:ext cx="9144000" cy="699840"/>
+            </a:xfrm>
+            <a:prstGeom prst="rect">
+              <a:avLst/>
+            </a:prstGeom>
+            <a:solidFill>
+              <a:srgbClr val="57068C"/>
+            </a:solidFill>
+            <a:ln>
+              <a:noFill/>
+            </a:ln>
+          </p:spPr>
+          <p:style>
+            <a:lnRef idx="1">
+              <a:schemeClr val="accent1"/>
+            </a:lnRef>
+            <a:fillRef idx="3">
+              <a:schemeClr val="accent1"/>
+            </a:fillRef>
+            <a:effectRef idx="2">
+              <a:schemeClr val="accent1"/>
+            </a:effectRef>
+            <a:fontRef idx="minor">
+              <a:schemeClr val="lt1"/>
+            </a:fontRef>
+          </p:style>
+          <p:txBody>
+            <a:bodyPr anchor="ctr"/>
+            <a:lstStyle/>
+            <a:p>
+              <a:pPr>
+                <a:spcBef>
+                  <a:spcPct val="0"/>
+                </a:spcBef>
+              </a:pPr>
+              <a:endParaRPr lang="en-US" sz="1000" dirty="0">
+                <a:latin typeface="Helvetica Neue"/>
+                <a:cs typeface="Helvetica Neue"/>
+              </a:endParaRPr>
+            </a:p>
+          </p:txBody>
+        </p:sp>
+        <p:sp>
+          <p:nvSpPr>
+            <p:cNvPr id="6" name="Text Placeholder 2"/>
+            <p:cNvSpPr txBox="1">
+              <a:spLocks/>
+            </p:cNvSpPr>
+            <p:nvPr/>
+          </p:nvSpPr>
+          <p:spPr bwMode="auto">
+            <a:xfrm>
+              <a:off x="6829910" y="1284442"/>
+              <a:ext cx="2094097" cy="228599"/>
+            </a:xfrm>
+            <a:prstGeom prst="rect">
+              <a:avLst/>
+            </a:prstGeom>
+            <a:noFill/>
+            <a:extLst>
+              <a:ext uri="{909E8E84-426E-40dd-AFC4-6F175D3DCCD1}">
+                <a14:hiddenFill xmlns:a14="http://schemas.microsoft.com/office/drawing/2010/main">
+                  <a:solidFill>
+                    <a:srgbClr val="FFFFFF"/>
+                  </a:solidFill>
+                </a14:hiddenFill>
+              </a:ext>
+              <a:ext uri="{91240B29-F687-4f45-9708-019B960494DF}">
+                <a14:hiddenLine xmlns:a14="http://schemas.microsoft.com/office/drawing/2010/main" w="9525">
+                  <a:solidFill>
+                    <a:srgbClr val="000000"/>
+                  </a:solidFill>
+                  <a:miter lim="800000"/>
+                  <a:headEnd/>
+                  <a:tailEnd/>
+                </a14:hiddenLine>
+              </a:ext>
+            </a:extLst>
+          </p:spPr>
+          <p:txBody>
+            <a:bodyPr vert="horz" wrap="square" lIns="91440" tIns="45720" rIns="91440" bIns="45720" numCol="1" rtlCol="0" anchor="ctr" compatLnSpc="1">
+              <a:prstTxWarp prst="textNoShape">
+                <a:avLst/>
+              </a:prstTxWarp>
+            </a:bodyPr>
+            <a:lstStyle>
+              <a:defPPr>
+                <a:defRPr lang="en-US"/>
+              </a:defPPr>
+              <a:lvl1pPr marL="0" algn="ctr" defTabSz="914400" rtl="0" eaLnBrk="1" latinLnBrk="0" hangingPunct="1">
+                <a:defRPr sz="1200" kern="1200">
+                  <a:solidFill>
+                    <a:schemeClr val="tx1">
+                      <a:tint val="75000"/>
+                    </a:schemeClr>
+                  </a:solidFill>
+                  <a:latin typeface="+mn-lt"/>
+                  <a:ea typeface="+mn-ea"/>
+                  <a:cs typeface="+mn-cs"/>
+                </a:defRPr>
+              </a:lvl1pPr>
+              <a:lvl2pPr marL="457200" algn="l" defTabSz="914400" rtl="0" eaLnBrk="1" latinLnBrk="0" hangingPunct="1">
+                <a:defRPr sz="1800" kern="1200">
+                  <a:solidFill>
+                    <a:schemeClr val="tx1"/>
+                  </a:solidFill>
+                  <a:latin typeface="+mn-lt"/>
+                  <a:ea typeface="+mn-ea"/>
+                  <a:cs typeface="+mn-cs"/>
+                </a:defRPr>
+              </a:lvl2pPr>
+              <a:lvl3pPr marL="914400" algn="l" defTabSz="914400" rtl="0" eaLnBrk="1" latinLnBrk="0" hangingPunct="1">
+                <a:defRPr sz="1800" kern="1200">
+                  <a:solidFill>
+                    <a:schemeClr val="tx1"/>
+                  </a:solidFill>
+                  <a:latin typeface="+mn-lt"/>
+                  <a:ea typeface="+mn-ea"/>
+                  <a:cs typeface="+mn-cs"/>
+                </a:defRPr>
+              </a:lvl3pPr>
+              <a:lvl4pPr marL="1371600" algn="l" defTabSz="914400" rtl="0" eaLnBrk="1" latinLnBrk="0" hangingPunct="1">
+                <a:defRPr sz="1800" kern="1200">
+                  <a:solidFill>
+                    <a:schemeClr val="tx1"/>
+                  </a:solidFill>
+                  <a:latin typeface="+mn-lt"/>
+                  <a:ea typeface="+mn-ea"/>
+                  <a:cs typeface="+mn-cs"/>
+                </a:defRPr>
+              </a:lvl4pPr>
+              <a:lvl5pPr marL="1828800" algn="l" defTabSz="914400" rtl="0" eaLnBrk="1" latinLnBrk="0" hangingPunct="1">
+                <a:defRPr sz="1800" kern="1200">
+                  <a:solidFill>
+                    <a:schemeClr val="tx1"/>
+                  </a:solidFill>
+                  <a:latin typeface="+mn-lt"/>
+                  <a:ea typeface="+mn-ea"/>
+                  <a:cs typeface="+mn-cs"/>
+                </a:defRPr>
+              </a:lvl5pPr>
+              <a:lvl6pPr marL="2286000" algn="l" defTabSz="914400" rtl="0" eaLnBrk="1" latinLnBrk="0" hangingPunct="1">
+                <a:defRPr sz="1800" kern="1200">
+                  <a:solidFill>
+                    <a:schemeClr val="tx1"/>
+                  </a:solidFill>
+                  <a:latin typeface="+mn-lt"/>
+                  <a:ea typeface="+mn-ea"/>
+                  <a:cs typeface="+mn-cs"/>
+                </a:defRPr>
+              </a:lvl6pPr>
+              <a:lvl7pPr marL="2743200" algn="l" defTabSz="914400" rtl="0" eaLnBrk="1" latinLnBrk="0" hangingPunct="1">
+                <a:defRPr sz="1800" kern="1200">
+                  <a:solidFill>
+                    <a:schemeClr val="tx1"/>
+                  </a:solidFill>
+                  <a:latin typeface="+mn-lt"/>
+                  <a:ea typeface="+mn-ea"/>
+                  <a:cs typeface="+mn-cs"/>
+                </a:defRPr>
+              </a:lvl7pPr>
+              <a:lvl8pPr marL="3200400" algn="l" defTabSz="914400" rtl="0" eaLnBrk="1" latinLnBrk="0" hangingPunct="1">
+                <a:defRPr sz="1800" kern="1200">
+                  <a:solidFill>
+                    <a:schemeClr val="tx1"/>
+                  </a:solidFill>
+                  <a:latin typeface="+mn-lt"/>
+                  <a:ea typeface="+mn-ea"/>
+                  <a:cs typeface="+mn-cs"/>
+                </a:defRPr>
+              </a:lvl8pPr>
+              <a:lvl9pPr marL="3657600" algn="l" defTabSz="914400" rtl="0" eaLnBrk="1" latinLnBrk="0" hangingPunct="1">
+                <a:defRPr sz="1800" kern="1200">
+                  <a:solidFill>
+                    <a:schemeClr val="tx1"/>
+                  </a:solidFill>
+                  <a:latin typeface="+mn-lt"/>
+                  <a:ea typeface="+mn-ea"/>
+                  <a:cs typeface="+mn-cs"/>
+                </a:defRPr>
+              </a:lvl9pPr>
+            </a:lstStyle>
+            <a:p>
+              <a:pPr algn="r">
+                <a:spcBef>
+                  <a:spcPct val="0"/>
+                </a:spcBef>
+              </a:pPr>
+              <a:r>
+                <a:rPr lang="en-US" sz="1000" b="1" dirty="0" smtClean="0">
+                  <a:solidFill>
+                    <a:srgbClr val="FFFFFF"/>
+                  </a:solidFill>
+                  <a:latin typeface="Helvetica Neue"/>
+                  <a:cs typeface="Helvetica Neue"/>
+                </a:rPr>
+                <a:t>Development </a:t>
+              </a:r>
+              <a:r>
+                <a:rPr lang="en-US" sz="1000" b="1" dirty="0">
+                  <a:solidFill>
+                    <a:srgbClr val="FFFFFF"/>
+                  </a:solidFill>
+                  <a:latin typeface="Helvetica Neue"/>
+                  <a:cs typeface="Helvetica Neue"/>
+                </a:rPr>
+                <a:t>Environment </a:t>
+              </a:r>
+              <a:r>
+                <a:rPr lang="en-US" sz="1000" b="1" dirty="0" smtClean="0">
+                  <a:solidFill>
+                    <a:srgbClr val="FFFFFF"/>
+                  </a:solidFill>
+                  <a:latin typeface="Helvetica Neue"/>
+                  <a:cs typeface="Helvetica Neue"/>
+                </a:rPr>
+                <a:t>&amp;</a:t>
+              </a:r>
+            </a:p>
+            <a:p>
+              <a:pPr algn="r">
+                <a:spcBef>
+                  <a:spcPct val="0"/>
+                </a:spcBef>
+              </a:pPr>
+              <a:r>
+                <a:rPr lang="en-US" sz="1000" b="1" dirty="0" smtClean="0">
+                  <a:solidFill>
+                    <a:srgbClr val="FFFFFF"/>
+                  </a:solidFill>
+                  <a:latin typeface="Helvetica Neue"/>
+                  <a:cs typeface="Helvetica Neue"/>
+                </a:rPr>
+                <a:t>Version </a:t>
+              </a:r>
+              <a:r>
+                <a:rPr lang="en-US" sz="1000" b="1" dirty="0">
+                  <a:solidFill>
+                    <a:srgbClr val="FFFFFF"/>
+                  </a:solidFill>
+                  <a:latin typeface="Helvetica Neue"/>
+                  <a:cs typeface="Helvetica Neue"/>
+                </a:rPr>
+                <a:t>Control</a:t>
+              </a:r>
+            </a:p>
+          </p:txBody>
+        </p:sp>
+        <p:pic>
+          <p:nvPicPr>
+            <p:cNvPr id="8" name="Picture 6"/>
+            <p:cNvPicPr>
+              <a:picLocks noChangeAspect="1"/>
+            </p:cNvPicPr>
+            <p:nvPr/>
+          </p:nvPicPr>
+          <p:blipFill>
+            <a:blip r:embed="rId4">
+              <a:extLst>
+                <a:ext uri="{28A0092B-C50C-407E-A947-70E740481C1C}">
+                  <a14:useLocalDpi xmlns:a14="http://schemas.microsoft.com/office/drawing/2010/main" val="0"/>
+                </a:ext>
+              </a:extLst>
+            </a:blip>
+            <a:srcRect/>
+            <a:stretch>
+              <a:fillRect/>
+            </a:stretch>
+          </p:blipFill>
+          <p:spPr bwMode="auto">
+            <a:xfrm>
+              <a:off x="257175" y="1284442"/>
+              <a:ext cx="1465263" cy="228600"/>
+            </a:xfrm>
+            <a:prstGeom prst="rect">
+              <a:avLst/>
+            </a:prstGeom>
+            <a:noFill/>
+            <a:ln>
+              <a:noFill/>
+            </a:ln>
+            <a:extLst>
+              <a:ext uri="{909E8E84-426E-40dd-AFC4-6F175D3DCCD1}">
+                <a14:hiddenFill xmlns:a14="http://schemas.microsoft.com/office/drawing/2010/main">
+                  <a:solidFill>
+                    <a:srgbClr val="FFFFFF"/>
+                  </a:solidFill>
+                </a14:hiddenFill>
+              </a:ext>
+              <a:ext uri="{91240B29-F687-4f45-9708-019B960494DF}">
+                <a14:hiddenLine xmlns:a14="http://schemas.microsoft.com/office/drawing/2010/main" w="9525">
+                  <a:solidFill>
+                    <a:srgbClr val="000000"/>
+                  </a:solidFill>
+                  <a:miter lim="800000"/>
+                  <a:headEnd/>
+                  <a:tailEnd/>
+                </a14:hiddenLine>
+              </a:ext>
+            </a:extLst>
+          </p:spPr>
+        </p:pic>
+      </p:grpSp>
+      <p:sp>
+        <p:nvSpPr>
+          <p:cNvPr id="2" name="Rectangle 1"/>
+          <p:cNvSpPr/>
+          <p:nvPr/>
+        </p:nvSpPr>
+        <p:spPr>
+          <a:xfrm>
+            <a:off x="269876" y="1343534"/>
+            <a:ext cx="8666831" cy="923330"/>
+          </a:xfrm>
+          <a:prstGeom prst="rect">
+            <a:avLst/>
+          </a:prstGeom>
+        </p:spPr>
+        <p:txBody>
+          <a:bodyPr wrap="square">
+            <a:spAutoFit/>
+          </a:bodyPr>
+          <a:lstStyle/>
+          <a:p>
+            <a:pPr algn="ctr"/>
+            <a:r>
+              <a:rPr lang="en-US" sz="5400" b="1" dirty="0" smtClean="0">
+                <a:solidFill>
+                  <a:schemeClr val="bg1">
+                    <a:lumMod val="85000"/>
+                    <a:lumOff val="15000"/>
+                  </a:schemeClr>
+                </a:solidFill>
+              </a:rPr>
+              <a:t>Code Review</a:t>
+            </a:r>
+            <a:endParaRPr lang="en-US" sz="5400" b="1" dirty="0">
+              <a:solidFill>
+                <a:schemeClr val="bg1">
+                  <a:lumMod val="85000"/>
+                  <a:lumOff val="15000"/>
+                </a:schemeClr>
+              </a:solidFill>
+              <a:latin typeface="Helvetica Neue"/>
+              <a:cs typeface="Helvetica Neue"/>
+            </a:endParaRPr>
+          </a:p>
+        </p:txBody>
+      </p:sp>
+      <p:grpSp>
+        <p:nvGrpSpPr>
+          <p:cNvPr id="7" name="Group 6"/>
+          <p:cNvGrpSpPr/>
+          <p:nvPr/>
+        </p:nvGrpSpPr>
+        <p:grpSpPr>
+          <a:xfrm>
+            <a:off x="626374" y="2407478"/>
+            <a:ext cx="7905289" cy="4103661"/>
+            <a:chOff x="2889965" y="1624563"/>
+            <a:chExt cx="7905289" cy="4103661"/>
+          </a:xfrm>
+        </p:grpSpPr>
+        <p:sp>
+          <p:nvSpPr>
+            <p:cNvPr id="4" name="Rectangle 3"/>
+            <p:cNvSpPr/>
+            <p:nvPr/>
+          </p:nvSpPr>
+          <p:spPr>
+            <a:xfrm>
+              <a:off x="2889965" y="1624563"/>
+              <a:ext cx="7905289" cy="4103661"/>
+            </a:xfrm>
+            <a:prstGeom prst="rect">
+              <a:avLst/>
+            </a:prstGeom>
+          </p:spPr>
+          <p:style>
+            <a:lnRef idx="2">
+              <a:schemeClr val="dk1"/>
+            </a:lnRef>
+            <a:fillRef idx="1">
+              <a:schemeClr val="lt1"/>
+            </a:fillRef>
+            <a:effectRef idx="0">
+              <a:schemeClr val="dk1"/>
+            </a:effectRef>
+            <a:fontRef idx="minor">
+              <a:schemeClr val="dk1"/>
+            </a:fontRef>
+          </p:style>
+          <p:txBody>
+            <a:bodyPr rtlCol="0" anchor="ctr"/>
+            <a:lstStyle/>
+            <a:p>
+              <a:pPr algn="ctr"/>
+              <a:endParaRPr lang="en-US">
+                <a:solidFill>
+                  <a:schemeClr val="tx1"/>
+                </a:solidFill>
+              </a:endParaRPr>
+            </a:p>
+          </p:txBody>
+        </p:sp>
+        <p:sp>
+          <p:nvSpPr>
+            <p:cNvPr id="3" name="Rectangle 2"/>
+            <p:cNvSpPr/>
+            <p:nvPr/>
+          </p:nvSpPr>
+          <p:spPr>
+            <a:xfrm>
+              <a:off x="3395124" y="2004310"/>
+              <a:ext cx="6894972" cy="3477875"/>
+            </a:xfrm>
+            <a:prstGeom prst="rect">
+              <a:avLst/>
+            </a:prstGeom>
+          </p:spPr>
+          <p:txBody>
+            <a:bodyPr wrap="square">
+              <a:spAutoFit/>
+            </a:bodyPr>
+            <a:lstStyle/>
+            <a:p>
+              <a:r>
+                <a:rPr lang="en-US" sz="1000" dirty="0">
+                  <a:solidFill>
+                    <a:srgbClr val="000000"/>
+                  </a:solidFill>
+                  <a:latin typeface="Consolas"/>
+                  <a:cs typeface="Consolas"/>
+                </a:rPr>
+                <a:t>&lt;?</a:t>
+              </a:r>
+              <a:r>
+                <a:rPr lang="en-US" sz="1000" dirty="0" err="1">
+                  <a:solidFill>
+                    <a:srgbClr val="000000"/>
+                  </a:solidFill>
+                  <a:latin typeface="Consolas"/>
+                  <a:cs typeface="Consolas"/>
+                </a:rPr>
+                <a:t>php</a:t>
+              </a:r>
+              <a:endParaRPr lang="en-US" sz="1000" dirty="0">
+                <a:solidFill>
+                  <a:srgbClr val="000000"/>
+                </a:solidFill>
+                <a:latin typeface="Consolas"/>
+                <a:cs typeface="Consolas"/>
+              </a:endParaRPr>
+            </a:p>
+            <a:p>
+              <a:r>
+                <a:rPr lang="en-US" sz="1000" dirty="0">
+                  <a:solidFill>
+                    <a:srgbClr val="000000"/>
+                  </a:solidFill>
+                  <a:latin typeface="Consolas"/>
+                  <a:cs typeface="Consolas"/>
+                </a:rPr>
+                <a:t>use Illuminate\Database\Seeder;</a:t>
+              </a:r>
+            </a:p>
+            <a:p>
+              <a:r>
+                <a:rPr lang="en-US" sz="1000" dirty="0">
+                  <a:solidFill>
+                    <a:srgbClr val="000000"/>
+                  </a:solidFill>
+                  <a:latin typeface="Consolas"/>
+                  <a:cs typeface="Consolas"/>
+                </a:rPr>
+                <a:t>class </a:t>
+              </a:r>
+              <a:r>
+                <a:rPr lang="en-US" sz="1000" dirty="0" err="1">
+                  <a:solidFill>
+                    <a:srgbClr val="000000"/>
+                  </a:solidFill>
+                  <a:latin typeface="Consolas"/>
+                  <a:cs typeface="Consolas"/>
+                </a:rPr>
+                <a:t>LocationsTableSeeder</a:t>
+              </a:r>
+              <a:r>
+                <a:rPr lang="en-US" sz="1000" dirty="0">
+                  <a:solidFill>
+                    <a:srgbClr val="000000"/>
+                  </a:solidFill>
+                  <a:latin typeface="Consolas"/>
+                  <a:cs typeface="Consolas"/>
+                </a:rPr>
+                <a:t> extends Seeder</a:t>
+              </a:r>
+            </a:p>
+            <a:p>
+              <a:r>
+                <a:rPr lang="en-US" sz="1000" dirty="0">
+                  <a:solidFill>
+                    <a:srgbClr val="000000"/>
+                  </a:solidFill>
+                  <a:latin typeface="Consolas"/>
+                  <a:cs typeface="Consolas"/>
+                </a:rPr>
+                <a:t>{</a:t>
+              </a:r>
+            </a:p>
+            <a:p>
+              <a:r>
+                <a:rPr lang="en-US" sz="1000" dirty="0">
+                  <a:solidFill>
+                    <a:srgbClr val="000000"/>
+                  </a:solidFill>
+                  <a:latin typeface="Consolas"/>
+                  <a:cs typeface="Consolas"/>
+                </a:rPr>
+                <a:t>    /**</a:t>
+              </a:r>
+            </a:p>
+            <a:p>
+              <a:r>
+                <a:rPr lang="en-US" sz="1000" dirty="0">
+                  <a:solidFill>
+                    <a:srgbClr val="000000"/>
+                  </a:solidFill>
+                  <a:latin typeface="Consolas"/>
+                  <a:cs typeface="Consolas"/>
+                </a:rPr>
+                <a:t>     * Run the database seeds.</a:t>
+              </a:r>
+            </a:p>
+            <a:p>
+              <a:r>
+                <a:rPr lang="en-US" sz="1000" dirty="0">
+                  <a:solidFill>
+                    <a:srgbClr val="000000"/>
+                  </a:solidFill>
+                  <a:latin typeface="Consolas"/>
+                  <a:cs typeface="Consolas"/>
+                </a:rPr>
+                <a:t>     *</a:t>
+              </a:r>
+            </a:p>
+            <a:p>
+              <a:r>
+                <a:rPr lang="en-US" sz="1000" dirty="0">
+                  <a:solidFill>
+                    <a:srgbClr val="000000"/>
+                  </a:solidFill>
+                  <a:latin typeface="Consolas"/>
+                  <a:cs typeface="Consolas"/>
+                </a:rPr>
+                <a:t>     * @return void</a:t>
+              </a:r>
+            </a:p>
+            <a:p>
+              <a:r>
+                <a:rPr lang="en-US" sz="1000" dirty="0">
+                  <a:solidFill>
+                    <a:srgbClr val="000000"/>
+                  </a:solidFill>
+                  <a:latin typeface="Consolas"/>
+                  <a:cs typeface="Consolas"/>
+                </a:rPr>
+                <a:t>     */</a:t>
+              </a:r>
+            </a:p>
+            <a:p>
+              <a:r>
+                <a:rPr lang="en-US" sz="1000" dirty="0">
+                  <a:solidFill>
+                    <a:srgbClr val="000000"/>
+                  </a:solidFill>
+                  <a:latin typeface="Consolas"/>
+                  <a:cs typeface="Consolas"/>
+                </a:rPr>
+                <a:t>    public function run()</a:t>
+              </a:r>
+            </a:p>
+            <a:p>
+              <a:r>
+                <a:rPr lang="en-US" sz="1000" dirty="0">
+                  <a:solidFill>
+                    <a:srgbClr val="000000"/>
+                  </a:solidFill>
+                  <a:latin typeface="Consolas"/>
+                  <a:cs typeface="Consolas"/>
+                </a:rPr>
+                <a:t>    {</a:t>
+              </a:r>
+            </a:p>
+            <a:p>
+              <a:r>
+                <a:rPr lang="en-US" sz="1000" dirty="0">
+                  <a:solidFill>
+                    <a:srgbClr val="000000"/>
+                  </a:solidFill>
+                  <a:latin typeface="Consolas"/>
+                  <a:cs typeface="Consolas"/>
+                </a:rPr>
+                <a:t>        // $this-&gt;call(</a:t>
+              </a:r>
+              <a:r>
+                <a:rPr lang="en-US" sz="1000" dirty="0" err="1">
+                  <a:solidFill>
+                    <a:srgbClr val="000000"/>
+                  </a:solidFill>
+                  <a:latin typeface="Consolas"/>
+                  <a:cs typeface="Consolas"/>
+                </a:rPr>
+                <a:t>UserTableSeeder</a:t>
+              </a:r>
+              <a:r>
+                <a:rPr lang="en-US" sz="1000" dirty="0">
+                  <a:solidFill>
+                    <a:srgbClr val="000000"/>
+                  </a:solidFill>
+                  <a:latin typeface="Consolas"/>
+                  <a:cs typeface="Consolas"/>
+                </a:rPr>
+                <a:t>::class);</a:t>
+              </a:r>
+            </a:p>
+            <a:p>
+              <a:r>
+                <a:rPr lang="en-US" sz="1000" dirty="0">
+                  <a:solidFill>
+                    <a:srgbClr val="000000"/>
+                  </a:solidFill>
+                  <a:latin typeface="Consolas"/>
+                  <a:cs typeface="Consolas"/>
+                </a:rPr>
+                <a:t>		$faker=Faker\Factory::create();</a:t>
+              </a:r>
+            </a:p>
+            <a:p>
+              <a:r>
+                <a:rPr lang="en-US" sz="1000" dirty="0">
+                  <a:solidFill>
+                    <a:srgbClr val="000000"/>
+                  </a:solidFill>
+                  <a:latin typeface="Consolas"/>
+                  <a:cs typeface="Consolas"/>
+                </a:rPr>
+                <a:t>		</a:t>
+              </a:r>
+            </a:p>
+            <a:p>
+              <a:r>
+                <a:rPr lang="en-US" sz="1000" dirty="0">
+                  <a:solidFill>
+                    <a:srgbClr val="000000"/>
+                  </a:solidFill>
+                  <a:latin typeface="Consolas"/>
+                  <a:cs typeface="Consolas"/>
+                </a:rPr>
+                <a:t>		$limit=20;</a:t>
+              </a:r>
+            </a:p>
+            <a:p>
+              <a:r>
+                <a:rPr lang="en-US" sz="1000" dirty="0">
+                  <a:solidFill>
+                    <a:srgbClr val="000000"/>
+                  </a:solidFill>
+                  <a:latin typeface="Consolas"/>
+                  <a:cs typeface="Consolas"/>
+                </a:rPr>
+                <a:t>		</a:t>
+              </a:r>
+            </a:p>
+            <a:p>
+              <a:r>
+                <a:rPr lang="en-US" sz="1000" dirty="0">
+                  <a:solidFill>
+                    <a:srgbClr val="000000"/>
+                  </a:solidFill>
+                  <a:latin typeface="Consolas"/>
+                  <a:cs typeface="Consolas"/>
+                </a:rPr>
+                <a:t>		for($</a:t>
+              </a:r>
+              <a:r>
+                <a:rPr lang="en-US" sz="1000" dirty="0" err="1">
+                  <a:solidFill>
+                    <a:srgbClr val="000000"/>
+                  </a:solidFill>
+                  <a:latin typeface="Consolas"/>
+                  <a:cs typeface="Consolas"/>
+                </a:rPr>
+                <a:t>i</a:t>
+              </a:r>
+              <a:r>
+                <a:rPr lang="en-US" sz="1000" dirty="0">
+                  <a:solidFill>
+                    <a:srgbClr val="000000"/>
+                  </a:solidFill>
+                  <a:latin typeface="Consolas"/>
+                  <a:cs typeface="Consolas"/>
+                </a:rPr>
+                <a:t>=0; $</a:t>
+              </a:r>
+              <a:r>
+                <a:rPr lang="en-US" sz="1000" dirty="0" err="1">
+                  <a:solidFill>
+                    <a:srgbClr val="000000"/>
+                  </a:solidFill>
+                  <a:latin typeface="Consolas"/>
+                  <a:cs typeface="Consolas"/>
+                </a:rPr>
+                <a:t>i</a:t>
+              </a:r>
+              <a:r>
+                <a:rPr lang="en-US" sz="1000" dirty="0">
+                  <a:solidFill>
+                    <a:srgbClr val="000000"/>
+                  </a:solidFill>
+                  <a:latin typeface="Consolas"/>
+                  <a:cs typeface="Consolas"/>
+                </a:rPr>
+                <a:t>&lt;$limit; $</a:t>
+              </a:r>
+              <a:r>
+                <a:rPr lang="en-US" sz="1000" dirty="0" err="1">
+                  <a:solidFill>
+                    <a:srgbClr val="000000"/>
+                  </a:solidFill>
+                  <a:latin typeface="Consolas"/>
+                  <a:cs typeface="Consolas"/>
+                </a:rPr>
+                <a:t>i</a:t>
+              </a:r>
+              <a:r>
+                <a:rPr lang="en-US" sz="1000" dirty="0">
+                  <a:solidFill>
+                    <a:srgbClr val="000000"/>
+                  </a:solidFill>
+                  <a:latin typeface="Consolas"/>
+                  <a:cs typeface="Consolas"/>
+                </a:rPr>
+                <a:t>++){</a:t>
+              </a:r>
+            </a:p>
+            <a:p>
+              <a:r>
+                <a:rPr lang="en-US" sz="1000" dirty="0">
+                  <a:solidFill>
+                    <a:srgbClr val="000000"/>
+                  </a:solidFill>
+                  <a:latin typeface="Consolas"/>
+                  <a:cs typeface="Consolas"/>
+                </a:rPr>
+                <a:t>			DB::table('locations')-&gt;insert([//, 'value'=&gt;$faker-&gt;city.', '. $faker-&gt;</a:t>
+              </a:r>
+              <a:r>
+                <a:rPr lang="en-US" sz="1000" dirty="0" err="1">
+                  <a:solidFill>
+                    <a:srgbClr val="000000"/>
+                  </a:solidFill>
+                  <a:latin typeface="Consolas"/>
+                  <a:cs typeface="Consolas"/>
+                </a:rPr>
+                <a:t>stateAbbr</a:t>
+              </a:r>
+              <a:r>
+                <a:rPr lang="en-US" sz="1000" dirty="0">
+                  <a:solidFill>
+                    <a:srgbClr val="000000"/>
+                  </a:solidFill>
+                  <a:latin typeface="Consolas"/>
+                  <a:cs typeface="Consolas"/>
+                </a:rPr>
+                <a:t>,]);</a:t>
+              </a:r>
+            </a:p>
+            <a:p>
+              <a:r>
+                <a:rPr lang="en-US" sz="1000" dirty="0">
+                  <a:solidFill>
+                    <a:srgbClr val="000000"/>
+                  </a:solidFill>
+                  <a:latin typeface="Consolas"/>
+                  <a:cs typeface="Consolas"/>
+                </a:rPr>
+                <a:t>		}</a:t>
+              </a:r>
+            </a:p>
+            <a:p>
+              <a:r>
+                <a:rPr lang="en-US" sz="1000" dirty="0">
+                  <a:solidFill>
+                    <a:srgbClr val="000000"/>
+                  </a:solidFill>
+                  <a:latin typeface="Consolas"/>
+                  <a:cs typeface="Consolas"/>
+                </a:rPr>
+                <a:t>    }</a:t>
+              </a:r>
+            </a:p>
+            <a:p>
+              <a:r>
+                <a:rPr lang="en-US" sz="1000" dirty="0">
+                  <a:solidFill>
+                    <a:srgbClr val="000000"/>
+                  </a:solidFill>
+                  <a:latin typeface="Consolas"/>
+                  <a:cs typeface="Consolas"/>
+                </a:rPr>
+                <a:t>}</a:t>
+              </a:r>
+              <a:endParaRPr lang="en-US" sz="1000" dirty="0">
+                <a:solidFill>
+                  <a:srgbClr val="000000"/>
+                </a:solidFill>
+                <a:latin typeface="Consolas"/>
+                <a:cs typeface="Consolas"/>
+              </a:endParaRPr>
+            </a:p>
+          </p:txBody>
+        </p:sp>
+      </p:grpSp>
+    </p:spTree>
+    <p:extLst>
+      <p:ext uri="{BB962C8B-B14F-4D97-AF65-F5344CB8AC3E}">
+        <p14:creationId xmlns:p14="http://schemas.microsoft.com/office/powerpoint/2010/main" val="867441580"/>
+      </p:ext>
+    </p:extLst>
+  </p:cSld>
+  <p:clrMapOvr>
+    <a:masterClrMapping/>
+  </p:clrMapOvr>
+  <p:timing>
+    <p:tnLst>
+      <p:par>
+        <p:cTn xmlns:p14="http://schemas.microsoft.com/office/powerpoint/2010/main" id="1" dur="indefinite" restart="never" nodeType="tmRoot"/>
+      </p:par>
+    </p:tnLst>
+  </p:timing>
+</p:sld>
+</file>
+
+<file path=ppt/slides/slide20.xml><?xml version="1.0" encoding="utf-8"?>
 <p:sld xmlns:a="http://schemas.openxmlformats.org/drawingml/2006/main" xmlns:r="http://schemas.openxmlformats.org/officeDocument/2006/relationships" xmlns:p="http://schemas.openxmlformats.org/presentationml/2006/main">
   <p:cSld>
     <p:bg>
@@ -9966,7 +12651,7 @@
 </p:sld>
 </file>
 
-<file path=ppt/slides/slide18.xml><?xml version="1.0" encoding="utf-8"?>
+<file path=ppt/slides/slide21.xml><?xml version="1.0" encoding="utf-8"?>
 <p:sld xmlns:a="http://schemas.openxmlformats.org/drawingml/2006/main" xmlns:r="http://schemas.openxmlformats.org/officeDocument/2006/relationships" xmlns:p="http://schemas.openxmlformats.org/presentationml/2006/main">
   <p:cSld>
     <p:bg>
@@ -10471,7 +13156,7 @@
 </p:sld>
 </file>
 
-<file path=ppt/slides/slide19.xml><?xml version="1.0" encoding="utf-8"?>
+<file path=ppt/slides/slide22.xml><?xml version="1.0" encoding="utf-8"?>
 <p:sld xmlns:a="http://schemas.openxmlformats.org/drawingml/2006/main" xmlns:r="http://schemas.openxmlformats.org/officeDocument/2006/relationships" xmlns:p="http://schemas.openxmlformats.org/presentationml/2006/main">
   <p:cSld>
     <p:bg>
@@ -10856,18 +13541,7 @@
                   </a:schemeClr>
                 </a:solidFill>
               </a:rPr>
-              <a:t>Working with </a:t>
-            </a:r>
-            <a:r>
-              <a:rPr lang="en-US" sz="5400" b="1" dirty="0" smtClean="0">
-                <a:solidFill>
-                  <a:schemeClr val="bg1">
-                    <a:lumMod val="85000"/>
-                    <a:lumOff val="15000"/>
-                  </a:schemeClr>
-                </a:solidFill>
-              </a:rPr>
-              <a:t>Files:</a:t>
+              <a:t>Working with Files:</a:t>
             </a:r>
             <a:endParaRPr lang="en-US" sz="5400" b="1" dirty="0">
               <a:solidFill>
@@ -11036,7 +13710,1666 @@
 </p:sld>
 </file>
 
-<file path=ppt/slides/slide2.xml><?xml version="1.0" encoding="utf-8"?>
+<file path=ppt/slides/slide3.xml><?xml version="1.0" encoding="utf-8"?>
+<p:sld xmlns:a="http://schemas.openxmlformats.org/drawingml/2006/main" xmlns:r="http://schemas.openxmlformats.org/officeDocument/2006/relationships" xmlns:p="http://schemas.openxmlformats.org/presentationml/2006/main">
+  <p:cSld>
+    <p:bg>
+      <p:bgPr>
+        <a:blipFill rotWithShape="1">
+          <a:blip r:embed="rId3"/>
+          <a:stretch>
+            <a:fillRect/>
+          </a:stretch>
+        </a:blipFill>
+        <a:effectLst/>
+      </p:bgPr>
+    </p:bg>
+    <p:spTree>
+      <p:nvGrpSpPr>
+        <p:cNvPr id="1" name=""/>
+        <p:cNvGrpSpPr/>
+        <p:nvPr/>
+      </p:nvGrpSpPr>
+      <p:grpSpPr>
+        <a:xfrm>
+          <a:off x="0" y="0"/>
+          <a:ext cx="0" cy="0"/>
+          <a:chOff x="0" y="0"/>
+          <a:chExt cx="0" cy="0"/>
+        </a:xfrm>
+      </p:grpSpPr>
+      <p:grpSp>
+        <p:nvGrpSpPr>
+          <p:cNvPr id="11" name="Group 10"/>
+          <p:cNvGrpSpPr/>
+          <p:nvPr/>
+        </p:nvGrpSpPr>
+        <p:grpSpPr>
+          <a:xfrm>
+            <a:off x="0" y="0"/>
+            <a:ext cx="9144000" cy="699840"/>
+            <a:chOff x="-12700" y="1041400"/>
+            <a:chExt cx="9144000" cy="699840"/>
+          </a:xfrm>
+        </p:grpSpPr>
+        <p:sp>
+          <p:nvSpPr>
+            <p:cNvPr id="5" name="Rectangle 4"/>
+            <p:cNvSpPr/>
+            <p:nvPr/>
+          </p:nvSpPr>
+          <p:spPr>
+            <a:xfrm>
+              <a:off x="-12700" y="1041400"/>
+              <a:ext cx="9144000" cy="699840"/>
+            </a:xfrm>
+            <a:prstGeom prst="rect">
+              <a:avLst/>
+            </a:prstGeom>
+            <a:solidFill>
+              <a:srgbClr val="57068C"/>
+            </a:solidFill>
+            <a:ln>
+              <a:noFill/>
+            </a:ln>
+          </p:spPr>
+          <p:style>
+            <a:lnRef idx="1">
+              <a:schemeClr val="accent1"/>
+            </a:lnRef>
+            <a:fillRef idx="3">
+              <a:schemeClr val="accent1"/>
+            </a:fillRef>
+            <a:effectRef idx="2">
+              <a:schemeClr val="accent1"/>
+            </a:effectRef>
+            <a:fontRef idx="minor">
+              <a:schemeClr val="lt1"/>
+            </a:fontRef>
+          </p:style>
+          <p:txBody>
+            <a:bodyPr anchor="ctr"/>
+            <a:lstStyle/>
+            <a:p>
+              <a:pPr>
+                <a:spcBef>
+                  <a:spcPct val="0"/>
+                </a:spcBef>
+              </a:pPr>
+              <a:endParaRPr lang="en-US" sz="1000" dirty="0">
+                <a:latin typeface="Helvetica Neue"/>
+                <a:cs typeface="Helvetica Neue"/>
+              </a:endParaRPr>
+            </a:p>
+          </p:txBody>
+        </p:sp>
+        <p:sp>
+          <p:nvSpPr>
+            <p:cNvPr id="6" name="Text Placeholder 2"/>
+            <p:cNvSpPr txBox="1">
+              <a:spLocks/>
+            </p:cNvSpPr>
+            <p:nvPr/>
+          </p:nvSpPr>
+          <p:spPr bwMode="auto">
+            <a:xfrm>
+              <a:off x="6829910" y="1284442"/>
+              <a:ext cx="2094097" cy="228599"/>
+            </a:xfrm>
+            <a:prstGeom prst="rect">
+              <a:avLst/>
+            </a:prstGeom>
+            <a:noFill/>
+            <a:extLst>
+              <a:ext uri="{909E8E84-426E-40dd-AFC4-6F175D3DCCD1}">
+                <a14:hiddenFill xmlns:a14="http://schemas.microsoft.com/office/drawing/2010/main">
+                  <a:solidFill>
+                    <a:srgbClr val="FFFFFF"/>
+                  </a:solidFill>
+                </a14:hiddenFill>
+              </a:ext>
+              <a:ext uri="{91240B29-F687-4f45-9708-019B960494DF}">
+                <a14:hiddenLine xmlns:a14="http://schemas.microsoft.com/office/drawing/2010/main" w="9525">
+                  <a:solidFill>
+                    <a:srgbClr val="000000"/>
+                  </a:solidFill>
+                  <a:miter lim="800000"/>
+                  <a:headEnd/>
+                  <a:tailEnd/>
+                </a14:hiddenLine>
+              </a:ext>
+            </a:extLst>
+          </p:spPr>
+          <p:txBody>
+            <a:bodyPr vert="horz" wrap="square" lIns="91440" tIns="45720" rIns="91440" bIns="45720" numCol="1" rtlCol="0" anchor="ctr" compatLnSpc="1">
+              <a:prstTxWarp prst="textNoShape">
+                <a:avLst/>
+              </a:prstTxWarp>
+            </a:bodyPr>
+            <a:lstStyle>
+              <a:defPPr>
+                <a:defRPr lang="en-US"/>
+              </a:defPPr>
+              <a:lvl1pPr marL="0" algn="ctr" defTabSz="914400" rtl="0" eaLnBrk="1" latinLnBrk="0" hangingPunct="1">
+                <a:defRPr sz="1200" kern="1200">
+                  <a:solidFill>
+                    <a:schemeClr val="tx1">
+                      <a:tint val="75000"/>
+                    </a:schemeClr>
+                  </a:solidFill>
+                  <a:latin typeface="+mn-lt"/>
+                  <a:ea typeface="+mn-ea"/>
+                  <a:cs typeface="+mn-cs"/>
+                </a:defRPr>
+              </a:lvl1pPr>
+              <a:lvl2pPr marL="457200" algn="l" defTabSz="914400" rtl="0" eaLnBrk="1" latinLnBrk="0" hangingPunct="1">
+                <a:defRPr sz="1800" kern="1200">
+                  <a:solidFill>
+                    <a:schemeClr val="tx1"/>
+                  </a:solidFill>
+                  <a:latin typeface="+mn-lt"/>
+                  <a:ea typeface="+mn-ea"/>
+                  <a:cs typeface="+mn-cs"/>
+                </a:defRPr>
+              </a:lvl2pPr>
+              <a:lvl3pPr marL="914400" algn="l" defTabSz="914400" rtl="0" eaLnBrk="1" latinLnBrk="0" hangingPunct="1">
+                <a:defRPr sz="1800" kern="1200">
+                  <a:solidFill>
+                    <a:schemeClr val="tx1"/>
+                  </a:solidFill>
+                  <a:latin typeface="+mn-lt"/>
+                  <a:ea typeface="+mn-ea"/>
+                  <a:cs typeface="+mn-cs"/>
+                </a:defRPr>
+              </a:lvl3pPr>
+              <a:lvl4pPr marL="1371600" algn="l" defTabSz="914400" rtl="0" eaLnBrk="1" latinLnBrk="0" hangingPunct="1">
+                <a:defRPr sz="1800" kern="1200">
+                  <a:solidFill>
+                    <a:schemeClr val="tx1"/>
+                  </a:solidFill>
+                  <a:latin typeface="+mn-lt"/>
+                  <a:ea typeface="+mn-ea"/>
+                  <a:cs typeface="+mn-cs"/>
+                </a:defRPr>
+              </a:lvl4pPr>
+              <a:lvl5pPr marL="1828800" algn="l" defTabSz="914400" rtl="0" eaLnBrk="1" latinLnBrk="0" hangingPunct="1">
+                <a:defRPr sz="1800" kern="1200">
+                  <a:solidFill>
+                    <a:schemeClr val="tx1"/>
+                  </a:solidFill>
+                  <a:latin typeface="+mn-lt"/>
+                  <a:ea typeface="+mn-ea"/>
+                  <a:cs typeface="+mn-cs"/>
+                </a:defRPr>
+              </a:lvl5pPr>
+              <a:lvl6pPr marL="2286000" algn="l" defTabSz="914400" rtl="0" eaLnBrk="1" latinLnBrk="0" hangingPunct="1">
+                <a:defRPr sz="1800" kern="1200">
+                  <a:solidFill>
+                    <a:schemeClr val="tx1"/>
+                  </a:solidFill>
+                  <a:latin typeface="+mn-lt"/>
+                  <a:ea typeface="+mn-ea"/>
+                  <a:cs typeface="+mn-cs"/>
+                </a:defRPr>
+              </a:lvl6pPr>
+              <a:lvl7pPr marL="2743200" algn="l" defTabSz="914400" rtl="0" eaLnBrk="1" latinLnBrk="0" hangingPunct="1">
+                <a:defRPr sz="1800" kern="1200">
+                  <a:solidFill>
+                    <a:schemeClr val="tx1"/>
+                  </a:solidFill>
+                  <a:latin typeface="+mn-lt"/>
+                  <a:ea typeface="+mn-ea"/>
+                  <a:cs typeface="+mn-cs"/>
+                </a:defRPr>
+              </a:lvl7pPr>
+              <a:lvl8pPr marL="3200400" algn="l" defTabSz="914400" rtl="0" eaLnBrk="1" latinLnBrk="0" hangingPunct="1">
+                <a:defRPr sz="1800" kern="1200">
+                  <a:solidFill>
+                    <a:schemeClr val="tx1"/>
+                  </a:solidFill>
+                  <a:latin typeface="+mn-lt"/>
+                  <a:ea typeface="+mn-ea"/>
+                  <a:cs typeface="+mn-cs"/>
+                </a:defRPr>
+              </a:lvl8pPr>
+              <a:lvl9pPr marL="3657600" algn="l" defTabSz="914400" rtl="0" eaLnBrk="1" latinLnBrk="0" hangingPunct="1">
+                <a:defRPr sz="1800" kern="1200">
+                  <a:solidFill>
+                    <a:schemeClr val="tx1"/>
+                  </a:solidFill>
+                  <a:latin typeface="+mn-lt"/>
+                  <a:ea typeface="+mn-ea"/>
+                  <a:cs typeface="+mn-cs"/>
+                </a:defRPr>
+              </a:lvl9pPr>
+            </a:lstStyle>
+            <a:p>
+              <a:pPr algn="r">
+                <a:spcBef>
+                  <a:spcPct val="0"/>
+                </a:spcBef>
+              </a:pPr>
+              <a:r>
+                <a:rPr lang="en-US" sz="1000" b="1" dirty="0" smtClean="0">
+                  <a:solidFill>
+                    <a:srgbClr val="FFFFFF"/>
+                  </a:solidFill>
+                  <a:latin typeface="Helvetica Neue"/>
+                  <a:cs typeface="Helvetica Neue"/>
+                </a:rPr>
+                <a:t>Development </a:t>
+              </a:r>
+              <a:r>
+                <a:rPr lang="en-US" sz="1000" b="1" dirty="0">
+                  <a:solidFill>
+                    <a:srgbClr val="FFFFFF"/>
+                  </a:solidFill>
+                  <a:latin typeface="Helvetica Neue"/>
+                  <a:cs typeface="Helvetica Neue"/>
+                </a:rPr>
+                <a:t>Environment </a:t>
+              </a:r>
+              <a:r>
+                <a:rPr lang="en-US" sz="1000" b="1" dirty="0" smtClean="0">
+                  <a:solidFill>
+                    <a:srgbClr val="FFFFFF"/>
+                  </a:solidFill>
+                  <a:latin typeface="Helvetica Neue"/>
+                  <a:cs typeface="Helvetica Neue"/>
+                </a:rPr>
+                <a:t>&amp;</a:t>
+              </a:r>
+            </a:p>
+            <a:p>
+              <a:pPr algn="r">
+                <a:spcBef>
+                  <a:spcPct val="0"/>
+                </a:spcBef>
+              </a:pPr>
+              <a:r>
+                <a:rPr lang="en-US" sz="1000" b="1" dirty="0" smtClean="0">
+                  <a:solidFill>
+                    <a:srgbClr val="FFFFFF"/>
+                  </a:solidFill>
+                  <a:latin typeface="Helvetica Neue"/>
+                  <a:cs typeface="Helvetica Neue"/>
+                </a:rPr>
+                <a:t>Version </a:t>
+              </a:r>
+              <a:r>
+                <a:rPr lang="en-US" sz="1000" b="1" dirty="0">
+                  <a:solidFill>
+                    <a:srgbClr val="FFFFFF"/>
+                  </a:solidFill>
+                  <a:latin typeface="Helvetica Neue"/>
+                  <a:cs typeface="Helvetica Neue"/>
+                </a:rPr>
+                <a:t>Control</a:t>
+              </a:r>
+            </a:p>
+          </p:txBody>
+        </p:sp>
+        <p:pic>
+          <p:nvPicPr>
+            <p:cNvPr id="8" name="Picture 6"/>
+            <p:cNvPicPr>
+              <a:picLocks noChangeAspect="1"/>
+            </p:cNvPicPr>
+            <p:nvPr/>
+          </p:nvPicPr>
+          <p:blipFill>
+            <a:blip r:embed="rId4">
+              <a:extLst>
+                <a:ext uri="{28A0092B-C50C-407E-A947-70E740481C1C}">
+                  <a14:useLocalDpi xmlns:a14="http://schemas.microsoft.com/office/drawing/2010/main" val="0"/>
+                </a:ext>
+              </a:extLst>
+            </a:blip>
+            <a:srcRect/>
+            <a:stretch>
+              <a:fillRect/>
+            </a:stretch>
+          </p:blipFill>
+          <p:spPr bwMode="auto">
+            <a:xfrm>
+              <a:off x="257175" y="1284442"/>
+              <a:ext cx="1465263" cy="228600"/>
+            </a:xfrm>
+            <a:prstGeom prst="rect">
+              <a:avLst/>
+            </a:prstGeom>
+            <a:noFill/>
+            <a:ln>
+              <a:noFill/>
+            </a:ln>
+            <a:extLst>
+              <a:ext uri="{909E8E84-426E-40dd-AFC4-6F175D3DCCD1}">
+                <a14:hiddenFill xmlns:a14="http://schemas.microsoft.com/office/drawing/2010/main">
+                  <a:solidFill>
+                    <a:srgbClr val="FFFFFF"/>
+                  </a:solidFill>
+                </a14:hiddenFill>
+              </a:ext>
+              <a:ext uri="{91240B29-F687-4f45-9708-019B960494DF}">
+                <a14:hiddenLine xmlns:a14="http://schemas.microsoft.com/office/drawing/2010/main" w="9525">
+                  <a:solidFill>
+                    <a:srgbClr val="000000"/>
+                  </a:solidFill>
+                  <a:miter lim="800000"/>
+                  <a:headEnd/>
+                  <a:tailEnd/>
+                </a14:hiddenLine>
+              </a:ext>
+            </a:extLst>
+          </p:spPr>
+        </p:pic>
+      </p:grpSp>
+      <p:sp>
+        <p:nvSpPr>
+          <p:cNvPr id="2" name="Rectangle 1"/>
+          <p:cNvSpPr/>
+          <p:nvPr/>
+        </p:nvSpPr>
+        <p:spPr>
+          <a:xfrm>
+            <a:off x="269876" y="1343534"/>
+            <a:ext cx="8666831" cy="923330"/>
+          </a:xfrm>
+          <a:prstGeom prst="rect">
+            <a:avLst/>
+          </a:prstGeom>
+        </p:spPr>
+        <p:txBody>
+          <a:bodyPr wrap="square">
+            <a:spAutoFit/>
+          </a:bodyPr>
+          <a:lstStyle/>
+          <a:p>
+            <a:pPr algn="ctr"/>
+            <a:r>
+              <a:rPr lang="en-US" sz="5400" b="1" dirty="0" smtClean="0">
+                <a:solidFill>
+                  <a:schemeClr val="bg1">
+                    <a:lumMod val="85000"/>
+                    <a:lumOff val="15000"/>
+                  </a:schemeClr>
+                </a:solidFill>
+              </a:rPr>
+              <a:t>Code Review</a:t>
+            </a:r>
+            <a:endParaRPr lang="en-US" sz="5400" b="1" dirty="0">
+              <a:solidFill>
+                <a:schemeClr val="bg1">
+                  <a:lumMod val="85000"/>
+                  <a:lumOff val="15000"/>
+                </a:schemeClr>
+              </a:solidFill>
+              <a:latin typeface="Helvetica Neue"/>
+              <a:cs typeface="Helvetica Neue"/>
+            </a:endParaRPr>
+          </a:p>
+        </p:txBody>
+      </p:sp>
+      <p:grpSp>
+        <p:nvGrpSpPr>
+          <p:cNvPr id="7" name="Group 6"/>
+          <p:cNvGrpSpPr/>
+          <p:nvPr/>
+        </p:nvGrpSpPr>
+        <p:grpSpPr>
+          <a:xfrm>
+            <a:off x="626374" y="2407478"/>
+            <a:ext cx="7905289" cy="4103661"/>
+            <a:chOff x="2889965" y="1624563"/>
+            <a:chExt cx="7905289" cy="4103661"/>
+          </a:xfrm>
+        </p:grpSpPr>
+        <p:sp>
+          <p:nvSpPr>
+            <p:cNvPr id="4" name="Rectangle 3"/>
+            <p:cNvSpPr/>
+            <p:nvPr/>
+          </p:nvSpPr>
+          <p:spPr>
+            <a:xfrm>
+              <a:off x="2889965" y="1624563"/>
+              <a:ext cx="7905289" cy="4103661"/>
+            </a:xfrm>
+            <a:prstGeom prst="rect">
+              <a:avLst/>
+            </a:prstGeom>
+          </p:spPr>
+          <p:style>
+            <a:lnRef idx="2">
+              <a:schemeClr val="dk1"/>
+            </a:lnRef>
+            <a:fillRef idx="1">
+              <a:schemeClr val="lt1"/>
+            </a:fillRef>
+            <a:effectRef idx="0">
+              <a:schemeClr val="dk1"/>
+            </a:effectRef>
+            <a:fontRef idx="minor">
+              <a:schemeClr val="dk1"/>
+            </a:fontRef>
+          </p:style>
+          <p:txBody>
+            <a:bodyPr rtlCol="0" anchor="ctr"/>
+            <a:lstStyle/>
+            <a:p>
+              <a:pPr algn="ctr"/>
+              <a:endParaRPr lang="en-US">
+                <a:solidFill>
+                  <a:schemeClr val="tx1"/>
+                </a:solidFill>
+              </a:endParaRPr>
+            </a:p>
+          </p:txBody>
+        </p:sp>
+        <p:sp>
+          <p:nvSpPr>
+            <p:cNvPr id="3" name="Rectangle 2"/>
+            <p:cNvSpPr/>
+            <p:nvPr/>
+          </p:nvSpPr>
+          <p:spPr>
+            <a:xfrm>
+              <a:off x="3395124" y="1848145"/>
+              <a:ext cx="6894972" cy="3785652"/>
+            </a:xfrm>
+            <a:prstGeom prst="rect">
+              <a:avLst/>
+            </a:prstGeom>
+          </p:spPr>
+          <p:txBody>
+            <a:bodyPr wrap="square">
+              <a:spAutoFit/>
+            </a:bodyPr>
+            <a:lstStyle/>
+            <a:p>
+              <a:r>
+                <a:rPr lang="en-US" sz="1000" dirty="0">
+                  <a:solidFill>
+                    <a:srgbClr val="000000"/>
+                  </a:solidFill>
+                  <a:latin typeface="Consolas"/>
+                  <a:cs typeface="Consolas"/>
+                </a:rPr>
+                <a:t>&lt;?</a:t>
+              </a:r>
+              <a:r>
+                <a:rPr lang="en-US" sz="1000" dirty="0" err="1">
+                  <a:solidFill>
+                    <a:srgbClr val="000000"/>
+                  </a:solidFill>
+                  <a:latin typeface="Consolas"/>
+                  <a:cs typeface="Consolas"/>
+                </a:rPr>
+                <a:t>php</a:t>
+              </a:r>
+              <a:endParaRPr lang="en-US" sz="1000" dirty="0">
+                <a:solidFill>
+                  <a:srgbClr val="000000"/>
+                </a:solidFill>
+                <a:latin typeface="Consolas"/>
+                <a:cs typeface="Consolas"/>
+              </a:endParaRPr>
+            </a:p>
+            <a:p>
+              <a:r>
+                <a:rPr lang="en-US" sz="1000" dirty="0">
+                  <a:solidFill>
+                    <a:srgbClr val="000000"/>
+                  </a:solidFill>
+                  <a:latin typeface="Consolas"/>
+                  <a:cs typeface="Consolas"/>
+                </a:rPr>
+                <a:t>use Illuminate\Database\Seeder;</a:t>
+              </a:r>
+            </a:p>
+            <a:p>
+              <a:r>
+                <a:rPr lang="en-US" sz="1000" dirty="0">
+                  <a:solidFill>
+                    <a:srgbClr val="000000"/>
+                  </a:solidFill>
+                  <a:latin typeface="Consolas"/>
+                  <a:cs typeface="Consolas"/>
+                </a:rPr>
+                <a:t>class </a:t>
+              </a:r>
+              <a:r>
+                <a:rPr lang="en-US" sz="1000" dirty="0" err="1">
+                  <a:solidFill>
+                    <a:srgbClr val="000000"/>
+                  </a:solidFill>
+                  <a:latin typeface="Consolas"/>
+                  <a:cs typeface="Consolas"/>
+                </a:rPr>
+                <a:t>StoriesTableSeeder</a:t>
+              </a:r>
+              <a:r>
+                <a:rPr lang="en-US" sz="1000" dirty="0">
+                  <a:solidFill>
+                    <a:srgbClr val="000000"/>
+                  </a:solidFill>
+                  <a:latin typeface="Consolas"/>
+                  <a:cs typeface="Consolas"/>
+                </a:rPr>
+                <a:t> extends Seeder</a:t>
+              </a:r>
+            </a:p>
+            <a:p>
+              <a:r>
+                <a:rPr lang="en-US" sz="1000" dirty="0">
+                  <a:solidFill>
+                    <a:srgbClr val="000000"/>
+                  </a:solidFill>
+                  <a:latin typeface="Consolas"/>
+                  <a:cs typeface="Consolas"/>
+                </a:rPr>
+                <a:t>{</a:t>
+              </a:r>
+            </a:p>
+            <a:p>
+              <a:r>
+                <a:rPr lang="en-US" sz="1000" dirty="0">
+                  <a:solidFill>
+                    <a:srgbClr val="000000"/>
+                  </a:solidFill>
+                  <a:latin typeface="Consolas"/>
+                  <a:cs typeface="Consolas"/>
+                </a:rPr>
+                <a:t>    /**</a:t>
+              </a:r>
+            </a:p>
+            <a:p>
+              <a:r>
+                <a:rPr lang="en-US" sz="1000" dirty="0">
+                  <a:solidFill>
+                    <a:srgbClr val="000000"/>
+                  </a:solidFill>
+                  <a:latin typeface="Consolas"/>
+                  <a:cs typeface="Consolas"/>
+                </a:rPr>
+                <a:t>     * Run the database seeds.</a:t>
+              </a:r>
+            </a:p>
+            <a:p>
+              <a:r>
+                <a:rPr lang="en-US" sz="1000" dirty="0">
+                  <a:solidFill>
+                    <a:srgbClr val="000000"/>
+                  </a:solidFill>
+                  <a:latin typeface="Consolas"/>
+                  <a:cs typeface="Consolas"/>
+                </a:rPr>
+                <a:t>     *</a:t>
+              </a:r>
+            </a:p>
+            <a:p>
+              <a:r>
+                <a:rPr lang="en-US" sz="1000" dirty="0">
+                  <a:solidFill>
+                    <a:srgbClr val="000000"/>
+                  </a:solidFill>
+                  <a:latin typeface="Consolas"/>
+                  <a:cs typeface="Consolas"/>
+                </a:rPr>
+                <a:t>     * @return void</a:t>
+              </a:r>
+            </a:p>
+            <a:p>
+              <a:r>
+                <a:rPr lang="en-US" sz="1000" dirty="0">
+                  <a:solidFill>
+                    <a:srgbClr val="000000"/>
+                  </a:solidFill>
+                  <a:latin typeface="Consolas"/>
+                  <a:cs typeface="Consolas"/>
+                </a:rPr>
+                <a:t>     */</a:t>
+              </a:r>
+            </a:p>
+            <a:p>
+              <a:r>
+                <a:rPr lang="en-US" sz="1000" dirty="0">
+                  <a:solidFill>
+                    <a:srgbClr val="000000"/>
+                  </a:solidFill>
+                  <a:latin typeface="Consolas"/>
+                  <a:cs typeface="Consolas"/>
+                </a:rPr>
+                <a:t>    public function run()</a:t>
+              </a:r>
+            </a:p>
+            <a:p>
+              <a:r>
+                <a:rPr lang="en-US" sz="1000" dirty="0">
+                  <a:solidFill>
+                    <a:srgbClr val="000000"/>
+                  </a:solidFill>
+                  <a:latin typeface="Consolas"/>
+                  <a:cs typeface="Consolas"/>
+                </a:rPr>
+                <a:t>    {</a:t>
+              </a:r>
+            </a:p>
+            <a:p>
+              <a:r>
+                <a:rPr lang="en-US" sz="1000" dirty="0">
+                  <a:solidFill>
+                    <a:srgbClr val="000000"/>
+                  </a:solidFill>
+                  <a:latin typeface="Consolas"/>
+                  <a:cs typeface="Consolas"/>
+                </a:rPr>
+                <a:t>	$faker = Faker\Factory::create();</a:t>
+              </a:r>
+            </a:p>
+            <a:p>
+              <a:r>
+                <a:rPr lang="en-US" sz="1000" dirty="0">
+                  <a:solidFill>
+                    <a:srgbClr val="000000"/>
+                  </a:solidFill>
+                  <a:latin typeface="Consolas"/>
+                  <a:cs typeface="Consolas"/>
+                </a:rPr>
+                <a:t>	$limit = 40;</a:t>
+              </a:r>
+            </a:p>
+            <a:p>
+              <a:r>
+                <a:rPr lang="en-US" sz="1000" dirty="0">
+                  <a:solidFill>
+                    <a:srgbClr val="000000"/>
+                  </a:solidFill>
+                  <a:latin typeface="Consolas"/>
+                  <a:cs typeface="Consolas"/>
+                </a:rPr>
+                <a:t>	for($</a:t>
+              </a:r>
+              <a:r>
+                <a:rPr lang="en-US" sz="1000" dirty="0" err="1">
+                  <a:solidFill>
+                    <a:srgbClr val="000000"/>
+                  </a:solidFill>
+                  <a:latin typeface="Consolas"/>
+                  <a:cs typeface="Consolas"/>
+                </a:rPr>
+                <a:t>i</a:t>
+              </a:r>
+              <a:r>
+                <a:rPr lang="en-US" sz="1000" dirty="0">
+                  <a:solidFill>
+                    <a:srgbClr val="000000"/>
+                  </a:solidFill>
+                  <a:latin typeface="Consolas"/>
+                  <a:cs typeface="Consolas"/>
+                </a:rPr>
+                <a:t> = 0; $</a:t>
+              </a:r>
+              <a:r>
+                <a:rPr lang="en-US" sz="1000" dirty="0" err="1">
+                  <a:solidFill>
+                    <a:srgbClr val="000000"/>
+                  </a:solidFill>
+                  <a:latin typeface="Consolas"/>
+                  <a:cs typeface="Consolas"/>
+                </a:rPr>
+                <a:t>i</a:t>
+              </a:r>
+              <a:r>
+                <a:rPr lang="en-US" sz="1000" dirty="0">
+                  <a:solidFill>
+                    <a:srgbClr val="000000"/>
+                  </a:solidFill>
+                  <a:latin typeface="Consolas"/>
+                  <a:cs typeface="Consolas"/>
+                </a:rPr>
+                <a:t> &lt; $limit; $</a:t>
+              </a:r>
+              <a:r>
+                <a:rPr lang="en-US" sz="1000" dirty="0" err="1">
+                  <a:solidFill>
+                    <a:srgbClr val="000000"/>
+                  </a:solidFill>
+                  <a:latin typeface="Consolas"/>
+                  <a:cs typeface="Consolas"/>
+                </a:rPr>
+                <a:t>i</a:t>
+              </a:r>
+              <a:r>
+                <a:rPr lang="en-US" sz="1000" dirty="0">
+                  <a:solidFill>
+                    <a:srgbClr val="000000"/>
+                  </a:solidFill>
+                  <a:latin typeface="Consolas"/>
+                  <a:cs typeface="Consolas"/>
+                </a:rPr>
+                <a:t>++) </a:t>
+              </a:r>
+            </a:p>
+            <a:p>
+              <a:r>
+                <a:rPr lang="en-US" sz="1000" dirty="0">
+                  <a:solidFill>
+                    <a:srgbClr val="000000"/>
+                  </a:solidFill>
+                  <a:latin typeface="Consolas"/>
+                  <a:cs typeface="Consolas"/>
+                </a:rPr>
+                <a:t>	{</a:t>
+              </a:r>
+            </a:p>
+            <a:p>
+              <a:r>
+                <a:rPr lang="en-US" sz="1000" dirty="0">
+                  <a:solidFill>
+                    <a:srgbClr val="000000"/>
+                  </a:solidFill>
+                  <a:latin typeface="Consolas"/>
+                  <a:cs typeface="Consolas"/>
+                </a:rPr>
+                <a:t>		DB::table('stories')-&gt;insert([</a:t>
+              </a:r>
+            </a:p>
+            <a:p>
+              <a:r>
+                <a:rPr lang="en-US" sz="1000" dirty="0">
+                  <a:solidFill>
+                    <a:srgbClr val="000000"/>
+                  </a:solidFill>
+                  <a:latin typeface="Consolas"/>
+                  <a:cs typeface="Consolas"/>
+                </a:rPr>
+                <a:t>		//,</a:t>
+              </a:r>
+            </a:p>
+            <a:p>
+              <a:r>
+                <a:rPr lang="en-US" sz="1000" dirty="0">
+                  <a:solidFill>
+                    <a:srgbClr val="000000"/>
+                  </a:solidFill>
+                  <a:latin typeface="Consolas"/>
+                  <a:cs typeface="Consolas"/>
+                </a:rPr>
+                <a:t>		'title' =&gt; $faker-&gt;text($</a:t>
+              </a:r>
+              <a:r>
+                <a:rPr lang="en-US" sz="1000" dirty="0" err="1">
+                  <a:solidFill>
+                    <a:srgbClr val="000000"/>
+                  </a:solidFill>
+                  <a:latin typeface="Consolas"/>
+                  <a:cs typeface="Consolas"/>
+                </a:rPr>
+                <a:t>maxNbChars</a:t>
+              </a:r>
+              <a:r>
+                <a:rPr lang="en-US" sz="1000" dirty="0">
+                  <a:solidFill>
+                    <a:srgbClr val="000000"/>
+                  </a:solidFill>
+                  <a:latin typeface="Consolas"/>
+                  <a:cs typeface="Consolas"/>
+                </a:rPr>
+                <a:t> = 10),</a:t>
+              </a:r>
+            </a:p>
+            <a:p>
+              <a:r>
+                <a:rPr lang="en-US" sz="1000" dirty="0">
+                  <a:solidFill>
+                    <a:srgbClr val="000000"/>
+                  </a:solidFill>
+                  <a:latin typeface="Consolas"/>
+                  <a:cs typeface="Consolas"/>
+                </a:rPr>
+                <a:t>		'story' =&gt; $faker-&gt;text,</a:t>
+              </a:r>
+            </a:p>
+            <a:p>
+              <a:r>
+                <a:rPr lang="en-US" sz="1000" dirty="0">
+                  <a:solidFill>
+                    <a:srgbClr val="000000"/>
+                  </a:solidFill>
+                  <a:latin typeface="Consolas"/>
+                  <a:cs typeface="Consolas"/>
+                </a:rPr>
+                <a:t>		'published' =&gt; $faker-&gt;</a:t>
+              </a:r>
+              <a:r>
+                <a:rPr lang="en-US" sz="1000" dirty="0" err="1">
+                  <a:solidFill>
+                    <a:srgbClr val="000000"/>
+                  </a:solidFill>
+                  <a:latin typeface="Consolas"/>
+                  <a:cs typeface="Consolas"/>
+                </a:rPr>
+                <a:t>boolean</a:t>
+              </a:r>
+              <a:r>
+                <a:rPr lang="en-US" sz="1000" dirty="0">
+                  <a:solidFill>
+                    <a:srgbClr val="000000"/>
+                  </a:solidFill>
+                  <a:latin typeface="Consolas"/>
+                  <a:cs typeface="Consolas"/>
+                </a:rPr>
+                <a:t>($</a:t>
+              </a:r>
+              <a:r>
+                <a:rPr lang="en-US" sz="1000" dirty="0" err="1">
+                  <a:solidFill>
+                    <a:srgbClr val="000000"/>
+                  </a:solidFill>
+                  <a:latin typeface="Consolas"/>
+                  <a:cs typeface="Consolas"/>
+                </a:rPr>
+                <a:t>chanceOfGettingTrue</a:t>
+              </a:r>
+              <a:r>
+                <a:rPr lang="en-US" sz="1000" dirty="0">
+                  <a:solidFill>
+                    <a:srgbClr val="000000"/>
+                  </a:solidFill>
+                  <a:latin typeface="Consolas"/>
+                  <a:cs typeface="Consolas"/>
+                </a:rPr>
+                <a:t> = 50),</a:t>
+              </a:r>
+            </a:p>
+            <a:p>
+              <a:r>
+                <a:rPr lang="en-US" sz="1000" dirty="0">
+                  <a:solidFill>
+                    <a:srgbClr val="000000"/>
+                  </a:solidFill>
+                  <a:latin typeface="Consolas"/>
+                  <a:cs typeface="Consolas"/>
+                </a:rPr>
+                <a:t>		]);</a:t>
+              </a:r>
+            </a:p>
+            <a:p>
+              <a:r>
+                <a:rPr lang="en-US" sz="1000" dirty="0">
+                  <a:solidFill>
+                    <a:srgbClr val="000000"/>
+                  </a:solidFill>
+                  <a:latin typeface="Consolas"/>
+                  <a:cs typeface="Consolas"/>
+                </a:rPr>
+                <a:t>	}</a:t>
+              </a:r>
+            </a:p>
+            <a:p>
+              <a:r>
+                <a:rPr lang="en-US" sz="1000" dirty="0">
+                  <a:solidFill>
+                    <a:srgbClr val="000000"/>
+                  </a:solidFill>
+                  <a:latin typeface="Consolas"/>
+                  <a:cs typeface="Consolas"/>
+                </a:rPr>
+                <a:t>    }</a:t>
+              </a:r>
+            </a:p>
+            <a:p>
+              <a:r>
+                <a:rPr lang="en-US" sz="1000" dirty="0">
+                  <a:solidFill>
+                    <a:srgbClr val="000000"/>
+                  </a:solidFill>
+                  <a:latin typeface="Consolas"/>
+                  <a:cs typeface="Consolas"/>
+                </a:rPr>
+                <a:t>}</a:t>
+              </a:r>
+              <a:endParaRPr lang="en-US" sz="1000" dirty="0">
+                <a:solidFill>
+                  <a:srgbClr val="000000"/>
+                </a:solidFill>
+                <a:latin typeface="Consolas"/>
+                <a:cs typeface="Consolas"/>
+              </a:endParaRPr>
+            </a:p>
+          </p:txBody>
+        </p:sp>
+      </p:grpSp>
+    </p:spTree>
+    <p:extLst>
+      <p:ext uri="{BB962C8B-B14F-4D97-AF65-F5344CB8AC3E}">
+        <p14:creationId xmlns:p14="http://schemas.microsoft.com/office/powerpoint/2010/main" val="328173027"/>
+      </p:ext>
+    </p:extLst>
+  </p:cSld>
+  <p:clrMapOvr>
+    <a:masterClrMapping/>
+  </p:clrMapOvr>
+  <p:timing>
+    <p:tnLst>
+      <p:par>
+        <p:cTn xmlns:p14="http://schemas.microsoft.com/office/powerpoint/2010/main" id="1" dur="indefinite" restart="never" nodeType="tmRoot"/>
+      </p:par>
+    </p:tnLst>
+  </p:timing>
+</p:sld>
+</file>
+
+<file path=ppt/slides/slide4.xml><?xml version="1.0" encoding="utf-8"?>
+<p:sld xmlns:a="http://schemas.openxmlformats.org/drawingml/2006/main" xmlns:r="http://schemas.openxmlformats.org/officeDocument/2006/relationships" xmlns:p="http://schemas.openxmlformats.org/presentationml/2006/main">
+  <p:cSld>
+    <p:bg>
+      <p:bgPr>
+        <a:blipFill rotWithShape="1">
+          <a:blip r:embed="rId3"/>
+          <a:stretch>
+            <a:fillRect/>
+          </a:stretch>
+        </a:blipFill>
+        <a:effectLst/>
+      </p:bgPr>
+    </p:bg>
+    <p:spTree>
+      <p:nvGrpSpPr>
+        <p:cNvPr id="1" name=""/>
+        <p:cNvGrpSpPr/>
+        <p:nvPr/>
+      </p:nvGrpSpPr>
+      <p:grpSpPr>
+        <a:xfrm>
+          <a:off x="0" y="0"/>
+          <a:ext cx="0" cy="0"/>
+          <a:chOff x="0" y="0"/>
+          <a:chExt cx="0" cy="0"/>
+        </a:xfrm>
+      </p:grpSpPr>
+      <p:grpSp>
+        <p:nvGrpSpPr>
+          <p:cNvPr id="11" name="Group 10"/>
+          <p:cNvGrpSpPr/>
+          <p:nvPr/>
+        </p:nvGrpSpPr>
+        <p:grpSpPr>
+          <a:xfrm>
+            <a:off x="0" y="0"/>
+            <a:ext cx="9144000" cy="699840"/>
+            <a:chOff x="-12700" y="1041400"/>
+            <a:chExt cx="9144000" cy="699840"/>
+          </a:xfrm>
+        </p:grpSpPr>
+        <p:sp>
+          <p:nvSpPr>
+            <p:cNvPr id="5" name="Rectangle 4"/>
+            <p:cNvSpPr/>
+            <p:nvPr/>
+          </p:nvSpPr>
+          <p:spPr>
+            <a:xfrm>
+              <a:off x="-12700" y="1041400"/>
+              <a:ext cx="9144000" cy="699840"/>
+            </a:xfrm>
+            <a:prstGeom prst="rect">
+              <a:avLst/>
+            </a:prstGeom>
+            <a:solidFill>
+              <a:srgbClr val="57068C"/>
+            </a:solidFill>
+            <a:ln>
+              <a:noFill/>
+            </a:ln>
+          </p:spPr>
+          <p:style>
+            <a:lnRef idx="1">
+              <a:schemeClr val="accent1"/>
+            </a:lnRef>
+            <a:fillRef idx="3">
+              <a:schemeClr val="accent1"/>
+            </a:fillRef>
+            <a:effectRef idx="2">
+              <a:schemeClr val="accent1"/>
+            </a:effectRef>
+            <a:fontRef idx="minor">
+              <a:schemeClr val="lt1"/>
+            </a:fontRef>
+          </p:style>
+          <p:txBody>
+            <a:bodyPr anchor="ctr"/>
+            <a:lstStyle/>
+            <a:p>
+              <a:pPr>
+                <a:spcBef>
+                  <a:spcPct val="0"/>
+                </a:spcBef>
+              </a:pPr>
+              <a:endParaRPr lang="en-US" sz="1000" dirty="0">
+                <a:latin typeface="Helvetica Neue"/>
+                <a:cs typeface="Helvetica Neue"/>
+              </a:endParaRPr>
+            </a:p>
+          </p:txBody>
+        </p:sp>
+        <p:sp>
+          <p:nvSpPr>
+            <p:cNvPr id="6" name="Text Placeholder 2"/>
+            <p:cNvSpPr txBox="1">
+              <a:spLocks/>
+            </p:cNvSpPr>
+            <p:nvPr/>
+          </p:nvSpPr>
+          <p:spPr bwMode="auto">
+            <a:xfrm>
+              <a:off x="6829910" y="1284442"/>
+              <a:ext cx="2094097" cy="228599"/>
+            </a:xfrm>
+            <a:prstGeom prst="rect">
+              <a:avLst/>
+            </a:prstGeom>
+            <a:noFill/>
+            <a:extLst>
+              <a:ext uri="{909E8E84-426E-40dd-AFC4-6F175D3DCCD1}">
+                <a14:hiddenFill xmlns:a14="http://schemas.microsoft.com/office/drawing/2010/main">
+                  <a:solidFill>
+                    <a:srgbClr val="FFFFFF"/>
+                  </a:solidFill>
+                </a14:hiddenFill>
+              </a:ext>
+              <a:ext uri="{91240B29-F687-4f45-9708-019B960494DF}">
+                <a14:hiddenLine xmlns:a14="http://schemas.microsoft.com/office/drawing/2010/main" w="9525">
+                  <a:solidFill>
+                    <a:srgbClr val="000000"/>
+                  </a:solidFill>
+                  <a:miter lim="800000"/>
+                  <a:headEnd/>
+                  <a:tailEnd/>
+                </a14:hiddenLine>
+              </a:ext>
+            </a:extLst>
+          </p:spPr>
+          <p:txBody>
+            <a:bodyPr vert="horz" wrap="square" lIns="91440" tIns="45720" rIns="91440" bIns="45720" numCol="1" rtlCol="0" anchor="ctr" compatLnSpc="1">
+              <a:prstTxWarp prst="textNoShape">
+                <a:avLst/>
+              </a:prstTxWarp>
+            </a:bodyPr>
+            <a:lstStyle>
+              <a:defPPr>
+                <a:defRPr lang="en-US"/>
+              </a:defPPr>
+              <a:lvl1pPr marL="0" algn="ctr" defTabSz="914400" rtl="0" eaLnBrk="1" latinLnBrk="0" hangingPunct="1">
+                <a:defRPr sz="1200" kern="1200">
+                  <a:solidFill>
+                    <a:schemeClr val="tx1">
+                      <a:tint val="75000"/>
+                    </a:schemeClr>
+                  </a:solidFill>
+                  <a:latin typeface="+mn-lt"/>
+                  <a:ea typeface="+mn-ea"/>
+                  <a:cs typeface="+mn-cs"/>
+                </a:defRPr>
+              </a:lvl1pPr>
+              <a:lvl2pPr marL="457200" algn="l" defTabSz="914400" rtl="0" eaLnBrk="1" latinLnBrk="0" hangingPunct="1">
+                <a:defRPr sz="1800" kern="1200">
+                  <a:solidFill>
+                    <a:schemeClr val="tx1"/>
+                  </a:solidFill>
+                  <a:latin typeface="+mn-lt"/>
+                  <a:ea typeface="+mn-ea"/>
+                  <a:cs typeface="+mn-cs"/>
+                </a:defRPr>
+              </a:lvl2pPr>
+              <a:lvl3pPr marL="914400" algn="l" defTabSz="914400" rtl="0" eaLnBrk="1" latinLnBrk="0" hangingPunct="1">
+                <a:defRPr sz="1800" kern="1200">
+                  <a:solidFill>
+                    <a:schemeClr val="tx1"/>
+                  </a:solidFill>
+                  <a:latin typeface="+mn-lt"/>
+                  <a:ea typeface="+mn-ea"/>
+                  <a:cs typeface="+mn-cs"/>
+                </a:defRPr>
+              </a:lvl3pPr>
+              <a:lvl4pPr marL="1371600" algn="l" defTabSz="914400" rtl="0" eaLnBrk="1" latinLnBrk="0" hangingPunct="1">
+                <a:defRPr sz="1800" kern="1200">
+                  <a:solidFill>
+                    <a:schemeClr val="tx1"/>
+                  </a:solidFill>
+                  <a:latin typeface="+mn-lt"/>
+                  <a:ea typeface="+mn-ea"/>
+                  <a:cs typeface="+mn-cs"/>
+                </a:defRPr>
+              </a:lvl4pPr>
+              <a:lvl5pPr marL="1828800" algn="l" defTabSz="914400" rtl="0" eaLnBrk="1" latinLnBrk="0" hangingPunct="1">
+                <a:defRPr sz="1800" kern="1200">
+                  <a:solidFill>
+                    <a:schemeClr val="tx1"/>
+                  </a:solidFill>
+                  <a:latin typeface="+mn-lt"/>
+                  <a:ea typeface="+mn-ea"/>
+                  <a:cs typeface="+mn-cs"/>
+                </a:defRPr>
+              </a:lvl5pPr>
+              <a:lvl6pPr marL="2286000" algn="l" defTabSz="914400" rtl="0" eaLnBrk="1" latinLnBrk="0" hangingPunct="1">
+                <a:defRPr sz="1800" kern="1200">
+                  <a:solidFill>
+                    <a:schemeClr val="tx1"/>
+                  </a:solidFill>
+                  <a:latin typeface="+mn-lt"/>
+                  <a:ea typeface="+mn-ea"/>
+                  <a:cs typeface="+mn-cs"/>
+                </a:defRPr>
+              </a:lvl6pPr>
+              <a:lvl7pPr marL="2743200" algn="l" defTabSz="914400" rtl="0" eaLnBrk="1" latinLnBrk="0" hangingPunct="1">
+                <a:defRPr sz="1800" kern="1200">
+                  <a:solidFill>
+                    <a:schemeClr val="tx1"/>
+                  </a:solidFill>
+                  <a:latin typeface="+mn-lt"/>
+                  <a:ea typeface="+mn-ea"/>
+                  <a:cs typeface="+mn-cs"/>
+                </a:defRPr>
+              </a:lvl7pPr>
+              <a:lvl8pPr marL="3200400" algn="l" defTabSz="914400" rtl="0" eaLnBrk="1" latinLnBrk="0" hangingPunct="1">
+                <a:defRPr sz="1800" kern="1200">
+                  <a:solidFill>
+                    <a:schemeClr val="tx1"/>
+                  </a:solidFill>
+                  <a:latin typeface="+mn-lt"/>
+                  <a:ea typeface="+mn-ea"/>
+                  <a:cs typeface="+mn-cs"/>
+                </a:defRPr>
+              </a:lvl8pPr>
+              <a:lvl9pPr marL="3657600" algn="l" defTabSz="914400" rtl="0" eaLnBrk="1" latinLnBrk="0" hangingPunct="1">
+                <a:defRPr sz="1800" kern="1200">
+                  <a:solidFill>
+                    <a:schemeClr val="tx1"/>
+                  </a:solidFill>
+                  <a:latin typeface="+mn-lt"/>
+                  <a:ea typeface="+mn-ea"/>
+                  <a:cs typeface="+mn-cs"/>
+                </a:defRPr>
+              </a:lvl9pPr>
+            </a:lstStyle>
+            <a:p>
+              <a:pPr algn="r">
+                <a:spcBef>
+                  <a:spcPct val="0"/>
+                </a:spcBef>
+              </a:pPr>
+              <a:r>
+                <a:rPr lang="en-US" sz="1000" b="1" dirty="0" smtClean="0">
+                  <a:solidFill>
+                    <a:srgbClr val="FFFFFF"/>
+                  </a:solidFill>
+                  <a:latin typeface="Helvetica Neue"/>
+                  <a:cs typeface="Helvetica Neue"/>
+                </a:rPr>
+                <a:t>Development </a:t>
+              </a:r>
+              <a:r>
+                <a:rPr lang="en-US" sz="1000" b="1" dirty="0">
+                  <a:solidFill>
+                    <a:srgbClr val="FFFFFF"/>
+                  </a:solidFill>
+                  <a:latin typeface="Helvetica Neue"/>
+                  <a:cs typeface="Helvetica Neue"/>
+                </a:rPr>
+                <a:t>Environment </a:t>
+              </a:r>
+              <a:r>
+                <a:rPr lang="en-US" sz="1000" b="1" dirty="0" smtClean="0">
+                  <a:solidFill>
+                    <a:srgbClr val="FFFFFF"/>
+                  </a:solidFill>
+                  <a:latin typeface="Helvetica Neue"/>
+                  <a:cs typeface="Helvetica Neue"/>
+                </a:rPr>
+                <a:t>&amp;</a:t>
+              </a:r>
+            </a:p>
+            <a:p>
+              <a:pPr algn="r">
+                <a:spcBef>
+                  <a:spcPct val="0"/>
+                </a:spcBef>
+              </a:pPr>
+              <a:r>
+                <a:rPr lang="en-US" sz="1000" b="1" dirty="0" smtClean="0">
+                  <a:solidFill>
+                    <a:srgbClr val="FFFFFF"/>
+                  </a:solidFill>
+                  <a:latin typeface="Helvetica Neue"/>
+                  <a:cs typeface="Helvetica Neue"/>
+                </a:rPr>
+                <a:t>Version </a:t>
+              </a:r>
+              <a:r>
+                <a:rPr lang="en-US" sz="1000" b="1" dirty="0">
+                  <a:solidFill>
+                    <a:srgbClr val="FFFFFF"/>
+                  </a:solidFill>
+                  <a:latin typeface="Helvetica Neue"/>
+                  <a:cs typeface="Helvetica Neue"/>
+                </a:rPr>
+                <a:t>Control</a:t>
+              </a:r>
+            </a:p>
+          </p:txBody>
+        </p:sp>
+        <p:pic>
+          <p:nvPicPr>
+            <p:cNvPr id="8" name="Picture 6"/>
+            <p:cNvPicPr>
+              <a:picLocks noChangeAspect="1"/>
+            </p:cNvPicPr>
+            <p:nvPr/>
+          </p:nvPicPr>
+          <p:blipFill>
+            <a:blip r:embed="rId4">
+              <a:extLst>
+                <a:ext uri="{28A0092B-C50C-407E-A947-70E740481C1C}">
+                  <a14:useLocalDpi xmlns:a14="http://schemas.microsoft.com/office/drawing/2010/main" val="0"/>
+                </a:ext>
+              </a:extLst>
+            </a:blip>
+            <a:srcRect/>
+            <a:stretch>
+              <a:fillRect/>
+            </a:stretch>
+          </p:blipFill>
+          <p:spPr bwMode="auto">
+            <a:xfrm>
+              <a:off x="257175" y="1284442"/>
+              <a:ext cx="1465263" cy="228600"/>
+            </a:xfrm>
+            <a:prstGeom prst="rect">
+              <a:avLst/>
+            </a:prstGeom>
+            <a:noFill/>
+            <a:ln>
+              <a:noFill/>
+            </a:ln>
+            <a:extLst>
+              <a:ext uri="{909E8E84-426E-40dd-AFC4-6F175D3DCCD1}">
+                <a14:hiddenFill xmlns:a14="http://schemas.microsoft.com/office/drawing/2010/main">
+                  <a:solidFill>
+                    <a:srgbClr val="FFFFFF"/>
+                  </a:solidFill>
+                </a14:hiddenFill>
+              </a:ext>
+              <a:ext uri="{91240B29-F687-4f45-9708-019B960494DF}">
+                <a14:hiddenLine xmlns:a14="http://schemas.microsoft.com/office/drawing/2010/main" w="9525">
+                  <a:solidFill>
+                    <a:srgbClr val="000000"/>
+                  </a:solidFill>
+                  <a:miter lim="800000"/>
+                  <a:headEnd/>
+                  <a:tailEnd/>
+                </a14:hiddenLine>
+              </a:ext>
+            </a:extLst>
+          </p:spPr>
+        </p:pic>
+      </p:grpSp>
+      <p:sp>
+        <p:nvSpPr>
+          <p:cNvPr id="2" name="Rectangle 1"/>
+          <p:cNvSpPr/>
+          <p:nvPr/>
+        </p:nvSpPr>
+        <p:spPr>
+          <a:xfrm>
+            <a:off x="269876" y="1343534"/>
+            <a:ext cx="8666831" cy="923330"/>
+          </a:xfrm>
+          <a:prstGeom prst="rect">
+            <a:avLst/>
+          </a:prstGeom>
+        </p:spPr>
+        <p:txBody>
+          <a:bodyPr wrap="square">
+            <a:spAutoFit/>
+          </a:bodyPr>
+          <a:lstStyle/>
+          <a:p>
+            <a:pPr algn="ctr"/>
+            <a:r>
+              <a:rPr lang="en-US" sz="5400" b="1" dirty="0" smtClean="0">
+                <a:solidFill>
+                  <a:schemeClr val="bg1">
+                    <a:lumMod val="85000"/>
+                    <a:lumOff val="15000"/>
+                  </a:schemeClr>
+                </a:solidFill>
+              </a:rPr>
+              <a:t>Code Review</a:t>
+            </a:r>
+            <a:endParaRPr lang="en-US" sz="5400" b="1" dirty="0">
+              <a:solidFill>
+                <a:schemeClr val="bg1">
+                  <a:lumMod val="85000"/>
+                  <a:lumOff val="15000"/>
+                </a:schemeClr>
+              </a:solidFill>
+              <a:latin typeface="Helvetica Neue"/>
+              <a:cs typeface="Helvetica Neue"/>
+            </a:endParaRPr>
+          </a:p>
+        </p:txBody>
+      </p:sp>
+      <p:grpSp>
+        <p:nvGrpSpPr>
+          <p:cNvPr id="7" name="Group 6"/>
+          <p:cNvGrpSpPr/>
+          <p:nvPr/>
+        </p:nvGrpSpPr>
+        <p:grpSpPr>
+          <a:xfrm>
+            <a:off x="626374" y="2407478"/>
+            <a:ext cx="7905289" cy="4103661"/>
+            <a:chOff x="2889965" y="1624563"/>
+            <a:chExt cx="7905289" cy="4103661"/>
+          </a:xfrm>
+        </p:grpSpPr>
+        <p:sp>
+          <p:nvSpPr>
+            <p:cNvPr id="4" name="Rectangle 3"/>
+            <p:cNvSpPr/>
+            <p:nvPr/>
+          </p:nvSpPr>
+          <p:spPr>
+            <a:xfrm>
+              <a:off x="2889965" y="1624563"/>
+              <a:ext cx="7905289" cy="4103661"/>
+            </a:xfrm>
+            <a:prstGeom prst="rect">
+              <a:avLst/>
+            </a:prstGeom>
+          </p:spPr>
+          <p:style>
+            <a:lnRef idx="2">
+              <a:schemeClr val="dk1"/>
+            </a:lnRef>
+            <a:fillRef idx="1">
+              <a:schemeClr val="lt1"/>
+            </a:fillRef>
+            <a:effectRef idx="0">
+              <a:schemeClr val="dk1"/>
+            </a:effectRef>
+            <a:fontRef idx="minor">
+              <a:schemeClr val="dk1"/>
+            </a:fontRef>
+          </p:style>
+          <p:txBody>
+            <a:bodyPr rtlCol="0" anchor="ctr"/>
+            <a:lstStyle/>
+            <a:p>
+              <a:pPr algn="ctr"/>
+              <a:endParaRPr lang="en-US">
+                <a:solidFill>
+                  <a:schemeClr val="tx1"/>
+                </a:solidFill>
+              </a:endParaRPr>
+            </a:p>
+          </p:txBody>
+        </p:sp>
+        <p:sp>
+          <p:nvSpPr>
+            <p:cNvPr id="3" name="Rectangle 2"/>
+            <p:cNvSpPr/>
+            <p:nvPr/>
+          </p:nvSpPr>
+          <p:spPr>
+            <a:xfrm>
+              <a:off x="3395124" y="1848145"/>
+              <a:ext cx="6894972" cy="2246769"/>
+            </a:xfrm>
+            <a:prstGeom prst="rect">
+              <a:avLst/>
+            </a:prstGeom>
+          </p:spPr>
+          <p:txBody>
+            <a:bodyPr wrap="square">
+              <a:spAutoFit/>
+            </a:bodyPr>
+            <a:lstStyle/>
+            <a:p>
+              <a:endParaRPr lang="en-US" sz="1000" dirty="0">
+                <a:solidFill>
+                  <a:srgbClr val="000000"/>
+                </a:solidFill>
+                <a:latin typeface="Consolas"/>
+                <a:cs typeface="Consolas"/>
+              </a:endParaRPr>
+            </a:p>
+            <a:p>
+              <a:r>
+                <a:rPr lang="en-US" sz="1000" dirty="0">
+                  <a:solidFill>
+                    <a:srgbClr val="000000"/>
+                  </a:solidFill>
+                  <a:latin typeface="Consolas"/>
+                  <a:cs typeface="Consolas"/>
+                </a:rPr>
+                <a:t>&lt;?</a:t>
+              </a:r>
+              <a:r>
+                <a:rPr lang="en-US" sz="1000" dirty="0" err="1">
+                  <a:solidFill>
+                    <a:srgbClr val="000000"/>
+                  </a:solidFill>
+                  <a:latin typeface="Consolas"/>
+                  <a:cs typeface="Consolas"/>
+                </a:rPr>
+                <a:t>php</a:t>
+              </a:r>
+              <a:endParaRPr lang="en-US" sz="1000" dirty="0">
+                <a:solidFill>
+                  <a:srgbClr val="000000"/>
+                </a:solidFill>
+                <a:latin typeface="Consolas"/>
+                <a:cs typeface="Consolas"/>
+              </a:endParaRPr>
+            </a:p>
+            <a:p>
+              <a:r>
+                <a:rPr lang="en-US" sz="1000" dirty="0">
+                  <a:solidFill>
+                    <a:srgbClr val="000000"/>
+                  </a:solidFill>
+                  <a:latin typeface="Consolas"/>
+                  <a:cs typeface="Consolas"/>
+                </a:rPr>
+                <a:t>namespace App\Http\Controllers;</a:t>
+              </a:r>
+            </a:p>
+            <a:p>
+              <a:r>
+                <a:rPr lang="en-US" sz="1000" dirty="0">
+                  <a:solidFill>
+                    <a:srgbClr val="000000"/>
+                  </a:solidFill>
+                  <a:latin typeface="Consolas"/>
+                  <a:cs typeface="Consolas"/>
+                </a:rPr>
+                <a:t>use Illuminate\Http\Request;</a:t>
+              </a:r>
+            </a:p>
+            <a:p>
+              <a:r>
+                <a:rPr lang="en-US" sz="1000" dirty="0">
+                  <a:solidFill>
+                    <a:srgbClr val="000000"/>
+                  </a:solidFill>
+                  <a:latin typeface="Consolas"/>
+                  <a:cs typeface="Consolas"/>
+                </a:rPr>
+                <a:t>use App\Http\Requests;</a:t>
+              </a:r>
+            </a:p>
+            <a:p>
+              <a:r>
+                <a:rPr lang="en-US" sz="1000" dirty="0">
+                  <a:solidFill>
+                    <a:srgbClr val="000000"/>
+                  </a:solidFill>
+                  <a:latin typeface="Consolas"/>
+                  <a:cs typeface="Consolas"/>
+                </a:rPr>
+                <a:t>use App\Http\Controllers\Controller;</a:t>
+              </a:r>
+            </a:p>
+            <a:p>
+              <a:r>
+                <a:rPr lang="en-US" sz="1000" dirty="0">
+                  <a:solidFill>
+                    <a:srgbClr val="000000"/>
+                  </a:solidFill>
+                  <a:latin typeface="Consolas"/>
+                  <a:cs typeface="Consolas"/>
+                </a:rPr>
+                <a:t>use App\Location;</a:t>
+              </a:r>
+            </a:p>
+            <a:p>
+              <a:r>
+                <a:rPr lang="en-US" sz="1000" dirty="0">
+                  <a:solidFill>
+                    <a:srgbClr val="000000"/>
+                  </a:solidFill>
+                  <a:latin typeface="Consolas"/>
+                  <a:cs typeface="Consolas"/>
+                </a:rPr>
+                <a:t>class </a:t>
+              </a:r>
+              <a:r>
+                <a:rPr lang="en-US" sz="1000" dirty="0" err="1">
+                  <a:solidFill>
+                    <a:srgbClr val="000000"/>
+                  </a:solidFill>
+                  <a:latin typeface="Consolas"/>
+                  <a:cs typeface="Consolas"/>
+                </a:rPr>
+                <a:t>LocationController</a:t>
+              </a:r>
+              <a:r>
+                <a:rPr lang="en-US" sz="1000" dirty="0">
+                  <a:solidFill>
+                    <a:srgbClr val="000000"/>
+                  </a:solidFill>
+                  <a:latin typeface="Consolas"/>
+                  <a:cs typeface="Consolas"/>
+                </a:rPr>
+                <a:t> extends Controller</a:t>
+              </a:r>
+            </a:p>
+            <a:p>
+              <a:r>
+                <a:rPr lang="en-US" sz="1000" dirty="0">
+                  <a:solidFill>
+                    <a:srgbClr val="000000"/>
+                  </a:solidFill>
+                  <a:latin typeface="Consolas"/>
+                  <a:cs typeface="Consolas"/>
+                </a:rPr>
+                <a:t>{</a:t>
+              </a:r>
+            </a:p>
+            <a:p>
+              <a:r>
+                <a:rPr lang="en-US" sz="1000" dirty="0">
+                  <a:solidFill>
+                    <a:srgbClr val="000000"/>
+                  </a:solidFill>
+                  <a:latin typeface="Consolas"/>
+                  <a:cs typeface="Consolas"/>
+                </a:rPr>
+                <a:t>    public function index() {</a:t>
+              </a:r>
+            </a:p>
+            <a:p>
+              <a:r>
+                <a:rPr lang="en-US" sz="1000" dirty="0">
+                  <a:solidFill>
+                    <a:srgbClr val="000000"/>
+                  </a:solidFill>
+                  <a:latin typeface="Consolas"/>
+                  <a:cs typeface="Consolas"/>
+                </a:rPr>
+                <a:t>    	$locations = Location::all();</a:t>
+              </a:r>
+            </a:p>
+            <a:p>
+              <a:r>
+                <a:rPr lang="en-US" sz="1000" dirty="0">
+                  <a:solidFill>
+                    <a:srgbClr val="000000"/>
+                  </a:solidFill>
+                  <a:latin typeface="Consolas"/>
+                  <a:cs typeface="Consolas"/>
+                </a:rPr>
+                <a:t>    	return view('locations',['locations' =&gt; $locations]);</a:t>
+              </a:r>
+            </a:p>
+            <a:p>
+              <a:r>
+                <a:rPr lang="en-US" sz="1000" dirty="0">
+                  <a:solidFill>
+                    <a:srgbClr val="000000"/>
+                  </a:solidFill>
+                  <a:latin typeface="Consolas"/>
+                  <a:cs typeface="Consolas"/>
+                </a:rPr>
+                <a:t>    }</a:t>
+              </a:r>
+            </a:p>
+            <a:p>
+              <a:r>
+                <a:rPr lang="en-US" sz="1000" dirty="0">
+                  <a:solidFill>
+                    <a:srgbClr val="000000"/>
+                  </a:solidFill>
+                  <a:latin typeface="Consolas"/>
+                  <a:cs typeface="Consolas"/>
+                </a:rPr>
+                <a:t>}</a:t>
+              </a:r>
+              <a:endParaRPr lang="en-US" sz="1000" dirty="0">
+                <a:solidFill>
+                  <a:srgbClr val="000000"/>
+                </a:solidFill>
+                <a:latin typeface="Consolas"/>
+                <a:cs typeface="Consolas"/>
+              </a:endParaRPr>
+            </a:p>
+          </p:txBody>
+        </p:sp>
+      </p:grpSp>
+    </p:spTree>
+    <p:extLst>
+      <p:ext uri="{BB962C8B-B14F-4D97-AF65-F5344CB8AC3E}">
+        <p14:creationId xmlns:p14="http://schemas.microsoft.com/office/powerpoint/2010/main" val="150214729"/>
+      </p:ext>
+    </p:extLst>
+  </p:cSld>
+  <p:clrMapOvr>
+    <a:masterClrMapping/>
+  </p:clrMapOvr>
+  <p:timing>
+    <p:tnLst>
+      <p:par>
+        <p:cTn xmlns:p14="http://schemas.microsoft.com/office/powerpoint/2010/main" id="1" dur="indefinite" restart="never" nodeType="tmRoot"/>
+      </p:par>
+    </p:tnLst>
+  </p:timing>
+</p:sld>
+</file>
+
+<file path=ppt/slides/slide5.xml><?xml version="1.0" encoding="utf-8"?>
 <p:sld xmlns:a="http://schemas.openxmlformats.org/drawingml/2006/main" xmlns:r="http://schemas.openxmlformats.org/officeDocument/2006/relationships" xmlns:p="http://schemas.openxmlformats.org/presentationml/2006/main">
   <p:cSld>
     <p:bg>
@@ -11537,7 +15870,7 @@
     </p:spTree>
     <p:extLst>
       <p:ext uri="{BB962C8B-B14F-4D97-AF65-F5344CB8AC3E}">
-        <p14:creationId xmlns:p14="http://schemas.microsoft.com/office/powerpoint/2010/main" val="867441580"/>
+        <p14:creationId xmlns:p14="http://schemas.microsoft.com/office/powerpoint/2010/main" val="4172312948"/>
       </p:ext>
     </p:extLst>
   </p:cSld>
@@ -11554,7 +15887,7 @@
 </p:sld>
 </file>
 
-<file path=ppt/slides/slide3.xml><?xml version="1.0" encoding="utf-8"?>
+<file path=ppt/slides/slide6.xml><?xml version="1.0" encoding="utf-8"?>
 <p:sld xmlns:a="http://schemas.openxmlformats.org/drawingml/2006/main" xmlns:r="http://schemas.openxmlformats.org/officeDocument/2006/relationships" xmlns:p="http://schemas.openxmlformats.org/presentationml/2006/main">
   <p:cSld>
     <p:bg>
@@ -12119,7 +16452,7 @@
 </p:sld>
 </file>
 
-<file path=ppt/slides/slide4.xml><?xml version="1.0" encoding="utf-8"?>
+<file path=ppt/slides/slide7.xml><?xml version="1.0" encoding="utf-8"?>
 <p:sld xmlns:a="http://schemas.openxmlformats.org/drawingml/2006/main" xmlns:r="http://schemas.openxmlformats.org/officeDocument/2006/relationships" xmlns:p="http://schemas.openxmlformats.org/presentationml/2006/main">
   <p:cSld>
     <p:bg>
@@ -12651,7 +16984,7 @@
 </p:sld>
 </file>
 
-<file path=ppt/slides/slide5.xml><?xml version="1.0" encoding="utf-8"?>
+<file path=ppt/slides/slide8.xml><?xml version="1.0" encoding="utf-8"?>
 <p:sld xmlns:a="http://schemas.openxmlformats.org/drawingml/2006/main" xmlns:r="http://schemas.openxmlformats.org/officeDocument/2006/relationships" xmlns:p="http://schemas.openxmlformats.org/presentationml/2006/main">
   <p:cSld>
     <p:bg>
@@ -13183,7 +17516,7 @@
 </p:sld>
 </file>
 
-<file path=ppt/slides/slide6.xml><?xml version="1.0" encoding="utf-8"?>
+<file path=ppt/slides/slide9.xml><?xml version="1.0" encoding="utf-8"?>
 <p:sld xmlns:a="http://schemas.openxmlformats.org/drawingml/2006/main" xmlns:r="http://schemas.openxmlformats.org/officeDocument/2006/relationships" xmlns:p="http://schemas.openxmlformats.org/presentationml/2006/main">
   <p:cSld>
     <p:bg>
@@ -13801,1565 +18134,6 @@
     <p:extLst>
       <p:ext uri="{BB962C8B-B14F-4D97-AF65-F5344CB8AC3E}">
         <p14:creationId xmlns:p14="http://schemas.microsoft.com/office/powerpoint/2010/main" val="254316654"/>
-      </p:ext>
-    </p:extLst>
-  </p:cSld>
-  <p:clrMapOvr>
-    <a:masterClrMapping/>
-  </p:clrMapOvr>
-  <p:timing>
-    <p:tnLst>
-      <p:par>
-        <p:cTn xmlns:p14="http://schemas.microsoft.com/office/powerpoint/2010/main" id="1" dur="indefinite" restart="never" nodeType="tmRoot"/>
-      </p:par>
-    </p:tnLst>
-  </p:timing>
-</p:sld>
-</file>
-
-<file path=ppt/slides/slide7.xml><?xml version="1.0" encoding="utf-8"?>
-<p:sld xmlns:a="http://schemas.openxmlformats.org/drawingml/2006/main" xmlns:r="http://schemas.openxmlformats.org/officeDocument/2006/relationships" xmlns:p="http://schemas.openxmlformats.org/presentationml/2006/main">
-  <p:cSld>
-    <p:bg>
-      <p:bgPr>
-        <a:blipFill rotWithShape="1">
-          <a:blip r:embed="rId3"/>
-          <a:stretch>
-            <a:fillRect/>
-          </a:stretch>
-        </a:blipFill>
-        <a:effectLst/>
-      </p:bgPr>
-    </p:bg>
-    <p:spTree>
-      <p:nvGrpSpPr>
-        <p:cNvPr id="1" name=""/>
-        <p:cNvGrpSpPr/>
-        <p:nvPr/>
-      </p:nvGrpSpPr>
-      <p:grpSpPr>
-        <a:xfrm>
-          <a:off x="0" y="0"/>
-          <a:ext cx="0" cy="0"/>
-          <a:chOff x="0" y="0"/>
-          <a:chExt cx="0" cy="0"/>
-        </a:xfrm>
-      </p:grpSpPr>
-      <p:grpSp>
-        <p:nvGrpSpPr>
-          <p:cNvPr id="11" name="Group 10"/>
-          <p:cNvGrpSpPr/>
-          <p:nvPr/>
-        </p:nvGrpSpPr>
-        <p:grpSpPr>
-          <a:xfrm>
-            <a:off x="0" y="0"/>
-            <a:ext cx="9144000" cy="699840"/>
-            <a:chOff x="-12700" y="1041400"/>
-            <a:chExt cx="9144000" cy="699840"/>
-          </a:xfrm>
-        </p:grpSpPr>
-        <p:sp>
-          <p:nvSpPr>
-            <p:cNvPr id="5" name="Rectangle 4"/>
-            <p:cNvSpPr/>
-            <p:nvPr/>
-          </p:nvSpPr>
-          <p:spPr>
-            <a:xfrm>
-              <a:off x="-12700" y="1041400"/>
-              <a:ext cx="9144000" cy="699840"/>
-            </a:xfrm>
-            <a:prstGeom prst="rect">
-              <a:avLst/>
-            </a:prstGeom>
-            <a:solidFill>
-              <a:srgbClr val="57068C"/>
-            </a:solidFill>
-            <a:ln>
-              <a:noFill/>
-            </a:ln>
-          </p:spPr>
-          <p:style>
-            <a:lnRef idx="1">
-              <a:schemeClr val="accent1"/>
-            </a:lnRef>
-            <a:fillRef idx="3">
-              <a:schemeClr val="accent1"/>
-            </a:fillRef>
-            <a:effectRef idx="2">
-              <a:schemeClr val="accent1"/>
-            </a:effectRef>
-            <a:fontRef idx="minor">
-              <a:schemeClr val="lt1"/>
-            </a:fontRef>
-          </p:style>
-          <p:txBody>
-            <a:bodyPr anchor="ctr"/>
-            <a:lstStyle/>
-            <a:p>
-              <a:pPr>
-                <a:spcBef>
-                  <a:spcPct val="0"/>
-                </a:spcBef>
-              </a:pPr>
-              <a:endParaRPr lang="en-US" sz="1000" dirty="0">
-                <a:latin typeface="Helvetica Neue"/>
-                <a:cs typeface="Helvetica Neue"/>
-              </a:endParaRPr>
-            </a:p>
-          </p:txBody>
-        </p:sp>
-        <p:sp>
-          <p:nvSpPr>
-            <p:cNvPr id="6" name="Text Placeholder 2"/>
-            <p:cNvSpPr txBox="1">
-              <a:spLocks/>
-            </p:cNvSpPr>
-            <p:nvPr/>
-          </p:nvSpPr>
-          <p:spPr bwMode="auto">
-            <a:xfrm>
-              <a:off x="6829910" y="1284442"/>
-              <a:ext cx="2094097" cy="228599"/>
-            </a:xfrm>
-            <a:prstGeom prst="rect">
-              <a:avLst/>
-            </a:prstGeom>
-            <a:noFill/>
-            <a:extLst>
-              <a:ext uri="{909E8E84-426E-40dd-AFC4-6F175D3DCCD1}">
-                <a14:hiddenFill xmlns:a14="http://schemas.microsoft.com/office/drawing/2010/main">
-                  <a:solidFill>
-                    <a:srgbClr val="FFFFFF"/>
-                  </a:solidFill>
-                </a14:hiddenFill>
-              </a:ext>
-              <a:ext uri="{91240B29-F687-4f45-9708-019B960494DF}">
-                <a14:hiddenLine xmlns:a14="http://schemas.microsoft.com/office/drawing/2010/main" w="9525">
-                  <a:solidFill>
-                    <a:srgbClr val="000000"/>
-                  </a:solidFill>
-                  <a:miter lim="800000"/>
-                  <a:headEnd/>
-                  <a:tailEnd/>
-                </a14:hiddenLine>
-              </a:ext>
-            </a:extLst>
-          </p:spPr>
-          <p:txBody>
-            <a:bodyPr vert="horz" wrap="square" lIns="91440" tIns="45720" rIns="91440" bIns="45720" numCol="1" rtlCol="0" anchor="ctr" compatLnSpc="1">
-              <a:prstTxWarp prst="textNoShape">
-                <a:avLst/>
-              </a:prstTxWarp>
-            </a:bodyPr>
-            <a:lstStyle>
-              <a:defPPr>
-                <a:defRPr lang="en-US"/>
-              </a:defPPr>
-              <a:lvl1pPr marL="0" algn="ctr" defTabSz="914400" rtl="0" eaLnBrk="1" latinLnBrk="0" hangingPunct="1">
-                <a:defRPr sz="1200" kern="1200">
-                  <a:solidFill>
-                    <a:schemeClr val="tx1">
-                      <a:tint val="75000"/>
-                    </a:schemeClr>
-                  </a:solidFill>
-                  <a:latin typeface="+mn-lt"/>
-                  <a:ea typeface="+mn-ea"/>
-                  <a:cs typeface="+mn-cs"/>
-                </a:defRPr>
-              </a:lvl1pPr>
-              <a:lvl2pPr marL="457200" algn="l" defTabSz="914400" rtl="0" eaLnBrk="1" latinLnBrk="0" hangingPunct="1">
-                <a:defRPr sz="1800" kern="1200">
-                  <a:solidFill>
-                    <a:schemeClr val="tx1"/>
-                  </a:solidFill>
-                  <a:latin typeface="+mn-lt"/>
-                  <a:ea typeface="+mn-ea"/>
-                  <a:cs typeface="+mn-cs"/>
-                </a:defRPr>
-              </a:lvl2pPr>
-              <a:lvl3pPr marL="914400" algn="l" defTabSz="914400" rtl="0" eaLnBrk="1" latinLnBrk="0" hangingPunct="1">
-                <a:defRPr sz="1800" kern="1200">
-                  <a:solidFill>
-                    <a:schemeClr val="tx1"/>
-                  </a:solidFill>
-                  <a:latin typeface="+mn-lt"/>
-                  <a:ea typeface="+mn-ea"/>
-                  <a:cs typeface="+mn-cs"/>
-                </a:defRPr>
-              </a:lvl3pPr>
-              <a:lvl4pPr marL="1371600" algn="l" defTabSz="914400" rtl="0" eaLnBrk="1" latinLnBrk="0" hangingPunct="1">
-                <a:defRPr sz="1800" kern="1200">
-                  <a:solidFill>
-                    <a:schemeClr val="tx1"/>
-                  </a:solidFill>
-                  <a:latin typeface="+mn-lt"/>
-                  <a:ea typeface="+mn-ea"/>
-                  <a:cs typeface="+mn-cs"/>
-                </a:defRPr>
-              </a:lvl4pPr>
-              <a:lvl5pPr marL="1828800" algn="l" defTabSz="914400" rtl="0" eaLnBrk="1" latinLnBrk="0" hangingPunct="1">
-                <a:defRPr sz="1800" kern="1200">
-                  <a:solidFill>
-                    <a:schemeClr val="tx1"/>
-                  </a:solidFill>
-                  <a:latin typeface="+mn-lt"/>
-                  <a:ea typeface="+mn-ea"/>
-                  <a:cs typeface="+mn-cs"/>
-                </a:defRPr>
-              </a:lvl5pPr>
-              <a:lvl6pPr marL="2286000" algn="l" defTabSz="914400" rtl="0" eaLnBrk="1" latinLnBrk="0" hangingPunct="1">
-                <a:defRPr sz="1800" kern="1200">
-                  <a:solidFill>
-                    <a:schemeClr val="tx1"/>
-                  </a:solidFill>
-                  <a:latin typeface="+mn-lt"/>
-                  <a:ea typeface="+mn-ea"/>
-                  <a:cs typeface="+mn-cs"/>
-                </a:defRPr>
-              </a:lvl6pPr>
-              <a:lvl7pPr marL="2743200" algn="l" defTabSz="914400" rtl="0" eaLnBrk="1" latinLnBrk="0" hangingPunct="1">
-                <a:defRPr sz="1800" kern="1200">
-                  <a:solidFill>
-                    <a:schemeClr val="tx1"/>
-                  </a:solidFill>
-                  <a:latin typeface="+mn-lt"/>
-                  <a:ea typeface="+mn-ea"/>
-                  <a:cs typeface="+mn-cs"/>
-                </a:defRPr>
-              </a:lvl7pPr>
-              <a:lvl8pPr marL="3200400" algn="l" defTabSz="914400" rtl="0" eaLnBrk="1" latinLnBrk="0" hangingPunct="1">
-                <a:defRPr sz="1800" kern="1200">
-                  <a:solidFill>
-                    <a:schemeClr val="tx1"/>
-                  </a:solidFill>
-                  <a:latin typeface="+mn-lt"/>
-                  <a:ea typeface="+mn-ea"/>
-                  <a:cs typeface="+mn-cs"/>
-                </a:defRPr>
-              </a:lvl8pPr>
-              <a:lvl9pPr marL="3657600" algn="l" defTabSz="914400" rtl="0" eaLnBrk="1" latinLnBrk="0" hangingPunct="1">
-                <a:defRPr sz="1800" kern="1200">
-                  <a:solidFill>
-                    <a:schemeClr val="tx1"/>
-                  </a:solidFill>
-                  <a:latin typeface="+mn-lt"/>
-                  <a:ea typeface="+mn-ea"/>
-                  <a:cs typeface="+mn-cs"/>
-                </a:defRPr>
-              </a:lvl9pPr>
-            </a:lstStyle>
-            <a:p>
-              <a:pPr algn="r">
-                <a:spcBef>
-                  <a:spcPct val="0"/>
-                </a:spcBef>
-              </a:pPr>
-              <a:r>
-                <a:rPr lang="en-US" sz="1000" b="1" dirty="0" smtClean="0">
-                  <a:solidFill>
-                    <a:srgbClr val="FFFFFF"/>
-                  </a:solidFill>
-                  <a:latin typeface="Helvetica Neue"/>
-                  <a:cs typeface="Helvetica Neue"/>
-                </a:rPr>
-                <a:t>Development </a:t>
-              </a:r>
-              <a:r>
-                <a:rPr lang="en-US" sz="1000" b="1" dirty="0">
-                  <a:solidFill>
-                    <a:srgbClr val="FFFFFF"/>
-                  </a:solidFill>
-                  <a:latin typeface="Helvetica Neue"/>
-                  <a:cs typeface="Helvetica Neue"/>
-                </a:rPr>
-                <a:t>Environment </a:t>
-              </a:r>
-              <a:r>
-                <a:rPr lang="en-US" sz="1000" b="1" dirty="0" smtClean="0">
-                  <a:solidFill>
-                    <a:srgbClr val="FFFFFF"/>
-                  </a:solidFill>
-                  <a:latin typeface="Helvetica Neue"/>
-                  <a:cs typeface="Helvetica Neue"/>
-                </a:rPr>
-                <a:t>&amp;</a:t>
-              </a:r>
-            </a:p>
-            <a:p>
-              <a:pPr algn="r">
-                <a:spcBef>
-                  <a:spcPct val="0"/>
-                </a:spcBef>
-              </a:pPr>
-              <a:r>
-                <a:rPr lang="en-US" sz="1000" b="1" dirty="0" smtClean="0">
-                  <a:solidFill>
-                    <a:srgbClr val="FFFFFF"/>
-                  </a:solidFill>
-                  <a:latin typeface="Helvetica Neue"/>
-                  <a:cs typeface="Helvetica Neue"/>
-                </a:rPr>
-                <a:t>Version </a:t>
-              </a:r>
-              <a:r>
-                <a:rPr lang="en-US" sz="1000" b="1" dirty="0">
-                  <a:solidFill>
-                    <a:srgbClr val="FFFFFF"/>
-                  </a:solidFill>
-                  <a:latin typeface="Helvetica Neue"/>
-                  <a:cs typeface="Helvetica Neue"/>
-                </a:rPr>
-                <a:t>Control</a:t>
-              </a:r>
-            </a:p>
-          </p:txBody>
-        </p:sp>
-        <p:pic>
-          <p:nvPicPr>
-            <p:cNvPr id="8" name="Picture 6"/>
-            <p:cNvPicPr>
-              <a:picLocks noChangeAspect="1"/>
-            </p:cNvPicPr>
-            <p:nvPr/>
-          </p:nvPicPr>
-          <p:blipFill>
-            <a:blip r:embed="rId4">
-              <a:extLst>
-                <a:ext uri="{28A0092B-C50C-407E-A947-70E740481C1C}">
-                  <a14:useLocalDpi xmlns:a14="http://schemas.microsoft.com/office/drawing/2010/main" val="0"/>
-                </a:ext>
-              </a:extLst>
-            </a:blip>
-            <a:srcRect/>
-            <a:stretch>
-              <a:fillRect/>
-            </a:stretch>
-          </p:blipFill>
-          <p:spPr bwMode="auto">
-            <a:xfrm>
-              <a:off x="257175" y="1284442"/>
-              <a:ext cx="1465263" cy="228600"/>
-            </a:xfrm>
-            <a:prstGeom prst="rect">
-              <a:avLst/>
-            </a:prstGeom>
-            <a:noFill/>
-            <a:ln>
-              <a:noFill/>
-            </a:ln>
-            <a:extLst>
-              <a:ext uri="{909E8E84-426E-40dd-AFC4-6F175D3DCCD1}">
-                <a14:hiddenFill xmlns:a14="http://schemas.microsoft.com/office/drawing/2010/main">
-                  <a:solidFill>
-                    <a:srgbClr val="FFFFFF"/>
-                  </a:solidFill>
-                </a14:hiddenFill>
-              </a:ext>
-              <a:ext uri="{91240B29-F687-4f45-9708-019B960494DF}">
-                <a14:hiddenLine xmlns:a14="http://schemas.microsoft.com/office/drawing/2010/main" w="9525">
-                  <a:solidFill>
-                    <a:srgbClr val="000000"/>
-                  </a:solidFill>
-                  <a:miter lim="800000"/>
-                  <a:headEnd/>
-                  <a:tailEnd/>
-                </a14:hiddenLine>
-              </a:ext>
-            </a:extLst>
-          </p:spPr>
-        </p:pic>
-      </p:grpSp>
-      <p:sp>
-        <p:nvSpPr>
-          <p:cNvPr id="2" name="Rectangle 1"/>
-          <p:cNvSpPr/>
-          <p:nvPr/>
-        </p:nvSpPr>
-        <p:spPr>
-          <a:xfrm>
-            <a:off x="269876" y="1343534"/>
-            <a:ext cx="8666831" cy="923330"/>
-          </a:xfrm>
-          <a:prstGeom prst="rect">
-            <a:avLst/>
-          </a:prstGeom>
-        </p:spPr>
-        <p:txBody>
-          <a:bodyPr wrap="square">
-            <a:spAutoFit/>
-          </a:bodyPr>
-          <a:lstStyle/>
-          <a:p>
-            <a:pPr algn="ctr"/>
-            <a:r>
-              <a:rPr lang="en-US" sz="5400" b="1" dirty="0" smtClean="0">
-                <a:solidFill>
-                  <a:schemeClr val="bg1">
-                    <a:lumMod val="85000"/>
-                    <a:lumOff val="15000"/>
-                  </a:schemeClr>
-                </a:solidFill>
-              </a:rPr>
-              <a:t>Authorization</a:t>
-            </a:r>
-            <a:endParaRPr lang="en-US" sz="5400" b="1" dirty="0">
-              <a:solidFill>
-                <a:schemeClr val="bg1">
-                  <a:lumMod val="85000"/>
-                  <a:lumOff val="15000"/>
-                </a:schemeClr>
-              </a:solidFill>
-              <a:latin typeface="Helvetica Neue"/>
-              <a:cs typeface="Helvetica Neue"/>
-            </a:endParaRPr>
-          </a:p>
-        </p:txBody>
-      </p:sp>
-      <p:grpSp>
-        <p:nvGrpSpPr>
-          <p:cNvPr id="7" name="Group 6"/>
-          <p:cNvGrpSpPr/>
-          <p:nvPr/>
-        </p:nvGrpSpPr>
-        <p:grpSpPr>
-          <a:xfrm>
-            <a:off x="626374" y="2407478"/>
-            <a:ext cx="7905289" cy="4103661"/>
-            <a:chOff x="2889965" y="1624563"/>
-            <a:chExt cx="7905289" cy="4103661"/>
-          </a:xfrm>
-        </p:grpSpPr>
-        <p:sp>
-          <p:nvSpPr>
-            <p:cNvPr id="4" name="Rectangle 3"/>
-            <p:cNvSpPr/>
-            <p:nvPr/>
-          </p:nvSpPr>
-          <p:spPr>
-            <a:xfrm>
-              <a:off x="2889965" y="1624563"/>
-              <a:ext cx="7905289" cy="4103661"/>
-            </a:xfrm>
-            <a:prstGeom prst="rect">
-              <a:avLst/>
-            </a:prstGeom>
-          </p:spPr>
-          <p:style>
-            <a:lnRef idx="2">
-              <a:schemeClr val="dk1"/>
-            </a:lnRef>
-            <a:fillRef idx="1">
-              <a:schemeClr val="lt1"/>
-            </a:fillRef>
-            <a:effectRef idx="0">
-              <a:schemeClr val="dk1"/>
-            </a:effectRef>
-            <a:fontRef idx="minor">
-              <a:schemeClr val="dk1"/>
-            </a:fontRef>
-          </p:style>
-          <p:txBody>
-            <a:bodyPr rtlCol="0" anchor="ctr"/>
-            <a:lstStyle/>
-            <a:p>
-              <a:pPr algn="ctr"/>
-              <a:endParaRPr lang="en-US">
-                <a:solidFill>
-                  <a:schemeClr val="tx1"/>
-                </a:solidFill>
-              </a:endParaRPr>
-            </a:p>
-          </p:txBody>
-        </p:sp>
-        <p:sp>
-          <p:nvSpPr>
-            <p:cNvPr id="3" name="Rectangle 2"/>
-            <p:cNvSpPr/>
-            <p:nvPr/>
-          </p:nvSpPr>
-          <p:spPr>
-            <a:xfrm>
-              <a:off x="3395124" y="2004310"/>
-              <a:ext cx="6894972" cy="3046988"/>
-            </a:xfrm>
-            <a:prstGeom prst="rect">
-              <a:avLst/>
-            </a:prstGeom>
-          </p:spPr>
-          <p:txBody>
-            <a:bodyPr wrap="square">
-              <a:spAutoFit/>
-            </a:bodyPr>
-            <a:lstStyle/>
-            <a:p>
-              <a:r>
-                <a:rPr lang="en-US" sz="2400" dirty="0" smtClean="0">
-                  <a:solidFill>
-                    <a:srgbClr val="000000"/>
-                  </a:solidFill>
-                  <a:latin typeface="Helvetica Neue"/>
-                  <a:cs typeface="Helvetica Neue"/>
-                </a:rPr>
-                <a:t>Authorization is a process used by web application to determine whether user has permission to access specific content or perform certain actions. Authorization may or may not require authentication. For example, guest users do not need to authenticate, but your application will have set authorization policies for guest users.</a:t>
-              </a:r>
-              <a:endParaRPr lang="en-US" sz="2400" dirty="0">
-                <a:solidFill>
-                  <a:srgbClr val="000000"/>
-                </a:solidFill>
-                <a:latin typeface="Helvetica Neue"/>
-                <a:cs typeface="Helvetica Neue"/>
-              </a:endParaRPr>
-            </a:p>
-          </p:txBody>
-        </p:sp>
-      </p:grpSp>
-    </p:spTree>
-    <p:extLst>
-      <p:ext uri="{BB962C8B-B14F-4D97-AF65-F5344CB8AC3E}">
-        <p14:creationId xmlns:p14="http://schemas.microsoft.com/office/powerpoint/2010/main" val="215120505"/>
-      </p:ext>
-    </p:extLst>
-  </p:cSld>
-  <p:clrMapOvr>
-    <a:masterClrMapping/>
-  </p:clrMapOvr>
-  <p:timing>
-    <p:tnLst>
-      <p:par>
-        <p:cTn xmlns:p14="http://schemas.microsoft.com/office/powerpoint/2010/main" id="1" dur="indefinite" restart="never" nodeType="tmRoot"/>
-      </p:par>
-    </p:tnLst>
-  </p:timing>
-</p:sld>
-</file>
-
-<file path=ppt/slides/slide8.xml><?xml version="1.0" encoding="utf-8"?>
-<p:sld xmlns:a="http://schemas.openxmlformats.org/drawingml/2006/main" xmlns:r="http://schemas.openxmlformats.org/officeDocument/2006/relationships" xmlns:p="http://schemas.openxmlformats.org/presentationml/2006/main">
-  <p:cSld>
-    <p:bg>
-      <p:bgPr>
-        <a:blipFill rotWithShape="1">
-          <a:blip r:embed="rId3"/>
-          <a:stretch>
-            <a:fillRect/>
-          </a:stretch>
-        </a:blipFill>
-        <a:effectLst/>
-      </p:bgPr>
-    </p:bg>
-    <p:spTree>
-      <p:nvGrpSpPr>
-        <p:cNvPr id="1" name=""/>
-        <p:cNvGrpSpPr/>
-        <p:nvPr/>
-      </p:nvGrpSpPr>
-      <p:grpSpPr>
-        <a:xfrm>
-          <a:off x="0" y="0"/>
-          <a:ext cx="0" cy="0"/>
-          <a:chOff x="0" y="0"/>
-          <a:chExt cx="0" cy="0"/>
-        </a:xfrm>
-      </p:grpSpPr>
-      <p:grpSp>
-        <p:nvGrpSpPr>
-          <p:cNvPr id="11" name="Group 10"/>
-          <p:cNvGrpSpPr/>
-          <p:nvPr/>
-        </p:nvGrpSpPr>
-        <p:grpSpPr>
-          <a:xfrm>
-            <a:off x="0" y="0"/>
-            <a:ext cx="9144000" cy="699840"/>
-            <a:chOff x="-12700" y="1041400"/>
-            <a:chExt cx="9144000" cy="699840"/>
-          </a:xfrm>
-        </p:grpSpPr>
-        <p:sp>
-          <p:nvSpPr>
-            <p:cNvPr id="5" name="Rectangle 4"/>
-            <p:cNvSpPr/>
-            <p:nvPr/>
-          </p:nvSpPr>
-          <p:spPr>
-            <a:xfrm>
-              <a:off x="-12700" y="1041400"/>
-              <a:ext cx="9144000" cy="699840"/>
-            </a:xfrm>
-            <a:prstGeom prst="rect">
-              <a:avLst/>
-            </a:prstGeom>
-            <a:solidFill>
-              <a:srgbClr val="57068C"/>
-            </a:solidFill>
-            <a:ln>
-              <a:noFill/>
-            </a:ln>
-          </p:spPr>
-          <p:style>
-            <a:lnRef idx="1">
-              <a:schemeClr val="accent1"/>
-            </a:lnRef>
-            <a:fillRef idx="3">
-              <a:schemeClr val="accent1"/>
-            </a:fillRef>
-            <a:effectRef idx="2">
-              <a:schemeClr val="accent1"/>
-            </a:effectRef>
-            <a:fontRef idx="minor">
-              <a:schemeClr val="lt1"/>
-            </a:fontRef>
-          </p:style>
-          <p:txBody>
-            <a:bodyPr anchor="ctr"/>
-            <a:lstStyle/>
-            <a:p>
-              <a:pPr>
-                <a:spcBef>
-                  <a:spcPct val="0"/>
-                </a:spcBef>
-              </a:pPr>
-              <a:endParaRPr lang="en-US" sz="1000" dirty="0">
-                <a:latin typeface="Helvetica Neue"/>
-                <a:cs typeface="Helvetica Neue"/>
-              </a:endParaRPr>
-            </a:p>
-          </p:txBody>
-        </p:sp>
-        <p:sp>
-          <p:nvSpPr>
-            <p:cNvPr id="6" name="Text Placeholder 2"/>
-            <p:cNvSpPr txBox="1">
-              <a:spLocks/>
-            </p:cNvSpPr>
-            <p:nvPr/>
-          </p:nvSpPr>
-          <p:spPr bwMode="auto">
-            <a:xfrm>
-              <a:off x="6829910" y="1284442"/>
-              <a:ext cx="2094097" cy="228599"/>
-            </a:xfrm>
-            <a:prstGeom prst="rect">
-              <a:avLst/>
-            </a:prstGeom>
-            <a:noFill/>
-            <a:extLst>
-              <a:ext uri="{909E8E84-426E-40dd-AFC4-6F175D3DCCD1}">
-                <a14:hiddenFill xmlns:a14="http://schemas.microsoft.com/office/drawing/2010/main">
-                  <a:solidFill>
-                    <a:srgbClr val="FFFFFF"/>
-                  </a:solidFill>
-                </a14:hiddenFill>
-              </a:ext>
-              <a:ext uri="{91240B29-F687-4f45-9708-019B960494DF}">
-                <a14:hiddenLine xmlns:a14="http://schemas.microsoft.com/office/drawing/2010/main" w="9525">
-                  <a:solidFill>
-                    <a:srgbClr val="000000"/>
-                  </a:solidFill>
-                  <a:miter lim="800000"/>
-                  <a:headEnd/>
-                  <a:tailEnd/>
-                </a14:hiddenLine>
-              </a:ext>
-            </a:extLst>
-          </p:spPr>
-          <p:txBody>
-            <a:bodyPr vert="horz" wrap="square" lIns="91440" tIns="45720" rIns="91440" bIns="45720" numCol="1" rtlCol="0" anchor="ctr" compatLnSpc="1">
-              <a:prstTxWarp prst="textNoShape">
-                <a:avLst/>
-              </a:prstTxWarp>
-            </a:bodyPr>
-            <a:lstStyle>
-              <a:defPPr>
-                <a:defRPr lang="en-US"/>
-              </a:defPPr>
-              <a:lvl1pPr marL="0" algn="ctr" defTabSz="914400" rtl="0" eaLnBrk="1" latinLnBrk="0" hangingPunct="1">
-                <a:defRPr sz="1200" kern="1200">
-                  <a:solidFill>
-                    <a:schemeClr val="tx1">
-                      <a:tint val="75000"/>
-                    </a:schemeClr>
-                  </a:solidFill>
-                  <a:latin typeface="+mn-lt"/>
-                  <a:ea typeface="+mn-ea"/>
-                  <a:cs typeface="+mn-cs"/>
-                </a:defRPr>
-              </a:lvl1pPr>
-              <a:lvl2pPr marL="457200" algn="l" defTabSz="914400" rtl="0" eaLnBrk="1" latinLnBrk="0" hangingPunct="1">
-                <a:defRPr sz="1800" kern="1200">
-                  <a:solidFill>
-                    <a:schemeClr val="tx1"/>
-                  </a:solidFill>
-                  <a:latin typeface="+mn-lt"/>
-                  <a:ea typeface="+mn-ea"/>
-                  <a:cs typeface="+mn-cs"/>
-                </a:defRPr>
-              </a:lvl2pPr>
-              <a:lvl3pPr marL="914400" algn="l" defTabSz="914400" rtl="0" eaLnBrk="1" latinLnBrk="0" hangingPunct="1">
-                <a:defRPr sz="1800" kern="1200">
-                  <a:solidFill>
-                    <a:schemeClr val="tx1"/>
-                  </a:solidFill>
-                  <a:latin typeface="+mn-lt"/>
-                  <a:ea typeface="+mn-ea"/>
-                  <a:cs typeface="+mn-cs"/>
-                </a:defRPr>
-              </a:lvl3pPr>
-              <a:lvl4pPr marL="1371600" algn="l" defTabSz="914400" rtl="0" eaLnBrk="1" latinLnBrk="0" hangingPunct="1">
-                <a:defRPr sz="1800" kern="1200">
-                  <a:solidFill>
-                    <a:schemeClr val="tx1"/>
-                  </a:solidFill>
-                  <a:latin typeface="+mn-lt"/>
-                  <a:ea typeface="+mn-ea"/>
-                  <a:cs typeface="+mn-cs"/>
-                </a:defRPr>
-              </a:lvl4pPr>
-              <a:lvl5pPr marL="1828800" algn="l" defTabSz="914400" rtl="0" eaLnBrk="1" latinLnBrk="0" hangingPunct="1">
-                <a:defRPr sz="1800" kern="1200">
-                  <a:solidFill>
-                    <a:schemeClr val="tx1"/>
-                  </a:solidFill>
-                  <a:latin typeface="+mn-lt"/>
-                  <a:ea typeface="+mn-ea"/>
-                  <a:cs typeface="+mn-cs"/>
-                </a:defRPr>
-              </a:lvl5pPr>
-              <a:lvl6pPr marL="2286000" algn="l" defTabSz="914400" rtl="0" eaLnBrk="1" latinLnBrk="0" hangingPunct="1">
-                <a:defRPr sz="1800" kern="1200">
-                  <a:solidFill>
-                    <a:schemeClr val="tx1"/>
-                  </a:solidFill>
-                  <a:latin typeface="+mn-lt"/>
-                  <a:ea typeface="+mn-ea"/>
-                  <a:cs typeface="+mn-cs"/>
-                </a:defRPr>
-              </a:lvl6pPr>
-              <a:lvl7pPr marL="2743200" algn="l" defTabSz="914400" rtl="0" eaLnBrk="1" latinLnBrk="0" hangingPunct="1">
-                <a:defRPr sz="1800" kern="1200">
-                  <a:solidFill>
-                    <a:schemeClr val="tx1"/>
-                  </a:solidFill>
-                  <a:latin typeface="+mn-lt"/>
-                  <a:ea typeface="+mn-ea"/>
-                  <a:cs typeface="+mn-cs"/>
-                </a:defRPr>
-              </a:lvl7pPr>
-              <a:lvl8pPr marL="3200400" algn="l" defTabSz="914400" rtl="0" eaLnBrk="1" latinLnBrk="0" hangingPunct="1">
-                <a:defRPr sz="1800" kern="1200">
-                  <a:solidFill>
-                    <a:schemeClr val="tx1"/>
-                  </a:solidFill>
-                  <a:latin typeface="+mn-lt"/>
-                  <a:ea typeface="+mn-ea"/>
-                  <a:cs typeface="+mn-cs"/>
-                </a:defRPr>
-              </a:lvl8pPr>
-              <a:lvl9pPr marL="3657600" algn="l" defTabSz="914400" rtl="0" eaLnBrk="1" latinLnBrk="0" hangingPunct="1">
-                <a:defRPr sz="1800" kern="1200">
-                  <a:solidFill>
-                    <a:schemeClr val="tx1"/>
-                  </a:solidFill>
-                  <a:latin typeface="+mn-lt"/>
-                  <a:ea typeface="+mn-ea"/>
-                  <a:cs typeface="+mn-cs"/>
-                </a:defRPr>
-              </a:lvl9pPr>
-            </a:lstStyle>
-            <a:p>
-              <a:pPr algn="r">
-                <a:spcBef>
-                  <a:spcPct val="0"/>
-                </a:spcBef>
-              </a:pPr>
-              <a:r>
-                <a:rPr lang="en-US" sz="1000" b="1" dirty="0" smtClean="0">
-                  <a:solidFill>
-                    <a:srgbClr val="FFFFFF"/>
-                  </a:solidFill>
-                  <a:latin typeface="Helvetica Neue"/>
-                  <a:cs typeface="Helvetica Neue"/>
-                </a:rPr>
-                <a:t>Development </a:t>
-              </a:r>
-              <a:r>
-                <a:rPr lang="en-US" sz="1000" b="1" dirty="0">
-                  <a:solidFill>
-                    <a:srgbClr val="FFFFFF"/>
-                  </a:solidFill>
-                  <a:latin typeface="Helvetica Neue"/>
-                  <a:cs typeface="Helvetica Neue"/>
-                </a:rPr>
-                <a:t>Environment </a:t>
-              </a:r>
-              <a:r>
-                <a:rPr lang="en-US" sz="1000" b="1" dirty="0" smtClean="0">
-                  <a:solidFill>
-                    <a:srgbClr val="FFFFFF"/>
-                  </a:solidFill>
-                  <a:latin typeface="Helvetica Neue"/>
-                  <a:cs typeface="Helvetica Neue"/>
-                </a:rPr>
-                <a:t>&amp;</a:t>
-              </a:r>
-            </a:p>
-            <a:p>
-              <a:pPr algn="r">
-                <a:spcBef>
-                  <a:spcPct val="0"/>
-                </a:spcBef>
-              </a:pPr>
-              <a:r>
-                <a:rPr lang="en-US" sz="1000" b="1" dirty="0" smtClean="0">
-                  <a:solidFill>
-                    <a:srgbClr val="FFFFFF"/>
-                  </a:solidFill>
-                  <a:latin typeface="Helvetica Neue"/>
-                  <a:cs typeface="Helvetica Neue"/>
-                </a:rPr>
-                <a:t>Version </a:t>
-              </a:r>
-              <a:r>
-                <a:rPr lang="en-US" sz="1000" b="1" dirty="0">
-                  <a:solidFill>
-                    <a:srgbClr val="FFFFFF"/>
-                  </a:solidFill>
-                  <a:latin typeface="Helvetica Neue"/>
-                  <a:cs typeface="Helvetica Neue"/>
-                </a:rPr>
-                <a:t>Control</a:t>
-              </a:r>
-            </a:p>
-          </p:txBody>
-        </p:sp>
-        <p:pic>
-          <p:nvPicPr>
-            <p:cNvPr id="8" name="Picture 6"/>
-            <p:cNvPicPr>
-              <a:picLocks noChangeAspect="1"/>
-            </p:cNvPicPr>
-            <p:nvPr/>
-          </p:nvPicPr>
-          <p:blipFill>
-            <a:blip r:embed="rId4">
-              <a:extLst>
-                <a:ext uri="{28A0092B-C50C-407E-A947-70E740481C1C}">
-                  <a14:useLocalDpi xmlns:a14="http://schemas.microsoft.com/office/drawing/2010/main" val="0"/>
-                </a:ext>
-              </a:extLst>
-            </a:blip>
-            <a:srcRect/>
-            <a:stretch>
-              <a:fillRect/>
-            </a:stretch>
-          </p:blipFill>
-          <p:spPr bwMode="auto">
-            <a:xfrm>
-              <a:off x="257175" y="1284442"/>
-              <a:ext cx="1465263" cy="228600"/>
-            </a:xfrm>
-            <a:prstGeom prst="rect">
-              <a:avLst/>
-            </a:prstGeom>
-            <a:noFill/>
-            <a:ln>
-              <a:noFill/>
-            </a:ln>
-            <a:extLst>
-              <a:ext uri="{909E8E84-426E-40dd-AFC4-6F175D3DCCD1}">
-                <a14:hiddenFill xmlns:a14="http://schemas.microsoft.com/office/drawing/2010/main">
-                  <a:solidFill>
-                    <a:srgbClr val="FFFFFF"/>
-                  </a:solidFill>
-                </a14:hiddenFill>
-              </a:ext>
-              <a:ext uri="{91240B29-F687-4f45-9708-019B960494DF}">
-                <a14:hiddenLine xmlns:a14="http://schemas.microsoft.com/office/drawing/2010/main" w="9525">
-                  <a:solidFill>
-                    <a:srgbClr val="000000"/>
-                  </a:solidFill>
-                  <a:miter lim="800000"/>
-                  <a:headEnd/>
-                  <a:tailEnd/>
-                </a14:hiddenLine>
-              </a:ext>
-            </a:extLst>
-          </p:spPr>
-        </p:pic>
-      </p:grpSp>
-      <p:sp>
-        <p:nvSpPr>
-          <p:cNvPr id="2" name="Rectangle 1"/>
-          <p:cNvSpPr/>
-          <p:nvPr/>
-        </p:nvSpPr>
-        <p:spPr>
-          <a:xfrm>
-            <a:off x="269876" y="1343534"/>
-            <a:ext cx="8666831" cy="923330"/>
-          </a:xfrm>
-          <a:prstGeom prst="rect">
-            <a:avLst/>
-          </a:prstGeom>
-        </p:spPr>
-        <p:txBody>
-          <a:bodyPr wrap="square">
-            <a:spAutoFit/>
-          </a:bodyPr>
-          <a:lstStyle/>
-          <a:p>
-            <a:pPr algn="ctr"/>
-            <a:r>
-              <a:rPr lang="en-US" sz="5400" b="1" dirty="0" smtClean="0">
-                <a:solidFill>
-                  <a:schemeClr val="bg1">
-                    <a:lumMod val="85000"/>
-                    <a:lumOff val="15000"/>
-                  </a:schemeClr>
-                </a:solidFill>
-              </a:rPr>
-              <a:t>Authorization:</a:t>
-            </a:r>
-            <a:endParaRPr lang="en-US" sz="5400" b="1" dirty="0">
-              <a:solidFill>
-                <a:schemeClr val="bg1">
-                  <a:lumMod val="85000"/>
-                  <a:lumOff val="15000"/>
-                </a:schemeClr>
-              </a:solidFill>
-              <a:latin typeface="Helvetica Neue"/>
-              <a:cs typeface="Helvetica Neue"/>
-            </a:endParaRPr>
-          </a:p>
-        </p:txBody>
-      </p:sp>
-      <p:grpSp>
-        <p:nvGrpSpPr>
-          <p:cNvPr id="7" name="Group 6"/>
-          <p:cNvGrpSpPr/>
-          <p:nvPr/>
-        </p:nvGrpSpPr>
-        <p:grpSpPr>
-          <a:xfrm>
-            <a:off x="626374" y="2407478"/>
-            <a:ext cx="7905289" cy="4103661"/>
-            <a:chOff x="2889965" y="1624563"/>
-            <a:chExt cx="7905289" cy="4103661"/>
-          </a:xfrm>
-        </p:grpSpPr>
-        <p:sp>
-          <p:nvSpPr>
-            <p:cNvPr id="4" name="Rectangle 3"/>
-            <p:cNvSpPr/>
-            <p:nvPr/>
-          </p:nvSpPr>
-          <p:spPr>
-            <a:xfrm>
-              <a:off x="2889965" y="1624563"/>
-              <a:ext cx="7905289" cy="4103661"/>
-            </a:xfrm>
-            <a:prstGeom prst="rect">
-              <a:avLst/>
-            </a:prstGeom>
-          </p:spPr>
-          <p:style>
-            <a:lnRef idx="2">
-              <a:schemeClr val="dk1"/>
-            </a:lnRef>
-            <a:fillRef idx="1">
-              <a:schemeClr val="lt1"/>
-            </a:fillRef>
-            <a:effectRef idx="0">
-              <a:schemeClr val="dk1"/>
-            </a:effectRef>
-            <a:fontRef idx="minor">
-              <a:schemeClr val="dk1"/>
-            </a:fontRef>
-          </p:style>
-          <p:txBody>
-            <a:bodyPr rtlCol="0" anchor="ctr"/>
-            <a:lstStyle/>
-            <a:p>
-              <a:pPr algn="ctr"/>
-              <a:endParaRPr lang="en-US">
-                <a:solidFill>
-                  <a:schemeClr val="tx1"/>
-                </a:solidFill>
-              </a:endParaRPr>
-            </a:p>
-          </p:txBody>
-        </p:sp>
-        <p:sp>
-          <p:nvSpPr>
-            <p:cNvPr id="3" name="Rectangle 2"/>
-            <p:cNvSpPr/>
-            <p:nvPr/>
-          </p:nvSpPr>
-          <p:spPr>
-            <a:xfrm>
-              <a:off x="3395124" y="2004310"/>
-              <a:ext cx="6894972" cy="954107"/>
-            </a:xfrm>
-            <a:prstGeom prst="rect">
-              <a:avLst/>
-            </a:prstGeom>
-          </p:spPr>
-          <p:txBody>
-            <a:bodyPr wrap="square">
-              <a:spAutoFit/>
-            </a:bodyPr>
-            <a:lstStyle/>
-            <a:p>
-              <a:r>
-                <a:rPr lang="en-US" sz="2800" dirty="0" smtClean="0">
-                  <a:solidFill>
-                    <a:srgbClr val="000000"/>
-                  </a:solidFill>
-                  <a:latin typeface="Helvetica Neue"/>
-                  <a:cs typeface="Helvetica Neue"/>
-                </a:rPr>
-                <a:t>1.	Defining policies</a:t>
-              </a:r>
-            </a:p>
-            <a:p>
-              <a:r>
-                <a:rPr lang="en-US" sz="2800" dirty="0" smtClean="0">
-                  <a:solidFill>
-                    <a:srgbClr val="000000"/>
-                  </a:solidFill>
-                  <a:latin typeface="Helvetica Neue"/>
-                  <a:cs typeface="Helvetica Neue"/>
-                </a:rPr>
-                <a:t>2.	Checking authorization</a:t>
-              </a:r>
-            </a:p>
-          </p:txBody>
-        </p:sp>
-      </p:grpSp>
-    </p:spTree>
-    <p:extLst>
-      <p:ext uri="{BB962C8B-B14F-4D97-AF65-F5344CB8AC3E}">
-        <p14:creationId xmlns:p14="http://schemas.microsoft.com/office/powerpoint/2010/main" val="2726640869"/>
-      </p:ext>
-    </p:extLst>
-  </p:cSld>
-  <p:clrMapOvr>
-    <a:masterClrMapping/>
-  </p:clrMapOvr>
-  <p:timing>
-    <p:tnLst>
-      <p:par>
-        <p:cTn xmlns:p14="http://schemas.microsoft.com/office/powerpoint/2010/main" id="1" dur="indefinite" restart="never" nodeType="tmRoot"/>
-      </p:par>
-    </p:tnLst>
-  </p:timing>
-</p:sld>
-</file>
-
-<file path=ppt/slides/slide9.xml><?xml version="1.0" encoding="utf-8"?>
-<p:sld xmlns:a="http://schemas.openxmlformats.org/drawingml/2006/main" xmlns:r="http://schemas.openxmlformats.org/officeDocument/2006/relationships" xmlns:p="http://schemas.openxmlformats.org/presentationml/2006/main">
-  <p:cSld>
-    <p:bg>
-      <p:bgPr>
-        <a:blipFill rotWithShape="1">
-          <a:blip r:embed="rId3"/>
-          <a:stretch>
-            <a:fillRect/>
-          </a:stretch>
-        </a:blipFill>
-        <a:effectLst/>
-      </p:bgPr>
-    </p:bg>
-    <p:spTree>
-      <p:nvGrpSpPr>
-        <p:cNvPr id="1" name=""/>
-        <p:cNvGrpSpPr/>
-        <p:nvPr/>
-      </p:nvGrpSpPr>
-      <p:grpSpPr>
-        <a:xfrm>
-          <a:off x="0" y="0"/>
-          <a:ext cx="0" cy="0"/>
-          <a:chOff x="0" y="0"/>
-          <a:chExt cx="0" cy="0"/>
-        </a:xfrm>
-      </p:grpSpPr>
-      <p:grpSp>
-        <p:nvGrpSpPr>
-          <p:cNvPr id="11" name="Group 10"/>
-          <p:cNvGrpSpPr/>
-          <p:nvPr/>
-        </p:nvGrpSpPr>
-        <p:grpSpPr>
-          <a:xfrm>
-            <a:off x="0" y="0"/>
-            <a:ext cx="9144000" cy="699840"/>
-            <a:chOff x="-12700" y="1041400"/>
-            <a:chExt cx="9144000" cy="699840"/>
-          </a:xfrm>
-        </p:grpSpPr>
-        <p:sp>
-          <p:nvSpPr>
-            <p:cNvPr id="5" name="Rectangle 4"/>
-            <p:cNvSpPr/>
-            <p:nvPr/>
-          </p:nvSpPr>
-          <p:spPr>
-            <a:xfrm>
-              <a:off x="-12700" y="1041400"/>
-              <a:ext cx="9144000" cy="699840"/>
-            </a:xfrm>
-            <a:prstGeom prst="rect">
-              <a:avLst/>
-            </a:prstGeom>
-            <a:solidFill>
-              <a:srgbClr val="57068C"/>
-            </a:solidFill>
-            <a:ln>
-              <a:noFill/>
-            </a:ln>
-          </p:spPr>
-          <p:style>
-            <a:lnRef idx="1">
-              <a:schemeClr val="accent1"/>
-            </a:lnRef>
-            <a:fillRef idx="3">
-              <a:schemeClr val="accent1"/>
-            </a:fillRef>
-            <a:effectRef idx="2">
-              <a:schemeClr val="accent1"/>
-            </a:effectRef>
-            <a:fontRef idx="minor">
-              <a:schemeClr val="lt1"/>
-            </a:fontRef>
-          </p:style>
-          <p:txBody>
-            <a:bodyPr anchor="ctr"/>
-            <a:lstStyle/>
-            <a:p>
-              <a:pPr>
-                <a:spcBef>
-                  <a:spcPct val="0"/>
-                </a:spcBef>
-              </a:pPr>
-              <a:endParaRPr lang="en-US" sz="1000" dirty="0">
-                <a:latin typeface="Helvetica Neue"/>
-                <a:cs typeface="Helvetica Neue"/>
-              </a:endParaRPr>
-            </a:p>
-          </p:txBody>
-        </p:sp>
-        <p:sp>
-          <p:nvSpPr>
-            <p:cNvPr id="6" name="Text Placeholder 2"/>
-            <p:cNvSpPr txBox="1">
-              <a:spLocks/>
-            </p:cNvSpPr>
-            <p:nvPr/>
-          </p:nvSpPr>
-          <p:spPr bwMode="auto">
-            <a:xfrm>
-              <a:off x="6829910" y="1284442"/>
-              <a:ext cx="2094097" cy="228599"/>
-            </a:xfrm>
-            <a:prstGeom prst="rect">
-              <a:avLst/>
-            </a:prstGeom>
-            <a:noFill/>
-            <a:extLst>
-              <a:ext uri="{909E8E84-426E-40dd-AFC4-6F175D3DCCD1}">
-                <a14:hiddenFill xmlns:a14="http://schemas.microsoft.com/office/drawing/2010/main">
-                  <a:solidFill>
-                    <a:srgbClr val="FFFFFF"/>
-                  </a:solidFill>
-                </a14:hiddenFill>
-              </a:ext>
-              <a:ext uri="{91240B29-F687-4f45-9708-019B960494DF}">
-                <a14:hiddenLine xmlns:a14="http://schemas.microsoft.com/office/drawing/2010/main" w="9525">
-                  <a:solidFill>
-                    <a:srgbClr val="000000"/>
-                  </a:solidFill>
-                  <a:miter lim="800000"/>
-                  <a:headEnd/>
-                  <a:tailEnd/>
-                </a14:hiddenLine>
-              </a:ext>
-            </a:extLst>
-          </p:spPr>
-          <p:txBody>
-            <a:bodyPr vert="horz" wrap="square" lIns="91440" tIns="45720" rIns="91440" bIns="45720" numCol="1" rtlCol="0" anchor="ctr" compatLnSpc="1">
-              <a:prstTxWarp prst="textNoShape">
-                <a:avLst/>
-              </a:prstTxWarp>
-            </a:bodyPr>
-            <a:lstStyle>
-              <a:defPPr>
-                <a:defRPr lang="en-US"/>
-              </a:defPPr>
-              <a:lvl1pPr marL="0" algn="ctr" defTabSz="914400" rtl="0" eaLnBrk="1" latinLnBrk="0" hangingPunct="1">
-                <a:defRPr sz="1200" kern="1200">
-                  <a:solidFill>
-                    <a:schemeClr val="tx1">
-                      <a:tint val="75000"/>
-                    </a:schemeClr>
-                  </a:solidFill>
-                  <a:latin typeface="+mn-lt"/>
-                  <a:ea typeface="+mn-ea"/>
-                  <a:cs typeface="+mn-cs"/>
-                </a:defRPr>
-              </a:lvl1pPr>
-              <a:lvl2pPr marL="457200" algn="l" defTabSz="914400" rtl="0" eaLnBrk="1" latinLnBrk="0" hangingPunct="1">
-                <a:defRPr sz="1800" kern="1200">
-                  <a:solidFill>
-                    <a:schemeClr val="tx1"/>
-                  </a:solidFill>
-                  <a:latin typeface="+mn-lt"/>
-                  <a:ea typeface="+mn-ea"/>
-                  <a:cs typeface="+mn-cs"/>
-                </a:defRPr>
-              </a:lvl2pPr>
-              <a:lvl3pPr marL="914400" algn="l" defTabSz="914400" rtl="0" eaLnBrk="1" latinLnBrk="0" hangingPunct="1">
-                <a:defRPr sz="1800" kern="1200">
-                  <a:solidFill>
-                    <a:schemeClr val="tx1"/>
-                  </a:solidFill>
-                  <a:latin typeface="+mn-lt"/>
-                  <a:ea typeface="+mn-ea"/>
-                  <a:cs typeface="+mn-cs"/>
-                </a:defRPr>
-              </a:lvl3pPr>
-              <a:lvl4pPr marL="1371600" algn="l" defTabSz="914400" rtl="0" eaLnBrk="1" latinLnBrk="0" hangingPunct="1">
-                <a:defRPr sz="1800" kern="1200">
-                  <a:solidFill>
-                    <a:schemeClr val="tx1"/>
-                  </a:solidFill>
-                  <a:latin typeface="+mn-lt"/>
-                  <a:ea typeface="+mn-ea"/>
-                  <a:cs typeface="+mn-cs"/>
-                </a:defRPr>
-              </a:lvl4pPr>
-              <a:lvl5pPr marL="1828800" algn="l" defTabSz="914400" rtl="0" eaLnBrk="1" latinLnBrk="0" hangingPunct="1">
-                <a:defRPr sz="1800" kern="1200">
-                  <a:solidFill>
-                    <a:schemeClr val="tx1"/>
-                  </a:solidFill>
-                  <a:latin typeface="+mn-lt"/>
-                  <a:ea typeface="+mn-ea"/>
-                  <a:cs typeface="+mn-cs"/>
-                </a:defRPr>
-              </a:lvl5pPr>
-              <a:lvl6pPr marL="2286000" algn="l" defTabSz="914400" rtl="0" eaLnBrk="1" latinLnBrk="0" hangingPunct="1">
-                <a:defRPr sz="1800" kern="1200">
-                  <a:solidFill>
-                    <a:schemeClr val="tx1"/>
-                  </a:solidFill>
-                  <a:latin typeface="+mn-lt"/>
-                  <a:ea typeface="+mn-ea"/>
-                  <a:cs typeface="+mn-cs"/>
-                </a:defRPr>
-              </a:lvl6pPr>
-              <a:lvl7pPr marL="2743200" algn="l" defTabSz="914400" rtl="0" eaLnBrk="1" latinLnBrk="0" hangingPunct="1">
-                <a:defRPr sz="1800" kern="1200">
-                  <a:solidFill>
-                    <a:schemeClr val="tx1"/>
-                  </a:solidFill>
-                  <a:latin typeface="+mn-lt"/>
-                  <a:ea typeface="+mn-ea"/>
-                  <a:cs typeface="+mn-cs"/>
-                </a:defRPr>
-              </a:lvl7pPr>
-              <a:lvl8pPr marL="3200400" algn="l" defTabSz="914400" rtl="0" eaLnBrk="1" latinLnBrk="0" hangingPunct="1">
-                <a:defRPr sz="1800" kern="1200">
-                  <a:solidFill>
-                    <a:schemeClr val="tx1"/>
-                  </a:solidFill>
-                  <a:latin typeface="+mn-lt"/>
-                  <a:ea typeface="+mn-ea"/>
-                  <a:cs typeface="+mn-cs"/>
-                </a:defRPr>
-              </a:lvl8pPr>
-              <a:lvl9pPr marL="3657600" algn="l" defTabSz="914400" rtl="0" eaLnBrk="1" latinLnBrk="0" hangingPunct="1">
-                <a:defRPr sz="1800" kern="1200">
-                  <a:solidFill>
-                    <a:schemeClr val="tx1"/>
-                  </a:solidFill>
-                  <a:latin typeface="+mn-lt"/>
-                  <a:ea typeface="+mn-ea"/>
-                  <a:cs typeface="+mn-cs"/>
-                </a:defRPr>
-              </a:lvl9pPr>
-            </a:lstStyle>
-            <a:p>
-              <a:pPr algn="r">
-                <a:spcBef>
-                  <a:spcPct val="0"/>
-                </a:spcBef>
-              </a:pPr>
-              <a:r>
-                <a:rPr lang="en-US" sz="1000" b="1" dirty="0" smtClean="0">
-                  <a:solidFill>
-                    <a:srgbClr val="FFFFFF"/>
-                  </a:solidFill>
-                  <a:latin typeface="Helvetica Neue"/>
-                  <a:cs typeface="Helvetica Neue"/>
-                </a:rPr>
-                <a:t>Development </a:t>
-              </a:r>
-              <a:r>
-                <a:rPr lang="en-US" sz="1000" b="1" dirty="0">
-                  <a:solidFill>
-                    <a:srgbClr val="FFFFFF"/>
-                  </a:solidFill>
-                  <a:latin typeface="Helvetica Neue"/>
-                  <a:cs typeface="Helvetica Neue"/>
-                </a:rPr>
-                <a:t>Environment </a:t>
-              </a:r>
-              <a:r>
-                <a:rPr lang="en-US" sz="1000" b="1" dirty="0" smtClean="0">
-                  <a:solidFill>
-                    <a:srgbClr val="FFFFFF"/>
-                  </a:solidFill>
-                  <a:latin typeface="Helvetica Neue"/>
-                  <a:cs typeface="Helvetica Neue"/>
-                </a:rPr>
-                <a:t>&amp;</a:t>
-              </a:r>
-            </a:p>
-            <a:p>
-              <a:pPr algn="r">
-                <a:spcBef>
-                  <a:spcPct val="0"/>
-                </a:spcBef>
-              </a:pPr>
-              <a:r>
-                <a:rPr lang="en-US" sz="1000" b="1" dirty="0" smtClean="0">
-                  <a:solidFill>
-                    <a:srgbClr val="FFFFFF"/>
-                  </a:solidFill>
-                  <a:latin typeface="Helvetica Neue"/>
-                  <a:cs typeface="Helvetica Neue"/>
-                </a:rPr>
-                <a:t>Version </a:t>
-              </a:r>
-              <a:r>
-                <a:rPr lang="en-US" sz="1000" b="1" dirty="0">
-                  <a:solidFill>
-                    <a:srgbClr val="FFFFFF"/>
-                  </a:solidFill>
-                  <a:latin typeface="Helvetica Neue"/>
-                  <a:cs typeface="Helvetica Neue"/>
-                </a:rPr>
-                <a:t>Control</a:t>
-              </a:r>
-            </a:p>
-          </p:txBody>
-        </p:sp>
-        <p:pic>
-          <p:nvPicPr>
-            <p:cNvPr id="8" name="Picture 6"/>
-            <p:cNvPicPr>
-              <a:picLocks noChangeAspect="1"/>
-            </p:cNvPicPr>
-            <p:nvPr/>
-          </p:nvPicPr>
-          <p:blipFill>
-            <a:blip r:embed="rId4">
-              <a:extLst>
-                <a:ext uri="{28A0092B-C50C-407E-A947-70E740481C1C}">
-                  <a14:useLocalDpi xmlns:a14="http://schemas.microsoft.com/office/drawing/2010/main" val="0"/>
-                </a:ext>
-              </a:extLst>
-            </a:blip>
-            <a:srcRect/>
-            <a:stretch>
-              <a:fillRect/>
-            </a:stretch>
-          </p:blipFill>
-          <p:spPr bwMode="auto">
-            <a:xfrm>
-              <a:off x="257175" y="1284442"/>
-              <a:ext cx="1465263" cy="228600"/>
-            </a:xfrm>
-            <a:prstGeom prst="rect">
-              <a:avLst/>
-            </a:prstGeom>
-            <a:noFill/>
-            <a:ln>
-              <a:noFill/>
-            </a:ln>
-            <a:extLst>
-              <a:ext uri="{909E8E84-426E-40dd-AFC4-6F175D3DCCD1}">
-                <a14:hiddenFill xmlns:a14="http://schemas.microsoft.com/office/drawing/2010/main">
-                  <a:solidFill>
-                    <a:srgbClr val="FFFFFF"/>
-                  </a:solidFill>
-                </a14:hiddenFill>
-              </a:ext>
-              <a:ext uri="{91240B29-F687-4f45-9708-019B960494DF}">
-                <a14:hiddenLine xmlns:a14="http://schemas.microsoft.com/office/drawing/2010/main" w="9525">
-                  <a:solidFill>
-                    <a:srgbClr val="000000"/>
-                  </a:solidFill>
-                  <a:miter lim="800000"/>
-                  <a:headEnd/>
-                  <a:tailEnd/>
-                </a14:hiddenLine>
-              </a:ext>
-            </a:extLst>
-          </p:spPr>
-        </p:pic>
-      </p:grpSp>
-      <p:sp>
-        <p:nvSpPr>
-          <p:cNvPr id="2" name="Rectangle 1"/>
-          <p:cNvSpPr/>
-          <p:nvPr/>
-        </p:nvSpPr>
-        <p:spPr>
-          <a:xfrm>
-            <a:off x="269876" y="1343534"/>
-            <a:ext cx="8666831" cy="923330"/>
-          </a:xfrm>
-          <a:prstGeom prst="rect">
-            <a:avLst/>
-          </a:prstGeom>
-        </p:spPr>
-        <p:txBody>
-          <a:bodyPr wrap="square">
-            <a:spAutoFit/>
-          </a:bodyPr>
-          <a:lstStyle/>
-          <a:p>
-            <a:pPr algn="ctr"/>
-            <a:r>
-              <a:rPr lang="en-US" sz="5400" b="1" dirty="0" smtClean="0">
-                <a:solidFill>
-                  <a:schemeClr val="bg1">
-                    <a:lumMod val="85000"/>
-                    <a:lumOff val="15000"/>
-                  </a:schemeClr>
-                </a:solidFill>
-              </a:rPr>
-              <a:t>Encryption</a:t>
-            </a:r>
-            <a:endParaRPr lang="en-US" sz="5400" b="1" dirty="0">
-              <a:solidFill>
-                <a:schemeClr val="bg1">
-                  <a:lumMod val="85000"/>
-                  <a:lumOff val="15000"/>
-                </a:schemeClr>
-              </a:solidFill>
-              <a:latin typeface="Helvetica Neue"/>
-              <a:cs typeface="Helvetica Neue"/>
-            </a:endParaRPr>
-          </a:p>
-        </p:txBody>
-      </p:sp>
-      <p:grpSp>
-        <p:nvGrpSpPr>
-          <p:cNvPr id="7" name="Group 6"/>
-          <p:cNvGrpSpPr/>
-          <p:nvPr/>
-        </p:nvGrpSpPr>
-        <p:grpSpPr>
-          <a:xfrm>
-            <a:off x="626374" y="2407478"/>
-            <a:ext cx="7905289" cy="4103661"/>
-            <a:chOff x="2889965" y="1624563"/>
-            <a:chExt cx="7905289" cy="4103661"/>
-          </a:xfrm>
-        </p:grpSpPr>
-        <p:sp>
-          <p:nvSpPr>
-            <p:cNvPr id="4" name="Rectangle 3"/>
-            <p:cNvSpPr/>
-            <p:nvPr/>
-          </p:nvSpPr>
-          <p:spPr>
-            <a:xfrm>
-              <a:off x="2889965" y="1624563"/>
-              <a:ext cx="7905289" cy="4103661"/>
-            </a:xfrm>
-            <a:prstGeom prst="rect">
-              <a:avLst/>
-            </a:prstGeom>
-          </p:spPr>
-          <p:style>
-            <a:lnRef idx="2">
-              <a:schemeClr val="dk1"/>
-            </a:lnRef>
-            <a:fillRef idx="1">
-              <a:schemeClr val="lt1"/>
-            </a:fillRef>
-            <a:effectRef idx="0">
-              <a:schemeClr val="dk1"/>
-            </a:effectRef>
-            <a:fontRef idx="minor">
-              <a:schemeClr val="dk1"/>
-            </a:fontRef>
-          </p:style>
-          <p:txBody>
-            <a:bodyPr rtlCol="0" anchor="ctr"/>
-            <a:lstStyle/>
-            <a:p>
-              <a:pPr algn="ctr"/>
-              <a:endParaRPr lang="en-US">
-                <a:solidFill>
-                  <a:schemeClr val="tx1"/>
-                </a:solidFill>
-              </a:endParaRPr>
-            </a:p>
-          </p:txBody>
-        </p:sp>
-        <p:sp>
-          <p:nvSpPr>
-            <p:cNvPr id="3" name="Rectangle 2"/>
-            <p:cNvSpPr/>
-            <p:nvPr/>
-          </p:nvSpPr>
-          <p:spPr>
-            <a:xfrm>
-              <a:off x="3395124" y="2004310"/>
-              <a:ext cx="6894972" cy="1569660"/>
-            </a:xfrm>
-            <a:prstGeom prst="rect">
-              <a:avLst/>
-            </a:prstGeom>
-          </p:spPr>
-          <p:txBody>
-            <a:bodyPr wrap="square">
-              <a:spAutoFit/>
-            </a:bodyPr>
-            <a:lstStyle/>
-            <a:p>
-              <a:r>
-                <a:rPr lang="en-US" sz="2400" dirty="0" smtClean="0">
-                  <a:solidFill>
-                    <a:srgbClr val="000000"/>
-                  </a:solidFill>
-                  <a:latin typeface="Helvetica Neue"/>
-                  <a:cs typeface="Helvetica Neue"/>
-                </a:rPr>
-                <a:t>Encryption is a process that transforms data so that it will be unreadable to others while encrypted. Encryption is used to prevent unauthorized access to accounts or data. </a:t>
-              </a:r>
-              <a:endParaRPr lang="en-US" sz="2400" dirty="0">
-                <a:solidFill>
-                  <a:srgbClr val="000000"/>
-                </a:solidFill>
-                <a:latin typeface="Helvetica Neue"/>
-                <a:cs typeface="Helvetica Neue"/>
-              </a:endParaRPr>
-            </a:p>
-          </p:txBody>
-        </p:sp>
-      </p:grpSp>
-    </p:spTree>
-    <p:extLst>
-      <p:ext uri="{BB962C8B-B14F-4D97-AF65-F5344CB8AC3E}">
-        <p14:creationId xmlns:p14="http://schemas.microsoft.com/office/powerpoint/2010/main" val="2551188722"/>
       </p:ext>
     </p:extLst>
   </p:cSld>
